--- a/exampleSite/static/images/Hure.pptx
+++ b/exampleSite/static/images/Hure.pptx
@@ -6,6 +6,8 @@
   </p:sldMasterIdLst>
   <p:sldIdLst>
     <p:sldId id="256" r:id="rId2"/>
+    <p:sldId id="257" r:id="rId3"/>
+    <p:sldId id="258" r:id="rId4"/>
   </p:sldIdLst>
   <p:sldSz cx="12192000" cy="6858000"/>
   <p:notesSz cx="6858000" cy="9144000"/>
@@ -124,6 +126,1500 @@
 </file>
 
 <file path=ppt/diagrams/colors1.xml><?xml version="1.0" encoding="utf-8"?>
+<dgm:colorsDef xmlns:dgm="http://schemas.openxmlformats.org/drawingml/2006/diagram" xmlns:a="http://schemas.openxmlformats.org/drawingml/2006/main" uniqueId="urn:microsoft.com/office/officeart/2005/8/colors/accent1_2">
+  <dgm:title val=""/>
+  <dgm:desc val=""/>
+  <dgm:catLst>
+    <dgm:cat type="accent1" pri="11200"/>
+  </dgm:catLst>
+  <dgm:styleLbl name="node0">
+    <dgm:fillClrLst meth="repeat">
+      <a:schemeClr val="accent1"/>
+    </dgm:fillClrLst>
+    <dgm:linClrLst meth="repeat">
+      <a:schemeClr val="lt1"/>
+    </dgm:linClrLst>
+    <dgm:effectClrLst/>
+    <dgm:txLinClrLst/>
+    <dgm:txFillClrLst/>
+    <dgm:txEffectClrLst/>
+  </dgm:styleLbl>
+  <dgm:styleLbl name="alignNode1">
+    <dgm:fillClrLst meth="repeat">
+      <a:schemeClr val="accent1"/>
+    </dgm:fillClrLst>
+    <dgm:linClrLst meth="repeat">
+      <a:schemeClr val="accent1"/>
+    </dgm:linClrLst>
+    <dgm:effectClrLst/>
+    <dgm:txLinClrLst/>
+    <dgm:txFillClrLst/>
+    <dgm:txEffectClrLst/>
+  </dgm:styleLbl>
+  <dgm:styleLbl name="node1">
+    <dgm:fillClrLst meth="repeat">
+      <a:schemeClr val="accent1"/>
+    </dgm:fillClrLst>
+    <dgm:linClrLst meth="repeat">
+      <a:schemeClr val="lt1"/>
+    </dgm:linClrLst>
+    <dgm:effectClrLst/>
+    <dgm:txLinClrLst/>
+    <dgm:txFillClrLst/>
+    <dgm:txEffectClrLst/>
+  </dgm:styleLbl>
+  <dgm:styleLbl name="lnNode1">
+    <dgm:fillClrLst meth="repeat">
+      <a:schemeClr val="accent1"/>
+    </dgm:fillClrLst>
+    <dgm:linClrLst meth="repeat">
+      <a:schemeClr val="lt1"/>
+    </dgm:linClrLst>
+    <dgm:effectClrLst/>
+    <dgm:txLinClrLst/>
+    <dgm:txFillClrLst/>
+    <dgm:txEffectClrLst/>
+  </dgm:styleLbl>
+  <dgm:styleLbl name="vennNode1">
+    <dgm:fillClrLst meth="repeat">
+      <a:schemeClr val="accent1">
+        <a:alpha val="50000"/>
+      </a:schemeClr>
+    </dgm:fillClrLst>
+    <dgm:linClrLst meth="repeat">
+      <a:schemeClr val="lt1"/>
+    </dgm:linClrLst>
+    <dgm:effectClrLst/>
+    <dgm:txLinClrLst/>
+    <dgm:txFillClrLst/>
+    <dgm:txEffectClrLst/>
+  </dgm:styleLbl>
+  <dgm:styleLbl name="node2">
+    <dgm:fillClrLst meth="repeat">
+      <a:schemeClr val="accent1"/>
+    </dgm:fillClrLst>
+    <dgm:linClrLst meth="repeat">
+      <a:schemeClr val="lt1"/>
+    </dgm:linClrLst>
+    <dgm:effectClrLst/>
+    <dgm:txLinClrLst/>
+    <dgm:txFillClrLst/>
+    <dgm:txEffectClrLst/>
+  </dgm:styleLbl>
+  <dgm:styleLbl name="node3">
+    <dgm:fillClrLst meth="repeat">
+      <a:schemeClr val="accent1"/>
+    </dgm:fillClrLst>
+    <dgm:linClrLst meth="repeat">
+      <a:schemeClr val="lt1"/>
+    </dgm:linClrLst>
+    <dgm:effectClrLst/>
+    <dgm:txLinClrLst/>
+    <dgm:txFillClrLst/>
+    <dgm:txEffectClrLst/>
+  </dgm:styleLbl>
+  <dgm:styleLbl name="node4">
+    <dgm:fillClrLst meth="repeat">
+      <a:schemeClr val="accent1"/>
+    </dgm:fillClrLst>
+    <dgm:linClrLst meth="repeat">
+      <a:schemeClr val="lt1"/>
+    </dgm:linClrLst>
+    <dgm:effectClrLst/>
+    <dgm:txLinClrLst/>
+    <dgm:txFillClrLst/>
+    <dgm:txEffectClrLst/>
+  </dgm:styleLbl>
+  <dgm:styleLbl name="fgImgPlace1">
+    <dgm:fillClrLst meth="repeat">
+      <a:schemeClr val="accent1">
+        <a:tint val="50000"/>
+      </a:schemeClr>
+    </dgm:fillClrLst>
+    <dgm:linClrLst meth="repeat">
+      <a:schemeClr val="lt1"/>
+    </dgm:linClrLst>
+    <dgm:effectClrLst/>
+    <dgm:txLinClrLst/>
+    <dgm:txFillClrLst meth="repeat">
+      <a:schemeClr val="lt1"/>
+    </dgm:txFillClrLst>
+    <dgm:txEffectClrLst/>
+  </dgm:styleLbl>
+  <dgm:styleLbl name="alignImgPlace1">
+    <dgm:fillClrLst meth="repeat">
+      <a:schemeClr val="accent1">
+        <a:tint val="50000"/>
+      </a:schemeClr>
+    </dgm:fillClrLst>
+    <dgm:linClrLst meth="repeat">
+      <a:schemeClr val="lt1"/>
+    </dgm:linClrLst>
+    <dgm:effectClrLst/>
+    <dgm:txLinClrLst/>
+    <dgm:txFillClrLst meth="repeat">
+      <a:schemeClr val="lt1"/>
+    </dgm:txFillClrLst>
+    <dgm:txEffectClrLst/>
+  </dgm:styleLbl>
+  <dgm:styleLbl name="bgImgPlace1">
+    <dgm:fillClrLst meth="repeat">
+      <a:schemeClr val="accent1">
+        <a:tint val="50000"/>
+      </a:schemeClr>
+    </dgm:fillClrLst>
+    <dgm:linClrLst meth="repeat">
+      <a:schemeClr val="lt1"/>
+    </dgm:linClrLst>
+    <dgm:effectClrLst/>
+    <dgm:txLinClrLst/>
+    <dgm:txFillClrLst meth="repeat">
+      <a:schemeClr val="lt1"/>
+    </dgm:txFillClrLst>
+    <dgm:txEffectClrLst/>
+  </dgm:styleLbl>
+  <dgm:styleLbl name="sibTrans2D1">
+    <dgm:fillClrLst meth="repeat">
+      <a:schemeClr val="accent1">
+        <a:tint val="60000"/>
+      </a:schemeClr>
+    </dgm:fillClrLst>
+    <dgm:linClrLst meth="repeat">
+      <a:schemeClr val="accent1">
+        <a:tint val="60000"/>
+      </a:schemeClr>
+    </dgm:linClrLst>
+    <dgm:effectClrLst/>
+    <dgm:txLinClrLst/>
+    <dgm:txFillClrLst/>
+    <dgm:txEffectClrLst/>
+  </dgm:styleLbl>
+  <dgm:styleLbl name="fgSibTrans2D1">
+    <dgm:fillClrLst meth="repeat">
+      <a:schemeClr val="accent1">
+        <a:tint val="60000"/>
+      </a:schemeClr>
+    </dgm:fillClrLst>
+    <dgm:linClrLst meth="repeat">
+      <a:schemeClr val="accent1">
+        <a:tint val="60000"/>
+      </a:schemeClr>
+    </dgm:linClrLst>
+    <dgm:effectClrLst/>
+    <dgm:txLinClrLst/>
+    <dgm:txFillClrLst/>
+    <dgm:txEffectClrLst/>
+  </dgm:styleLbl>
+  <dgm:styleLbl name="bgSibTrans2D1">
+    <dgm:fillClrLst meth="repeat">
+      <a:schemeClr val="accent1">
+        <a:tint val="60000"/>
+      </a:schemeClr>
+    </dgm:fillClrLst>
+    <dgm:linClrLst meth="repeat">
+      <a:schemeClr val="accent1">
+        <a:tint val="60000"/>
+      </a:schemeClr>
+    </dgm:linClrLst>
+    <dgm:effectClrLst/>
+    <dgm:txLinClrLst/>
+    <dgm:txFillClrLst/>
+    <dgm:txEffectClrLst/>
+  </dgm:styleLbl>
+  <dgm:styleLbl name="sibTrans1D1">
+    <dgm:fillClrLst meth="repeat">
+      <a:schemeClr val="accent1"/>
+    </dgm:fillClrLst>
+    <dgm:linClrLst meth="repeat">
+      <a:schemeClr val="accent1"/>
+    </dgm:linClrLst>
+    <dgm:effectClrLst/>
+    <dgm:txLinClrLst/>
+    <dgm:txFillClrLst meth="repeat">
+      <a:schemeClr val="tx1"/>
+    </dgm:txFillClrLst>
+    <dgm:txEffectClrLst/>
+  </dgm:styleLbl>
+  <dgm:styleLbl name="callout">
+    <dgm:fillClrLst meth="repeat">
+      <a:schemeClr val="accent1"/>
+    </dgm:fillClrLst>
+    <dgm:linClrLst meth="repeat">
+      <a:schemeClr val="accent1">
+        <a:tint val="50000"/>
+      </a:schemeClr>
+    </dgm:linClrLst>
+    <dgm:effectClrLst/>
+    <dgm:txLinClrLst/>
+    <dgm:txFillClrLst meth="repeat">
+      <a:schemeClr val="tx1"/>
+    </dgm:txFillClrLst>
+    <dgm:txEffectClrLst/>
+  </dgm:styleLbl>
+  <dgm:styleLbl name="asst0">
+    <dgm:fillClrLst meth="repeat">
+      <a:schemeClr val="accent1"/>
+    </dgm:fillClrLst>
+    <dgm:linClrLst meth="repeat">
+      <a:schemeClr val="lt1"/>
+    </dgm:linClrLst>
+    <dgm:effectClrLst/>
+    <dgm:txLinClrLst/>
+    <dgm:txFillClrLst/>
+    <dgm:txEffectClrLst/>
+  </dgm:styleLbl>
+  <dgm:styleLbl name="asst1">
+    <dgm:fillClrLst meth="repeat">
+      <a:schemeClr val="accent1"/>
+    </dgm:fillClrLst>
+    <dgm:linClrLst meth="repeat">
+      <a:schemeClr val="lt1"/>
+    </dgm:linClrLst>
+    <dgm:effectClrLst/>
+    <dgm:txLinClrLst/>
+    <dgm:txFillClrLst/>
+    <dgm:txEffectClrLst/>
+  </dgm:styleLbl>
+  <dgm:styleLbl name="asst2">
+    <dgm:fillClrLst meth="repeat">
+      <a:schemeClr val="accent1"/>
+    </dgm:fillClrLst>
+    <dgm:linClrLst meth="repeat">
+      <a:schemeClr val="lt1"/>
+    </dgm:linClrLst>
+    <dgm:effectClrLst/>
+    <dgm:txLinClrLst/>
+    <dgm:txFillClrLst/>
+    <dgm:txEffectClrLst/>
+  </dgm:styleLbl>
+  <dgm:styleLbl name="asst3">
+    <dgm:fillClrLst meth="repeat">
+      <a:schemeClr val="accent1"/>
+    </dgm:fillClrLst>
+    <dgm:linClrLst meth="repeat">
+      <a:schemeClr val="lt1"/>
+    </dgm:linClrLst>
+    <dgm:effectClrLst/>
+    <dgm:txLinClrLst/>
+    <dgm:txFillClrLst/>
+    <dgm:txEffectClrLst/>
+  </dgm:styleLbl>
+  <dgm:styleLbl name="asst4">
+    <dgm:fillClrLst meth="repeat">
+      <a:schemeClr val="accent1"/>
+    </dgm:fillClrLst>
+    <dgm:linClrLst meth="repeat">
+      <a:schemeClr val="lt1"/>
+    </dgm:linClrLst>
+    <dgm:effectClrLst/>
+    <dgm:txLinClrLst/>
+    <dgm:txFillClrLst/>
+    <dgm:txEffectClrLst/>
+  </dgm:styleLbl>
+  <dgm:styleLbl name="parChTrans2D1">
+    <dgm:fillClrLst meth="repeat">
+      <a:schemeClr val="accent1">
+        <a:tint val="60000"/>
+      </a:schemeClr>
+    </dgm:fillClrLst>
+    <dgm:linClrLst meth="repeat">
+      <a:schemeClr val="accent1">
+        <a:tint val="60000"/>
+      </a:schemeClr>
+    </dgm:linClrLst>
+    <dgm:effectClrLst/>
+    <dgm:txLinClrLst/>
+    <dgm:txFillClrLst meth="repeat">
+      <a:schemeClr val="lt1"/>
+    </dgm:txFillClrLst>
+    <dgm:txEffectClrLst/>
+  </dgm:styleLbl>
+  <dgm:styleLbl name="parChTrans2D2">
+    <dgm:fillClrLst meth="repeat">
+      <a:schemeClr val="accent1"/>
+    </dgm:fillClrLst>
+    <dgm:linClrLst meth="repeat">
+      <a:schemeClr val="accent1"/>
+    </dgm:linClrLst>
+    <dgm:effectClrLst/>
+    <dgm:txLinClrLst/>
+    <dgm:txFillClrLst meth="repeat">
+      <a:schemeClr val="lt1"/>
+    </dgm:txFillClrLst>
+    <dgm:txEffectClrLst/>
+  </dgm:styleLbl>
+  <dgm:styleLbl name="parChTrans2D3">
+    <dgm:fillClrLst meth="repeat">
+      <a:schemeClr val="accent1"/>
+    </dgm:fillClrLst>
+    <dgm:linClrLst meth="repeat">
+      <a:schemeClr val="accent1"/>
+    </dgm:linClrLst>
+    <dgm:effectClrLst/>
+    <dgm:txLinClrLst/>
+    <dgm:txFillClrLst meth="repeat">
+      <a:schemeClr val="lt1"/>
+    </dgm:txFillClrLst>
+    <dgm:txEffectClrLst/>
+  </dgm:styleLbl>
+  <dgm:styleLbl name="parChTrans2D4">
+    <dgm:fillClrLst meth="repeat">
+      <a:schemeClr val="accent1"/>
+    </dgm:fillClrLst>
+    <dgm:linClrLst meth="repeat">
+      <a:schemeClr val="accent1"/>
+    </dgm:linClrLst>
+    <dgm:effectClrLst/>
+    <dgm:txLinClrLst/>
+    <dgm:txFillClrLst meth="repeat">
+      <a:schemeClr val="lt1"/>
+    </dgm:txFillClrLst>
+    <dgm:txEffectClrLst/>
+  </dgm:styleLbl>
+  <dgm:styleLbl name="parChTrans1D1">
+    <dgm:fillClrLst meth="repeat">
+      <a:schemeClr val="accent1"/>
+    </dgm:fillClrLst>
+    <dgm:linClrLst meth="repeat">
+      <a:schemeClr val="accent1">
+        <a:shade val="60000"/>
+      </a:schemeClr>
+    </dgm:linClrLst>
+    <dgm:effectClrLst/>
+    <dgm:txLinClrLst/>
+    <dgm:txFillClrLst meth="repeat">
+      <a:schemeClr val="tx1"/>
+    </dgm:txFillClrLst>
+    <dgm:txEffectClrLst/>
+  </dgm:styleLbl>
+  <dgm:styleLbl name="parChTrans1D2">
+    <dgm:fillClrLst meth="repeat">
+      <a:schemeClr val="accent1"/>
+    </dgm:fillClrLst>
+    <dgm:linClrLst meth="repeat">
+      <a:schemeClr val="accent1">
+        <a:shade val="60000"/>
+      </a:schemeClr>
+    </dgm:linClrLst>
+    <dgm:effectClrLst/>
+    <dgm:txLinClrLst/>
+    <dgm:txFillClrLst meth="repeat">
+      <a:schemeClr val="tx1"/>
+    </dgm:txFillClrLst>
+    <dgm:txEffectClrLst/>
+  </dgm:styleLbl>
+  <dgm:styleLbl name="parChTrans1D3">
+    <dgm:fillClrLst meth="repeat">
+      <a:schemeClr val="accent1"/>
+    </dgm:fillClrLst>
+    <dgm:linClrLst meth="repeat">
+      <a:schemeClr val="accent1">
+        <a:shade val="80000"/>
+      </a:schemeClr>
+    </dgm:linClrLst>
+    <dgm:effectClrLst/>
+    <dgm:txLinClrLst/>
+    <dgm:txFillClrLst meth="repeat">
+      <a:schemeClr val="tx1"/>
+    </dgm:txFillClrLst>
+    <dgm:txEffectClrLst/>
+  </dgm:styleLbl>
+  <dgm:styleLbl name="parChTrans1D4">
+    <dgm:fillClrLst meth="repeat">
+      <a:schemeClr val="accent1"/>
+    </dgm:fillClrLst>
+    <dgm:linClrLst meth="repeat">
+      <a:schemeClr val="accent1">
+        <a:shade val="80000"/>
+      </a:schemeClr>
+    </dgm:linClrLst>
+    <dgm:effectClrLst/>
+    <dgm:txLinClrLst/>
+    <dgm:txFillClrLst meth="repeat">
+      <a:schemeClr val="tx1"/>
+    </dgm:txFillClrLst>
+    <dgm:txEffectClrLst/>
+  </dgm:styleLbl>
+  <dgm:styleLbl name="fgAcc1">
+    <dgm:fillClrLst meth="repeat">
+      <a:schemeClr val="lt1">
+        <a:alpha val="90000"/>
+      </a:schemeClr>
+    </dgm:fillClrLst>
+    <dgm:linClrLst meth="repeat">
+      <a:schemeClr val="accent1"/>
+    </dgm:linClrLst>
+    <dgm:effectClrLst/>
+    <dgm:txLinClrLst/>
+    <dgm:txFillClrLst meth="repeat">
+      <a:schemeClr val="dk1"/>
+    </dgm:txFillClrLst>
+    <dgm:txEffectClrLst/>
+  </dgm:styleLbl>
+  <dgm:styleLbl name="conFgAcc1">
+    <dgm:fillClrLst meth="repeat">
+      <a:schemeClr val="lt1">
+        <a:alpha val="90000"/>
+      </a:schemeClr>
+    </dgm:fillClrLst>
+    <dgm:linClrLst meth="repeat">
+      <a:schemeClr val="accent1"/>
+    </dgm:linClrLst>
+    <dgm:effectClrLst/>
+    <dgm:txLinClrLst/>
+    <dgm:txFillClrLst meth="repeat">
+      <a:schemeClr val="dk1"/>
+    </dgm:txFillClrLst>
+    <dgm:txEffectClrLst/>
+  </dgm:styleLbl>
+  <dgm:styleLbl name="alignAcc1">
+    <dgm:fillClrLst meth="repeat">
+      <a:schemeClr val="lt1">
+        <a:alpha val="90000"/>
+      </a:schemeClr>
+    </dgm:fillClrLst>
+    <dgm:linClrLst meth="repeat">
+      <a:schemeClr val="accent1"/>
+    </dgm:linClrLst>
+    <dgm:effectClrLst/>
+    <dgm:txLinClrLst/>
+    <dgm:txFillClrLst meth="repeat">
+      <a:schemeClr val="dk1"/>
+    </dgm:txFillClrLst>
+    <dgm:txEffectClrLst/>
+  </dgm:styleLbl>
+  <dgm:styleLbl name="trAlignAcc1">
+    <dgm:fillClrLst meth="repeat">
+      <a:schemeClr val="lt1">
+        <a:alpha val="40000"/>
+      </a:schemeClr>
+    </dgm:fillClrLst>
+    <dgm:linClrLst meth="repeat">
+      <a:schemeClr val="accent1"/>
+    </dgm:linClrLst>
+    <dgm:effectClrLst/>
+    <dgm:txLinClrLst/>
+    <dgm:txFillClrLst meth="repeat">
+      <a:schemeClr val="dk1"/>
+    </dgm:txFillClrLst>
+    <dgm:txEffectClrLst/>
+  </dgm:styleLbl>
+  <dgm:styleLbl name="bgAcc1">
+    <dgm:fillClrLst meth="repeat">
+      <a:schemeClr val="lt1">
+        <a:alpha val="90000"/>
+      </a:schemeClr>
+    </dgm:fillClrLst>
+    <dgm:linClrLst meth="repeat">
+      <a:schemeClr val="accent1"/>
+    </dgm:linClrLst>
+    <dgm:effectClrLst/>
+    <dgm:txLinClrLst/>
+    <dgm:txFillClrLst meth="repeat">
+      <a:schemeClr val="dk1"/>
+    </dgm:txFillClrLst>
+    <dgm:txEffectClrLst/>
+  </dgm:styleLbl>
+  <dgm:styleLbl name="solidFgAcc1">
+    <dgm:fillClrLst meth="repeat">
+      <a:schemeClr val="lt1"/>
+    </dgm:fillClrLst>
+    <dgm:linClrLst meth="repeat">
+      <a:schemeClr val="accent1"/>
+    </dgm:linClrLst>
+    <dgm:effectClrLst/>
+    <dgm:txLinClrLst/>
+    <dgm:txFillClrLst meth="repeat">
+      <a:schemeClr val="dk1"/>
+    </dgm:txFillClrLst>
+    <dgm:txEffectClrLst/>
+  </dgm:styleLbl>
+  <dgm:styleLbl name="solidAlignAcc1">
+    <dgm:fillClrLst meth="repeat">
+      <a:schemeClr val="lt1"/>
+    </dgm:fillClrLst>
+    <dgm:linClrLst meth="repeat">
+      <a:schemeClr val="accent1"/>
+    </dgm:linClrLst>
+    <dgm:effectClrLst/>
+    <dgm:txLinClrLst/>
+    <dgm:txFillClrLst meth="repeat">
+      <a:schemeClr val="dk1"/>
+    </dgm:txFillClrLst>
+    <dgm:txEffectClrLst/>
+  </dgm:styleLbl>
+  <dgm:styleLbl name="solidBgAcc1">
+    <dgm:fillClrLst meth="repeat">
+      <a:schemeClr val="lt1"/>
+    </dgm:fillClrLst>
+    <dgm:linClrLst meth="repeat">
+      <a:schemeClr val="accent1"/>
+    </dgm:linClrLst>
+    <dgm:effectClrLst/>
+    <dgm:txLinClrLst/>
+    <dgm:txFillClrLst meth="repeat">
+      <a:schemeClr val="dk1"/>
+    </dgm:txFillClrLst>
+    <dgm:txEffectClrLst/>
+  </dgm:styleLbl>
+  <dgm:styleLbl name="fgAccFollowNode1">
+    <dgm:fillClrLst meth="repeat">
+      <a:schemeClr val="accent1">
+        <a:alpha val="90000"/>
+        <a:tint val="40000"/>
+      </a:schemeClr>
+    </dgm:fillClrLst>
+    <dgm:linClrLst meth="repeat">
+      <a:schemeClr val="accent1">
+        <a:alpha val="90000"/>
+        <a:tint val="40000"/>
+      </a:schemeClr>
+    </dgm:linClrLst>
+    <dgm:effectClrLst/>
+    <dgm:txLinClrLst/>
+    <dgm:txFillClrLst meth="repeat">
+      <a:schemeClr val="dk1"/>
+    </dgm:txFillClrLst>
+    <dgm:txEffectClrLst/>
+  </dgm:styleLbl>
+  <dgm:styleLbl name="alignAccFollowNode1">
+    <dgm:fillClrLst meth="repeat">
+      <a:schemeClr val="accent1">
+        <a:alpha val="90000"/>
+        <a:tint val="40000"/>
+      </a:schemeClr>
+    </dgm:fillClrLst>
+    <dgm:linClrLst meth="repeat">
+      <a:schemeClr val="accent1">
+        <a:alpha val="90000"/>
+        <a:tint val="40000"/>
+      </a:schemeClr>
+    </dgm:linClrLst>
+    <dgm:effectClrLst/>
+    <dgm:txLinClrLst/>
+    <dgm:txFillClrLst meth="repeat">
+      <a:schemeClr val="dk1"/>
+    </dgm:txFillClrLst>
+    <dgm:txEffectClrLst/>
+  </dgm:styleLbl>
+  <dgm:styleLbl name="bgAccFollowNode1">
+    <dgm:fillClrLst meth="repeat">
+      <a:schemeClr val="accent1">
+        <a:alpha val="90000"/>
+        <a:tint val="40000"/>
+      </a:schemeClr>
+    </dgm:fillClrLst>
+    <dgm:linClrLst meth="repeat">
+      <a:schemeClr val="accent1">
+        <a:alpha val="90000"/>
+        <a:tint val="40000"/>
+      </a:schemeClr>
+    </dgm:linClrLst>
+    <dgm:effectClrLst/>
+    <dgm:txLinClrLst/>
+    <dgm:txFillClrLst meth="repeat">
+      <a:schemeClr val="dk1"/>
+    </dgm:txFillClrLst>
+    <dgm:txEffectClrLst/>
+  </dgm:styleLbl>
+  <dgm:styleLbl name="fgAcc0">
+    <dgm:fillClrLst meth="repeat">
+      <a:schemeClr val="lt1">
+        <a:alpha val="90000"/>
+      </a:schemeClr>
+    </dgm:fillClrLst>
+    <dgm:linClrLst meth="repeat">
+      <a:schemeClr val="accent1"/>
+    </dgm:linClrLst>
+    <dgm:effectClrLst/>
+    <dgm:txLinClrLst/>
+    <dgm:txFillClrLst meth="repeat">
+      <a:schemeClr val="dk1"/>
+    </dgm:txFillClrLst>
+    <dgm:txEffectClrLst/>
+  </dgm:styleLbl>
+  <dgm:styleLbl name="fgAcc2">
+    <dgm:fillClrLst meth="repeat">
+      <a:schemeClr val="lt1">
+        <a:alpha val="90000"/>
+      </a:schemeClr>
+    </dgm:fillClrLst>
+    <dgm:linClrLst meth="repeat">
+      <a:schemeClr val="accent1"/>
+    </dgm:linClrLst>
+    <dgm:effectClrLst/>
+    <dgm:txLinClrLst/>
+    <dgm:txFillClrLst meth="repeat">
+      <a:schemeClr val="dk1"/>
+    </dgm:txFillClrLst>
+    <dgm:txEffectClrLst/>
+  </dgm:styleLbl>
+  <dgm:styleLbl name="fgAcc3">
+    <dgm:fillClrLst meth="repeat">
+      <a:schemeClr val="lt1">
+        <a:alpha val="90000"/>
+      </a:schemeClr>
+    </dgm:fillClrLst>
+    <dgm:linClrLst meth="repeat">
+      <a:schemeClr val="accent1"/>
+    </dgm:linClrLst>
+    <dgm:effectClrLst/>
+    <dgm:txLinClrLst/>
+    <dgm:txFillClrLst meth="repeat">
+      <a:schemeClr val="dk1"/>
+    </dgm:txFillClrLst>
+    <dgm:txEffectClrLst/>
+  </dgm:styleLbl>
+  <dgm:styleLbl name="fgAcc4">
+    <dgm:fillClrLst meth="repeat">
+      <a:schemeClr val="lt1">
+        <a:alpha val="90000"/>
+      </a:schemeClr>
+    </dgm:fillClrLst>
+    <dgm:linClrLst meth="repeat">
+      <a:schemeClr val="accent1"/>
+    </dgm:linClrLst>
+    <dgm:effectClrLst/>
+    <dgm:txLinClrLst/>
+    <dgm:txFillClrLst meth="repeat">
+      <a:schemeClr val="dk1"/>
+    </dgm:txFillClrLst>
+    <dgm:txEffectClrLst/>
+  </dgm:styleLbl>
+  <dgm:styleLbl name="bgShp">
+    <dgm:fillClrLst meth="repeat">
+      <a:schemeClr val="accent1">
+        <a:tint val="40000"/>
+      </a:schemeClr>
+    </dgm:fillClrLst>
+    <dgm:linClrLst meth="repeat">
+      <a:schemeClr val="accent1"/>
+    </dgm:linClrLst>
+    <dgm:effectClrLst/>
+    <dgm:txLinClrLst/>
+    <dgm:txFillClrLst meth="repeat">
+      <a:schemeClr val="dk1"/>
+    </dgm:txFillClrLst>
+    <dgm:txEffectClrLst/>
+  </dgm:styleLbl>
+  <dgm:styleLbl name="dkBgShp">
+    <dgm:fillClrLst meth="repeat">
+      <a:schemeClr val="accent1">
+        <a:shade val="80000"/>
+      </a:schemeClr>
+    </dgm:fillClrLst>
+    <dgm:linClrLst meth="repeat">
+      <a:schemeClr val="accent1"/>
+    </dgm:linClrLst>
+    <dgm:effectClrLst/>
+    <dgm:txLinClrLst/>
+    <dgm:txFillClrLst meth="repeat">
+      <a:schemeClr val="lt1"/>
+    </dgm:txFillClrLst>
+    <dgm:txEffectClrLst/>
+  </dgm:styleLbl>
+  <dgm:styleLbl name="trBgShp">
+    <dgm:fillClrLst meth="repeat">
+      <a:schemeClr val="accent1">
+        <a:tint val="50000"/>
+        <a:alpha val="40000"/>
+      </a:schemeClr>
+    </dgm:fillClrLst>
+    <dgm:linClrLst meth="repeat">
+      <a:schemeClr val="accent1"/>
+    </dgm:linClrLst>
+    <dgm:effectClrLst/>
+    <dgm:txLinClrLst/>
+    <dgm:txFillClrLst meth="repeat">
+      <a:schemeClr val="lt1"/>
+    </dgm:txFillClrLst>
+    <dgm:txEffectClrLst/>
+  </dgm:styleLbl>
+  <dgm:styleLbl name="fgShp">
+    <dgm:fillClrLst meth="repeat">
+      <a:schemeClr val="accent1">
+        <a:tint val="60000"/>
+      </a:schemeClr>
+    </dgm:fillClrLst>
+    <dgm:linClrLst meth="repeat">
+      <a:schemeClr val="lt1"/>
+    </dgm:linClrLst>
+    <dgm:effectClrLst/>
+    <dgm:txLinClrLst/>
+    <dgm:txFillClrLst meth="repeat">
+      <a:schemeClr val="dk1"/>
+    </dgm:txFillClrLst>
+    <dgm:txEffectClrLst/>
+  </dgm:styleLbl>
+  <dgm:styleLbl name="revTx">
+    <dgm:fillClrLst meth="repeat">
+      <a:schemeClr val="lt1">
+        <a:alpha val="0"/>
+      </a:schemeClr>
+    </dgm:fillClrLst>
+    <dgm:linClrLst meth="repeat">
+      <a:schemeClr val="dk1">
+        <a:alpha val="0"/>
+      </a:schemeClr>
+    </dgm:linClrLst>
+    <dgm:effectClrLst/>
+    <dgm:txLinClrLst/>
+    <dgm:txFillClrLst meth="repeat">
+      <a:schemeClr val="tx1"/>
+    </dgm:txFillClrLst>
+    <dgm:txEffectClrLst/>
+  </dgm:styleLbl>
+</dgm:colorsDef>
+</file>
+
+<file path=ppt/diagrams/colors2.xml><?xml version="1.0" encoding="utf-8"?>
+<dgm:colorsDef xmlns:dgm="http://schemas.openxmlformats.org/drawingml/2006/diagram" xmlns:a="http://schemas.openxmlformats.org/drawingml/2006/main" uniqueId="urn:microsoft.com/office/officeart/2005/8/colors/accent1_2">
+  <dgm:title val=""/>
+  <dgm:desc val=""/>
+  <dgm:catLst>
+    <dgm:cat type="accent1" pri="11200"/>
+  </dgm:catLst>
+  <dgm:styleLbl name="node0">
+    <dgm:fillClrLst meth="repeat">
+      <a:schemeClr val="accent1"/>
+    </dgm:fillClrLst>
+    <dgm:linClrLst meth="repeat">
+      <a:schemeClr val="lt1"/>
+    </dgm:linClrLst>
+    <dgm:effectClrLst/>
+    <dgm:txLinClrLst/>
+    <dgm:txFillClrLst/>
+    <dgm:txEffectClrLst/>
+  </dgm:styleLbl>
+  <dgm:styleLbl name="alignNode1">
+    <dgm:fillClrLst meth="repeat">
+      <a:schemeClr val="accent1"/>
+    </dgm:fillClrLst>
+    <dgm:linClrLst meth="repeat">
+      <a:schemeClr val="accent1"/>
+    </dgm:linClrLst>
+    <dgm:effectClrLst/>
+    <dgm:txLinClrLst/>
+    <dgm:txFillClrLst/>
+    <dgm:txEffectClrLst/>
+  </dgm:styleLbl>
+  <dgm:styleLbl name="node1">
+    <dgm:fillClrLst meth="repeat">
+      <a:schemeClr val="accent1"/>
+    </dgm:fillClrLst>
+    <dgm:linClrLst meth="repeat">
+      <a:schemeClr val="lt1"/>
+    </dgm:linClrLst>
+    <dgm:effectClrLst/>
+    <dgm:txLinClrLst/>
+    <dgm:txFillClrLst/>
+    <dgm:txEffectClrLst/>
+  </dgm:styleLbl>
+  <dgm:styleLbl name="lnNode1">
+    <dgm:fillClrLst meth="repeat">
+      <a:schemeClr val="accent1"/>
+    </dgm:fillClrLst>
+    <dgm:linClrLst meth="repeat">
+      <a:schemeClr val="lt1"/>
+    </dgm:linClrLst>
+    <dgm:effectClrLst/>
+    <dgm:txLinClrLst/>
+    <dgm:txFillClrLst/>
+    <dgm:txEffectClrLst/>
+  </dgm:styleLbl>
+  <dgm:styleLbl name="vennNode1">
+    <dgm:fillClrLst meth="repeat">
+      <a:schemeClr val="accent1">
+        <a:alpha val="50000"/>
+      </a:schemeClr>
+    </dgm:fillClrLst>
+    <dgm:linClrLst meth="repeat">
+      <a:schemeClr val="lt1"/>
+    </dgm:linClrLst>
+    <dgm:effectClrLst/>
+    <dgm:txLinClrLst/>
+    <dgm:txFillClrLst/>
+    <dgm:txEffectClrLst/>
+  </dgm:styleLbl>
+  <dgm:styleLbl name="node2">
+    <dgm:fillClrLst meth="repeat">
+      <a:schemeClr val="accent1"/>
+    </dgm:fillClrLst>
+    <dgm:linClrLst meth="repeat">
+      <a:schemeClr val="lt1"/>
+    </dgm:linClrLst>
+    <dgm:effectClrLst/>
+    <dgm:txLinClrLst/>
+    <dgm:txFillClrLst/>
+    <dgm:txEffectClrLst/>
+  </dgm:styleLbl>
+  <dgm:styleLbl name="node3">
+    <dgm:fillClrLst meth="repeat">
+      <a:schemeClr val="accent1"/>
+    </dgm:fillClrLst>
+    <dgm:linClrLst meth="repeat">
+      <a:schemeClr val="lt1"/>
+    </dgm:linClrLst>
+    <dgm:effectClrLst/>
+    <dgm:txLinClrLst/>
+    <dgm:txFillClrLst/>
+    <dgm:txEffectClrLst/>
+  </dgm:styleLbl>
+  <dgm:styleLbl name="node4">
+    <dgm:fillClrLst meth="repeat">
+      <a:schemeClr val="accent1"/>
+    </dgm:fillClrLst>
+    <dgm:linClrLst meth="repeat">
+      <a:schemeClr val="lt1"/>
+    </dgm:linClrLst>
+    <dgm:effectClrLst/>
+    <dgm:txLinClrLst/>
+    <dgm:txFillClrLst/>
+    <dgm:txEffectClrLst/>
+  </dgm:styleLbl>
+  <dgm:styleLbl name="fgImgPlace1">
+    <dgm:fillClrLst meth="repeat">
+      <a:schemeClr val="accent1">
+        <a:tint val="50000"/>
+      </a:schemeClr>
+    </dgm:fillClrLst>
+    <dgm:linClrLst meth="repeat">
+      <a:schemeClr val="lt1"/>
+    </dgm:linClrLst>
+    <dgm:effectClrLst/>
+    <dgm:txLinClrLst/>
+    <dgm:txFillClrLst meth="repeat">
+      <a:schemeClr val="lt1"/>
+    </dgm:txFillClrLst>
+    <dgm:txEffectClrLst/>
+  </dgm:styleLbl>
+  <dgm:styleLbl name="alignImgPlace1">
+    <dgm:fillClrLst meth="repeat">
+      <a:schemeClr val="accent1">
+        <a:tint val="50000"/>
+      </a:schemeClr>
+    </dgm:fillClrLst>
+    <dgm:linClrLst meth="repeat">
+      <a:schemeClr val="lt1"/>
+    </dgm:linClrLst>
+    <dgm:effectClrLst/>
+    <dgm:txLinClrLst/>
+    <dgm:txFillClrLst meth="repeat">
+      <a:schemeClr val="lt1"/>
+    </dgm:txFillClrLst>
+    <dgm:txEffectClrLst/>
+  </dgm:styleLbl>
+  <dgm:styleLbl name="bgImgPlace1">
+    <dgm:fillClrLst meth="repeat">
+      <a:schemeClr val="accent1">
+        <a:tint val="50000"/>
+      </a:schemeClr>
+    </dgm:fillClrLst>
+    <dgm:linClrLst meth="repeat">
+      <a:schemeClr val="lt1"/>
+    </dgm:linClrLst>
+    <dgm:effectClrLst/>
+    <dgm:txLinClrLst/>
+    <dgm:txFillClrLst meth="repeat">
+      <a:schemeClr val="lt1"/>
+    </dgm:txFillClrLst>
+    <dgm:txEffectClrLst/>
+  </dgm:styleLbl>
+  <dgm:styleLbl name="sibTrans2D1">
+    <dgm:fillClrLst meth="repeat">
+      <a:schemeClr val="accent1">
+        <a:tint val="60000"/>
+      </a:schemeClr>
+    </dgm:fillClrLst>
+    <dgm:linClrLst meth="repeat">
+      <a:schemeClr val="accent1">
+        <a:tint val="60000"/>
+      </a:schemeClr>
+    </dgm:linClrLst>
+    <dgm:effectClrLst/>
+    <dgm:txLinClrLst/>
+    <dgm:txFillClrLst/>
+    <dgm:txEffectClrLst/>
+  </dgm:styleLbl>
+  <dgm:styleLbl name="fgSibTrans2D1">
+    <dgm:fillClrLst meth="repeat">
+      <a:schemeClr val="accent1">
+        <a:tint val="60000"/>
+      </a:schemeClr>
+    </dgm:fillClrLst>
+    <dgm:linClrLst meth="repeat">
+      <a:schemeClr val="accent1">
+        <a:tint val="60000"/>
+      </a:schemeClr>
+    </dgm:linClrLst>
+    <dgm:effectClrLst/>
+    <dgm:txLinClrLst/>
+    <dgm:txFillClrLst/>
+    <dgm:txEffectClrLst/>
+  </dgm:styleLbl>
+  <dgm:styleLbl name="bgSibTrans2D1">
+    <dgm:fillClrLst meth="repeat">
+      <a:schemeClr val="accent1">
+        <a:tint val="60000"/>
+      </a:schemeClr>
+    </dgm:fillClrLst>
+    <dgm:linClrLst meth="repeat">
+      <a:schemeClr val="accent1">
+        <a:tint val="60000"/>
+      </a:schemeClr>
+    </dgm:linClrLst>
+    <dgm:effectClrLst/>
+    <dgm:txLinClrLst/>
+    <dgm:txFillClrLst/>
+    <dgm:txEffectClrLst/>
+  </dgm:styleLbl>
+  <dgm:styleLbl name="sibTrans1D1">
+    <dgm:fillClrLst meth="repeat">
+      <a:schemeClr val="accent1"/>
+    </dgm:fillClrLst>
+    <dgm:linClrLst meth="repeat">
+      <a:schemeClr val="accent1"/>
+    </dgm:linClrLst>
+    <dgm:effectClrLst/>
+    <dgm:txLinClrLst/>
+    <dgm:txFillClrLst meth="repeat">
+      <a:schemeClr val="tx1"/>
+    </dgm:txFillClrLst>
+    <dgm:txEffectClrLst/>
+  </dgm:styleLbl>
+  <dgm:styleLbl name="callout">
+    <dgm:fillClrLst meth="repeat">
+      <a:schemeClr val="accent1"/>
+    </dgm:fillClrLst>
+    <dgm:linClrLst meth="repeat">
+      <a:schemeClr val="accent1">
+        <a:tint val="50000"/>
+      </a:schemeClr>
+    </dgm:linClrLst>
+    <dgm:effectClrLst/>
+    <dgm:txLinClrLst/>
+    <dgm:txFillClrLst meth="repeat">
+      <a:schemeClr val="tx1"/>
+    </dgm:txFillClrLst>
+    <dgm:txEffectClrLst/>
+  </dgm:styleLbl>
+  <dgm:styleLbl name="asst0">
+    <dgm:fillClrLst meth="repeat">
+      <a:schemeClr val="accent1"/>
+    </dgm:fillClrLst>
+    <dgm:linClrLst meth="repeat">
+      <a:schemeClr val="lt1"/>
+    </dgm:linClrLst>
+    <dgm:effectClrLst/>
+    <dgm:txLinClrLst/>
+    <dgm:txFillClrLst/>
+    <dgm:txEffectClrLst/>
+  </dgm:styleLbl>
+  <dgm:styleLbl name="asst1">
+    <dgm:fillClrLst meth="repeat">
+      <a:schemeClr val="accent1"/>
+    </dgm:fillClrLst>
+    <dgm:linClrLst meth="repeat">
+      <a:schemeClr val="lt1"/>
+    </dgm:linClrLst>
+    <dgm:effectClrLst/>
+    <dgm:txLinClrLst/>
+    <dgm:txFillClrLst/>
+    <dgm:txEffectClrLst/>
+  </dgm:styleLbl>
+  <dgm:styleLbl name="asst2">
+    <dgm:fillClrLst meth="repeat">
+      <a:schemeClr val="accent1"/>
+    </dgm:fillClrLst>
+    <dgm:linClrLst meth="repeat">
+      <a:schemeClr val="lt1"/>
+    </dgm:linClrLst>
+    <dgm:effectClrLst/>
+    <dgm:txLinClrLst/>
+    <dgm:txFillClrLst/>
+    <dgm:txEffectClrLst/>
+  </dgm:styleLbl>
+  <dgm:styleLbl name="asst3">
+    <dgm:fillClrLst meth="repeat">
+      <a:schemeClr val="accent1"/>
+    </dgm:fillClrLst>
+    <dgm:linClrLst meth="repeat">
+      <a:schemeClr val="lt1"/>
+    </dgm:linClrLst>
+    <dgm:effectClrLst/>
+    <dgm:txLinClrLst/>
+    <dgm:txFillClrLst/>
+    <dgm:txEffectClrLst/>
+  </dgm:styleLbl>
+  <dgm:styleLbl name="asst4">
+    <dgm:fillClrLst meth="repeat">
+      <a:schemeClr val="accent1"/>
+    </dgm:fillClrLst>
+    <dgm:linClrLst meth="repeat">
+      <a:schemeClr val="lt1"/>
+    </dgm:linClrLst>
+    <dgm:effectClrLst/>
+    <dgm:txLinClrLst/>
+    <dgm:txFillClrLst/>
+    <dgm:txEffectClrLst/>
+  </dgm:styleLbl>
+  <dgm:styleLbl name="parChTrans2D1">
+    <dgm:fillClrLst meth="repeat">
+      <a:schemeClr val="accent1">
+        <a:tint val="60000"/>
+      </a:schemeClr>
+    </dgm:fillClrLst>
+    <dgm:linClrLst meth="repeat">
+      <a:schemeClr val="accent1">
+        <a:tint val="60000"/>
+      </a:schemeClr>
+    </dgm:linClrLst>
+    <dgm:effectClrLst/>
+    <dgm:txLinClrLst/>
+    <dgm:txFillClrLst meth="repeat">
+      <a:schemeClr val="lt1"/>
+    </dgm:txFillClrLst>
+    <dgm:txEffectClrLst/>
+  </dgm:styleLbl>
+  <dgm:styleLbl name="parChTrans2D2">
+    <dgm:fillClrLst meth="repeat">
+      <a:schemeClr val="accent1"/>
+    </dgm:fillClrLst>
+    <dgm:linClrLst meth="repeat">
+      <a:schemeClr val="accent1"/>
+    </dgm:linClrLst>
+    <dgm:effectClrLst/>
+    <dgm:txLinClrLst/>
+    <dgm:txFillClrLst meth="repeat">
+      <a:schemeClr val="lt1"/>
+    </dgm:txFillClrLst>
+    <dgm:txEffectClrLst/>
+  </dgm:styleLbl>
+  <dgm:styleLbl name="parChTrans2D3">
+    <dgm:fillClrLst meth="repeat">
+      <a:schemeClr val="accent1"/>
+    </dgm:fillClrLst>
+    <dgm:linClrLst meth="repeat">
+      <a:schemeClr val="accent1"/>
+    </dgm:linClrLst>
+    <dgm:effectClrLst/>
+    <dgm:txLinClrLst/>
+    <dgm:txFillClrLst meth="repeat">
+      <a:schemeClr val="lt1"/>
+    </dgm:txFillClrLst>
+    <dgm:txEffectClrLst/>
+  </dgm:styleLbl>
+  <dgm:styleLbl name="parChTrans2D4">
+    <dgm:fillClrLst meth="repeat">
+      <a:schemeClr val="accent1"/>
+    </dgm:fillClrLst>
+    <dgm:linClrLst meth="repeat">
+      <a:schemeClr val="accent1"/>
+    </dgm:linClrLst>
+    <dgm:effectClrLst/>
+    <dgm:txLinClrLst/>
+    <dgm:txFillClrLst meth="repeat">
+      <a:schemeClr val="lt1"/>
+    </dgm:txFillClrLst>
+    <dgm:txEffectClrLst/>
+  </dgm:styleLbl>
+  <dgm:styleLbl name="parChTrans1D1">
+    <dgm:fillClrLst meth="repeat">
+      <a:schemeClr val="accent1"/>
+    </dgm:fillClrLst>
+    <dgm:linClrLst meth="repeat">
+      <a:schemeClr val="accent1">
+        <a:shade val="60000"/>
+      </a:schemeClr>
+    </dgm:linClrLst>
+    <dgm:effectClrLst/>
+    <dgm:txLinClrLst/>
+    <dgm:txFillClrLst meth="repeat">
+      <a:schemeClr val="tx1"/>
+    </dgm:txFillClrLst>
+    <dgm:txEffectClrLst/>
+  </dgm:styleLbl>
+  <dgm:styleLbl name="parChTrans1D2">
+    <dgm:fillClrLst meth="repeat">
+      <a:schemeClr val="accent1"/>
+    </dgm:fillClrLst>
+    <dgm:linClrLst meth="repeat">
+      <a:schemeClr val="accent1">
+        <a:shade val="60000"/>
+      </a:schemeClr>
+    </dgm:linClrLst>
+    <dgm:effectClrLst/>
+    <dgm:txLinClrLst/>
+    <dgm:txFillClrLst meth="repeat">
+      <a:schemeClr val="tx1"/>
+    </dgm:txFillClrLst>
+    <dgm:txEffectClrLst/>
+  </dgm:styleLbl>
+  <dgm:styleLbl name="parChTrans1D3">
+    <dgm:fillClrLst meth="repeat">
+      <a:schemeClr val="accent1"/>
+    </dgm:fillClrLst>
+    <dgm:linClrLst meth="repeat">
+      <a:schemeClr val="accent1">
+        <a:shade val="80000"/>
+      </a:schemeClr>
+    </dgm:linClrLst>
+    <dgm:effectClrLst/>
+    <dgm:txLinClrLst/>
+    <dgm:txFillClrLst meth="repeat">
+      <a:schemeClr val="tx1"/>
+    </dgm:txFillClrLst>
+    <dgm:txEffectClrLst/>
+  </dgm:styleLbl>
+  <dgm:styleLbl name="parChTrans1D4">
+    <dgm:fillClrLst meth="repeat">
+      <a:schemeClr val="accent1"/>
+    </dgm:fillClrLst>
+    <dgm:linClrLst meth="repeat">
+      <a:schemeClr val="accent1">
+        <a:shade val="80000"/>
+      </a:schemeClr>
+    </dgm:linClrLst>
+    <dgm:effectClrLst/>
+    <dgm:txLinClrLst/>
+    <dgm:txFillClrLst meth="repeat">
+      <a:schemeClr val="tx1"/>
+    </dgm:txFillClrLst>
+    <dgm:txEffectClrLst/>
+  </dgm:styleLbl>
+  <dgm:styleLbl name="fgAcc1">
+    <dgm:fillClrLst meth="repeat">
+      <a:schemeClr val="lt1">
+        <a:alpha val="90000"/>
+      </a:schemeClr>
+    </dgm:fillClrLst>
+    <dgm:linClrLst meth="repeat">
+      <a:schemeClr val="accent1"/>
+    </dgm:linClrLst>
+    <dgm:effectClrLst/>
+    <dgm:txLinClrLst/>
+    <dgm:txFillClrLst meth="repeat">
+      <a:schemeClr val="dk1"/>
+    </dgm:txFillClrLst>
+    <dgm:txEffectClrLst/>
+  </dgm:styleLbl>
+  <dgm:styleLbl name="conFgAcc1">
+    <dgm:fillClrLst meth="repeat">
+      <a:schemeClr val="lt1">
+        <a:alpha val="90000"/>
+      </a:schemeClr>
+    </dgm:fillClrLst>
+    <dgm:linClrLst meth="repeat">
+      <a:schemeClr val="accent1"/>
+    </dgm:linClrLst>
+    <dgm:effectClrLst/>
+    <dgm:txLinClrLst/>
+    <dgm:txFillClrLst meth="repeat">
+      <a:schemeClr val="dk1"/>
+    </dgm:txFillClrLst>
+    <dgm:txEffectClrLst/>
+  </dgm:styleLbl>
+  <dgm:styleLbl name="alignAcc1">
+    <dgm:fillClrLst meth="repeat">
+      <a:schemeClr val="lt1">
+        <a:alpha val="90000"/>
+      </a:schemeClr>
+    </dgm:fillClrLst>
+    <dgm:linClrLst meth="repeat">
+      <a:schemeClr val="accent1"/>
+    </dgm:linClrLst>
+    <dgm:effectClrLst/>
+    <dgm:txLinClrLst/>
+    <dgm:txFillClrLst meth="repeat">
+      <a:schemeClr val="dk1"/>
+    </dgm:txFillClrLst>
+    <dgm:txEffectClrLst/>
+  </dgm:styleLbl>
+  <dgm:styleLbl name="trAlignAcc1">
+    <dgm:fillClrLst meth="repeat">
+      <a:schemeClr val="lt1">
+        <a:alpha val="40000"/>
+      </a:schemeClr>
+    </dgm:fillClrLst>
+    <dgm:linClrLst meth="repeat">
+      <a:schemeClr val="accent1"/>
+    </dgm:linClrLst>
+    <dgm:effectClrLst/>
+    <dgm:txLinClrLst/>
+    <dgm:txFillClrLst meth="repeat">
+      <a:schemeClr val="dk1"/>
+    </dgm:txFillClrLst>
+    <dgm:txEffectClrLst/>
+  </dgm:styleLbl>
+  <dgm:styleLbl name="bgAcc1">
+    <dgm:fillClrLst meth="repeat">
+      <a:schemeClr val="lt1">
+        <a:alpha val="90000"/>
+      </a:schemeClr>
+    </dgm:fillClrLst>
+    <dgm:linClrLst meth="repeat">
+      <a:schemeClr val="accent1"/>
+    </dgm:linClrLst>
+    <dgm:effectClrLst/>
+    <dgm:txLinClrLst/>
+    <dgm:txFillClrLst meth="repeat">
+      <a:schemeClr val="dk1"/>
+    </dgm:txFillClrLst>
+    <dgm:txEffectClrLst/>
+  </dgm:styleLbl>
+  <dgm:styleLbl name="solidFgAcc1">
+    <dgm:fillClrLst meth="repeat">
+      <a:schemeClr val="lt1"/>
+    </dgm:fillClrLst>
+    <dgm:linClrLst meth="repeat">
+      <a:schemeClr val="accent1"/>
+    </dgm:linClrLst>
+    <dgm:effectClrLst/>
+    <dgm:txLinClrLst/>
+    <dgm:txFillClrLst meth="repeat">
+      <a:schemeClr val="dk1"/>
+    </dgm:txFillClrLst>
+    <dgm:txEffectClrLst/>
+  </dgm:styleLbl>
+  <dgm:styleLbl name="solidAlignAcc1">
+    <dgm:fillClrLst meth="repeat">
+      <a:schemeClr val="lt1"/>
+    </dgm:fillClrLst>
+    <dgm:linClrLst meth="repeat">
+      <a:schemeClr val="accent1"/>
+    </dgm:linClrLst>
+    <dgm:effectClrLst/>
+    <dgm:txLinClrLst/>
+    <dgm:txFillClrLst meth="repeat">
+      <a:schemeClr val="dk1"/>
+    </dgm:txFillClrLst>
+    <dgm:txEffectClrLst/>
+  </dgm:styleLbl>
+  <dgm:styleLbl name="solidBgAcc1">
+    <dgm:fillClrLst meth="repeat">
+      <a:schemeClr val="lt1"/>
+    </dgm:fillClrLst>
+    <dgm:linClrLst meth="repeat">
+      <a:schemeClr val="accent1"/>
+    </dgm:linClrLst>
+    <dgm:effectClrLst/>
+    <dgm:txLinClrLst/>
+    <dgm:txFillClrLst meth="repeat">
+      <a:schemeClr val="dk1"/>
+    </dgm:txFillClrLst>
+    <dgm:txEffectClrLst/>
+  </dgm:styleLbl>
+  <dgm:styleLbl name="fgAccFollowNode1">
+    <dgm:fillClrLst meth="repeat">
+      <a:schemeClr val="accent1">
+        <a:alpha val="90000"/>
+        <a:tint val="40000"/>
+      </a:schemeClr>
+    </dgm:fillClrLst>
+    <dgm:linClrLst meth="repeat">
+      <a:schemeClr val="accent1">
+        <a:alpha val="90000"/>
+        <a:tint val="40000"/>
+      </a:schemeClr>
+    </dgm:linClrLst>
+    <dgm:effectClrLst/>
+    <dgm:txLinClrLst/>
+    <dgm:txFillClrLst meth="repeat">
+      <a:schemeClr val="dk1"/>
+    </dgm:txFillClrLst>
+    <dgm:txEffectClrLst/>
+  </dgm:styleLbl>
+  <dgm:styleLbl name="alignAccFollowNode1">
+    <dgm:fillClrLst meth="repeat">
+      <a:schemeClr val="accent1">
+        <a:alpha val="90000"/>
+        <a:tint val="40000"/>
+      </a:schemeClr>
+    </dgm:fillClrLst>
+    <dgm:linClrLst meth="repeat">
+      <a:schemeClr val="accent1">
+        <a:alpha val="90000"/>
+        <a:tint val="40000"/>
+      </a:schemeClr>
+    </dgm:linClrLst>
+    <dgm:effectClrLst/>
+    <dgm:txLinClrLst/>
+    <dgm:txFillClrLst meth="repeat">
+      <a:schemeClr val="dk1"/>
+    </dgm:txFillClrLst>
+    <dgm:txEffectClrLst/>
+  </dgm:styleLbl>
+  <dgm:styleLbl name="bgAccFollowNode1">
+    <dgm:fillClrLst meth="repeat">
+      <a:schemeClr val="accent1">
+        <a:alpha val="90000"/>
+        <a:tint val="40000"/>
+      </a:schemeClr>
+    </dgm:fillClrLst>
+    <dgm:linClrLst meth="repeat">
+      <a:schemeClr val="accent1">
+        <a:alpha val="90000"/>
+        <a:tint val="40000"/>
+      </a:schemeClr>
+    </dgm:linClrLst>
+    <dgm:effectClrLst/>
+    <dgm:txLinClrLst/>
+    <dgm:txFillClrLst meth="repeat">
+      <a:schemeClr val="dk1"/>
+    </dgm:txFillClrLst>
+    <dgm:txEffectClrLst/>
+  </dgm:styleLbl>
+  <dgm:styleLbl name="fgAcc0">
+    <dgm:fillClrLst meth="repeat">
+      <a:schemeClr val="lt1">
+        <a:alpha val="90000"/>
+      </a:schemeClr>
+    </dgm:fillClrLst>
+    <dgm:linClrLst meth="repeat">
+      <a:schemeClr val="accent1"/>
+    </dgm:linClrLst>
+    <dgm:effectClrLst/>
+    <dgm:txLinClrLst/>
+    <dgm:txFillClrLst meth="repeat">
+      <a:schemeClr val="dk1"/>
+    </dgm:txFillClrLst>
+    <dgm:txEffectClrLst/>
+  </dgm:styleLbl>
+  <dgm:styleLbl name="fgAcc2">
+    <dgm:fillClrLst meth="repeat">
+      <a:schemeClr val="lt1">
+        <a:alpha val="90000"/>
+      </a:schemeClr>
+    </dgm:fillClrLst>
+    <dgm:linClrLst meth="repeat">
+      <a:schemeClr val="accent1"/>
+    </dgm:linClrLst>
+    <dgm:effectClrLst/>
+    <dgm:txLinClrLst/>
+    <dgm:txFillClrLst meth="repeat">
+      <a:schemeClr val="dk1"/>
+    </dgm:txFillClrLst>
+    <dgm:txEffectClrLst/>
+  </dgm:styleLbl>
+  <dgm:styleLbl name="fgAcc3">
+    <dgm:fillClrLst meth="repeat">
+      <a:schemeClr val="lt1">
+        <a:alpha val="90000"/>
+      </a:schemeClr>
+    </dgm:fillClrLst>
+    <dgm:linClrLst meth="repeat">
+      <a:schemeClr val="accent1"/>
+    </dgm:linClrLst>
+    <dgm:effectClrLst/>
+    <dgm:txLinClrLst/>
+    <dgm:txFillClrLst meth="repeat">
+      <a:schemeClr val="dk1"/>
+    </dgm:txFillClrLst>
+    <dgm:txEffectClrLst/>
+  </dgm:styleLbl>
+  <dgm:styleLbl name="fgAcc4">
+    <dgm:fillClrLst meth="repeat">
+      <a:schemeClr val="lt1">
+        <a:alpha val="90000"/>
+      </a:schemeClr>
+    </dgm:fillClrLst>
+    <dgm:linClrLst meth="repeat">
+      <a:schemeClr val="accent1"/>
+    </dgm:linClrLst>
+    <dgm:effectClrLst/>
+    <dgm:txLinClrLst/>
+    <dgm:txFillClrLst meth="repeat">
+      <a:schemeClr val="dk1"/>
+    </dgm:txFillClrLst>
+    <dgm:txEffectClrLst/>
+  </dgm:styleLbl>
+  <dgm:styleLbl name="bgShp">
+    <dgm:fillClrLst meth="repeat">
+      <a:schemeClr val="accent1">
+        <a:tint val="40000"/>
+      </a:schemeClr>
+    </dgm:fillClrLst>
+    <dgm:linClrLst meth="repeat">
+      <a:schemeClr val="accent1"/>
+    </dgm:linClrLst>
+    <dgm:effectClrLst/>
+    <dgm:txLinClrLst/>
+    <dgm:txFillClrLst meth="repeat">
+      <a:schemeClr val="dk1"/>
+    </dgm:txFillClrLst>
+    <dgm:txEffectClrLst/>
+  </dgm:styleLbl>
+  <dgm:styleLbl name="dkBgShp">
+    <dgm:fillClrLst meth="repeat">
+      <a:schemeClr val="accent1">
+        <a:shade val="80000"/>
+      </a:schemeClr>
+    </dgm:fillClrLst>
+    <dgm:linClrLst meth="repeat">
+      <a:schemeClr val="accent1"/>
+    </dgm:linClrLst>
+    <dgm:effectClrLst/>
+    <dgm:txLinClrLst/>
+    <dgm:txFillClrLst meth="repeat">
+      <a:schemeClr val="lt1"/>
+    </dgm:txFillClrLst>
+    <dgm:txEffectClrLst/>
+  </dgm:styleLbl>
+  <dgm:styleLbl name="trBgShp">
+    <dgm:fillClrLst meth="repeat">
+      <a:schemeClr val="accent1">
+        <a:tint val="50000"/>
+        <a:alpha val="40000"/>
+      </a:schemeClr>
+    </dgm:fillClrLst>
+    <dgm:linClrLst meth="repeat">
+      <a:schemeClr val="accent1"/>
+    </dgm:linClrLst>
+    <dgm:effectClrLst/>
+    <dgm:txLinClrLst/>
+    <dgm:txFillClrLst meth="repeat">
+      <a:schemeClr val="lt1"/>
+    </dgm:txFillClrLst>
+    <dgm:txEffectClrLst/>
+  </dgm:styleLbl>
+  <dgm:styleLbl name="fgShp">
+    <dgm:fillClrLst meth="repeat">
+      <a:schemeClr val="accent1">
+        <a:tint val="60000"/>
+      </a:schemeClr>
+    </dgm:fillClrLst>
+    <dgm:linClrLst meth="repeat">
+      <a:schemeClr val="lt1"/>
+    </dgm:linClrLst>
+    <dgm:effectClrLst/>
+    <dgm:txLinClrLst/>
+    <dgm:txFillClrLst meth="repeat">
+      <a:schemeClr val="dk1"/>
+    </dgm:txFillClrLst>
+    <dgm:txEffectClrLst/>
+  </dgm:styleLbl>
+  <dgm:styleLbl name="revTx">
+    <dgm:fillClrLst meth="repeat">
+      <a:schemeClr val="lt1">
+        <a:alpha val="0"/>
+      </a:schemeClr>
+    </dgm:fillClrLst>
+    <dgm:linClrLst meth="repeat">
+      <a:schemeClr val="dk1">
+        <a:alpha val="0"/>
+      </a:schemeClr>
+    </dgm:linClrLst>
+    <dgm:effectClrLst/>
+    <dgm:txLinClrLst/>
+    <dgm:txFillClrLst meth="repeat">
+      <a:schemeClr val="tx1"/>
+    </dgm:txFillClrLst>
+    <dgm:txEffectClrLst/>
+  </dgm:styleLbl>
+</dgm:colorsDef>
+</file>
+
+<file path=ppt/diagrams/colors3.xml><?xml version="1.0" encoding="utf-8"?>
 <dgm:colorsDef xmlns:dgm="http://schemas.openxmlformats.org/drawingml/2006/diagram" xmlns:a="http://schemas.openxmlformats.org/drawingml/2006/main" uniqueId="urn:microsoft.com/office/officeart/2005/8/colors/accent1_2">
   <dgm:title val=""/>
   <dgm:desc val=""/>
@@ -1190,6 +2686,708 @@
     <dgm:cxn modelId="{C6FB11BB-CF2F-4A2C-B66C-7B90898CAA1A}" type="presParOf" srcId="{BB5ED41E-A6BD-4B75-BB74-E616EA85E068}" destId="{EED04F1C-8CD8-4900-B009-C722602F64ED}" srcOrd="12" destOrd="0" presId="urn:microsoft.com/office/officeart/2005/8/layout/cycle5"/>
     <dgm:cxn modelId="{86D52798-E595-4C8A-B360-4377B97A1DD5}" type="presParOf" srcId="{BB5ED41E-A6BD-4B75-BB74-E616EA85E068}" destId="{DD23CB9B-4D06-49EB-BD3B-33B2FDA4B68C}" srcOrd="13" destOrd="0" presId="urn:microsoft.com/office/officeart/2005/8/layout/cycle5"/>
     <dgm:cxn modelId="{D374AC16-EFF8-4DF4-A026-28A7F669A0E7}" type="presParOf" srcId="{BB5ED41E-A6BD-4B75-BB74-E616EA85E068}" destId="{7A631C11-7EDA-484C-A362-E7D3E9A2F742}" srcOrd="14" destOrd="0" presId="urn:microsoft.com/office/officeart/2005/8/layout/cycle5"/>
+  </dgm:cxnLst>
+  <dgm:bg/>
+  <dgm:whole/>
+  <dgm:extLst>
+    <a:ext uri="http://schemas.microsoft.com/office/drawing/2008/diagram">
+      <dsp:dataModelExt xmlns:dsp="http://schemas.microsoft.com/office/drawing/2008/diagram" relId="rId6" minVer="http://schemas.openxmlformats.org/drawingml/2006/diagram"/>
+    </a:ext>
+  </dgm:extLst>
+</dgm:dataModel>
+</file>
+
+<file path=ppt/diagrams/data2.xml><?xml version="1.0" encoding="utf-8"?>
+<dgm:dataModel xmlns:dgm="http://schemas.openxmlformats.org/drawingml/2006/diagram" xmlns:a="http://schemas.openxmlformats.org/drawingml/2006/main">
+  <dgm:ptLst>
+    <dgm:pt modelId="{384D4EED-DB9D-4030-972A-10F444E2CC33}" type="doc">
+      <dgm:prSet loTypeId="urn:microsoft.com/office/officeart/2005/8/layout/cycle5" loCatId="cycle" qsTypeId="urn:microsoft.com/office/officeart/2005/8/quickstyle/simple1" qsCatId="simple" csTypeId="urn:microsoft.com/office/officeart/2005/8/colors/accent1_2" csCatId="accent1" phldr="1"/>
+      <dgm:spPr/>
+      <dgm:t>
+        <a:bodyPr/>
+        <a:lstStyle/>
+        <a:p>
+          <a:endParaRPr lang="de-DE"/>
+        </a:p>
+      </dgm:t>
+    </dgm:pt>
+    <dgm:pt modelId="{52B86FEA-1FD6-43DC-B1B7-8031453D3B9D}">
+      <dgm:prSet phldrT="[Text]"/>
+      <dgm:spPr>
+        <a:solidFill>
+          <a:srgbClr val="FF0000"/>
+        </a:solidFill>
+      </dgm:spPr>
+      <dgm:t>
+        <a:bodyPr/>
+        <a:lstStyle/>
+        <a:p>
+          <a:r>
+            <a:rPr lang="de-DE" dirty="0" err="1"/>
+            <a:t>Harlot</a:t>
+          </a:r>
+          <a:endParaRPr lang="de-DE" dirty="0"/>
+        </a:p>
+      </dgm:t>
+    </dgm:pt>
+    <dgm:pt modelId="{50EF50F2-3AD3-4FBC-8C26-1F4684F1CF32}" type="parTrans" cxnId="{B673955F-1D55-4B37-A37B-B2010A6005FA}">
+      <dgm:prSet/>
+      <dgm:spPr/>
+      <dgm:t>
+        <a:bodyPr/>
+        <a:lstStyle/>
+        <a:p>
+          <a:endParaRPr lang="de-DE"/>
+        </a:p>
+      </dgm:t>
+    </dgm:pt>
+    <dgm:pt modelId="{53C830FE-CC32-4B28-ADB3-4A26B46FF71E}" type="sibTrans" cxnId="{B673955F-1D55-4B37-A37B-B2010A6005FA}">
+      <dgm:prSet/>
+      <dgm:spPr/>
+      <dgm:t>
+        <a:bodyPr/>
+        <a:lstStyle/>
+        <a:p>
+          <a:endParaRPr lang="de-DE"/>
+        </a:p>
+      </dgm:t>
+    </dgm:pt>
+    <dgm:pt modelId="{C99F8352-BD58-4C08-8CC8-1906AC179CEE}">
+      <dgm:prSet phldrT="[Text]"/>
+      <dgm:spPr/>
+      <dgm:t>
+        <a:bodyPr/>
+        <a:lstStyle/>
+        <a:p>
+          <a:r>
+            <a:rPr lang="de-DE" dirty="0" err="1"/>
+            <a:t>Hig</a:t>
+          </a:r>
+          <a:r>
+            <a:rPr lang="de-DE" dirty="0"/>
+            <a:t> priest</a:t>
+          </a:r>
+        </a:p>
+      </dgm:t>
+    </dgm:pt>
+    <dgm:pt modelId="{A36BAE7E-13C6-4C01-9425-F76825F2936C}" type="parTrans" cxnId="{DB2D0F4C-DEC6-47E0-87AB-CBEF5000BCAE}">
+      <dgm:prSet/>
+      <dgm:spPr/>
+      <dgm:t>
+        <a:bodyPr/>
+        <a:lstStyle/>
+        <a:p>
+          <a:endParaRPr lang="de-DE"/>
+        </a:p>
+      </dgm:t>
+    </dgm:pt>
+    <dgm:pt modelId="{AB5A3CD6-37C8-4F81-BD97-35477484532D}" type="sibTrans" cxnId="{DB2D0F4C-DEC6-47E0-87AB-CBEF5000BCAE}">
+      <dgm:prSet/>
+      <dgm:spPr/>
+      <dgm:t>
+        <a:bodyPr/>
+        <a:lstStyle/>
+        <a:p>
+          <a:endParaRPr lang="de-DE"/>
+        </a:p>
+      </dgm:t>
+    </dgm:pt>
+    <dgm:pt modelId="{DF35EF4F-E950-4A61-AB2D-78D2F2A97F34}">
+      <dgm:prSet phldrT="[Text]"/>
+      <dgm:spPr/>
+      <dgm:t>
+        <a:bodyPr/>
+        <a:lstStyle/>
+        <a:p>
+          <a:r>
+            <a:rPr lang="de-DE" dirty="0"/>
+            <a:t>Idol </a:t>
+          </a:r>
+          <a:r>
+            <a:rPr lang="de-DE" dirty="0" err="1"/>
+            <a:t>worship</a:t>
+          </a:r>
+          <a:endParaRPr lang="de-DE" dirty="0"/>
+        </a:p>
+      </dgm:t>
+    </dgm:pt>
+    <dgm:pt modelId="{6621AE4D-B714-4A3C-9747-B9AC3059298C}" type="parTrans" cxnId="{36B33CF4-CD81-4DDC-BDE6-4324564F2658}">
+      <dgm:prSet/>
+      <dgm:spPr/>
+      <dgm:t>
+        <a:bodyPr/>
+        <a:lstStyle/>
+        <a:p>
+          <a:endParaRPr lang="de-DE"/>
+        </a:p>
+      </dgm:t>
+    </dgm:pt>
+    <dgm:pt modelId="{04845AD2-6B7F-4BC4-B0A7-1CE1DCED5FFD}" type="sibTrans" cxnId="{36B33CF4-CD81-4DDC-BDE6-4324564F2658}">
+      <dgm:prSet/>
+      <dgm:spPr/>
+      <dgm:t>
+        <a:bodyPr/>
+        <a:lstStyle/>
+        <a:p>
+          <a:endParaRPr lang="de-DE"/>
+        </a:p>
+      </dgm:t>
+    </dgm:pt>
+    <dgm:pt modelId="{4558D8D6-6BAF-47EC-9C72-4219F6893190}">
+      <dgm:prSet phldrT="[Text]"/>
+      <dgm:spPr/>
+      <dgm:t>
+        <a:bodyPr/>
+        <a:lstStyle/>
+        <a:p>
+          <a:r>
+            <a:rPr lang="de-DE" dirty="0"/>
+            <a:t>trade</a:t>
+          </a:r>
+        </a:p>
+      </dgm:t>
+    </dgm:pt>
+    <dgm:pt modelId="{0CFE1766-9CDF-43BF-BE72-8DA52B660FFF}" type="parTrans" cxnId="{3CE4B245-EDEA-4DCC-9217-AA833AA4693D}">
+      <dgm:prSet/>
+      <dgm:spPr/>
+      <dgm:t>
+        <a:bodyPr/>
+        <a:lstStyle/>
+        <a:p>
+          <a:endParaRPr lang="de-DE"/>
+        </a:p>
+      </dgm:t>
+    </dgm:pt>
+    <dgm:pt modelId="{1C8417DB-3D9C-424D-987C-7D40373CC36D}" type="sibTrans" cxnId="{3CE4B245-EDEA-4DCC-9217-AA833AA4693D}">
+      <dgm:prSet/>
+      <dgm:spPr/>
+      <dgm:t>
+        <a:bodyPr/>
+        <a:lstStyle/>
+        <a:p>
+          <a:endParaRPr lang="de-DE"/>
+        </a:p>
+      </dgm:t>
+    </dgm:pt>
+    <dgm:pt modelId="{FEBF2221-DFF5-4022-A654-3BACD12AA18B}">
+      <dgm:prSet phldrT="[Text]"/>
+      <dgm:spPr/>
+      <dgm:t>
+        <a:bodyPr/>
+        <a:lstStyle/>
+        <a:p>
+          <a:r>
+            <a:rPr lang="de-DE" dirty="0" err="1"/>
+            <a:t>exploitation</a:t>
+          </a:r>
+          <a:endParaRPr lang="de-DE" dirty="0"/>
+        </a:p>
+      </dgm:t>
+    </dgm:pt>
+    <dgm:pt modelId="{8354C0AB-FB8A-43BF-9F24-917BF0E0F195}" type="parTrans" cxnId="{8E16320B-A407-4514-8EBD-7B417D71A049}">
+      <dgm:prSet/>
+      <dgm:spPr/>
+      <dgm:t>
+        <a:bodyPr/>
+        <a:lstStyle/>
+        <a:p>
+          <a:endParaRPr lang="de-DE"/>
+        </a:p>
+      </dgm:t>
+    </dgm:pt>
+    <dgm:pt modelId="{F816690F-BA5B-4D89-950C-56E36C61621C}" type="sibTrans" cxnId="{8E16320B-A407-4514-8EBD-7B417D71A049}">
+      <dgm:prSet/>
+      <dgm:spPr/>
+      <dgm:t>
+        <a:bodyPr/>
+        <a:lstStyle/>
+        <a:p>
+          <a:endParaRPr lang="de-DE"/>
+        </a:p>
+      </dgm:t>
+    </dgm:pt>
+    <dgm:pt modelId="{BB5ED41E-A6BD-4B75-BB74-E616EA85E068}" type="pres">
+      <dgm:prSet presAssocID="{384D4EED-DB9D-4030-972A-10F444E2CC33}" presName="cycle" presStyleCnt="0">
+        <dgm:presLayoutVars>
+          <dgm:dir/>
+          <dgm:resizeHandles val="exact"/>
+        </dgm:presLayoutVars>
+      </dgm:prSet>
+      <dgm:spPr/>
+    </dgm:pt>
+    <dgm:pt modelId="{5E9CCF2F-0ECC-4078-9616-52E3EF216A73}" type="pres">
+      <dgm:prSet presAssocID="{52B86FEA-1FD6-43DC-B1B7-8031453D3B9D}" presName="node" presStyleLbl="node1" presStyleIdx="0" presStyleCnt="5">
+        <dgm:presLayoutVars>
+          <dgm:bulletEnabled val="1"/>
+        </dgm:presLayoutVars>
+      </dgm:prSet>
+      <dgm:spPr/>
+    </dgm:pt>
+    <dgm:pt modelId="{7D6F3C25-69F7-4594-BFD2-72243718F5CE}" type="pres">
+      <dgm:prSet presAssocID="{52B86FEA-1FD6-43DC-B1B7-8031453D3B9D}" presName="spNode" presStyleCnt="0"/>
+      <dgm:spPr/>
+    </dgm:pt>
+    <dgm:pt modelId="{A93153C1-D950-4068-BC28-D448433DC91F}" type="pres">
+      <dgm:prSet presAssocID="{53C830FE-CC32-4B28-ADB3-4A26B46FF71E}" presName="sibTrans" presStyleLbl="sibTrans1D1" presStyleIdx="0" presStyleCnt="5"/>
+      <dgm:spPr/>
+    </dgm:pt>
+    <dgm:pt modelId="{92ABB3F3-7A97-4641-83D8-ABAC60DB50B0}" type="pres">
+      <dgm:prSet presAssocID="{C99F8352-BD58-4C08-8CC8-1906AC179CEE}" presName="node" presStyleLbl="node1" presStyleIdx="1" presStyleCnt="5">
+        <dgm:presLayoutVars>
+          <dgm:bulletEnabled val="1"/>
+        </dgm:presLayoutVars>
+      </dgm:prSet>
+      <dgm:spPr/>
+    </dgm:pt>
+    <dgm:pt modelId="{D16D6D9E-A0AB-4BC8-AA63-723CE1770402}" type="pres">
+      <dgm:prSet presAssocID="{C99F8352-BD58-4C08-8CC8-1906AC179CEE}" presName="spNode" presStyleCnt="0"/>
+      <dgm:spPr/>
+    </dgm:pt>
+    <dgm:pt modelId="{FB82C4F1-5056-4FBC-8FFF-38F5676F3D93}" type="pres">
+      <dgm:prSet presAssocID="{AB5A3CD6-37C8-4F81-BD97-35477484532D}" presName="sibTrans" presStyleLbl="sibTrans1D1" presStyleIdx="1" presStyleCnt="5"/>
+      <dgm:spPr/>
+    </dgm:pt>
+    <dgm:pt modelId="{DE1D72AA-6EFF-45C7-BAD1-8C967FC85421}" type="pres">
+      <dgm:prSet presAssocID="{DF35EF4F-E950-4A61-AB2D-78D2F2A97F34}" presName="node" presStyleLbl="node1" presStyleIdx="2" presStyleCnt="5">
+        <dgm:presLayoutVars>
+          <dgm:bulletEnabled val="1"/>
+        </dgm:presLayoutVars>
+      </dgm:prSet>
+      <dgm:spPr/>
+    </dgm:pt>
+    <dgm:pt modelId="{0CDD4F68-3545-4BE4-B21F-447C04BBA02E}" type="pres">
+      <dgm:prSet presAssocID="{DF35EF4F-E950-4A61-AB2D-78D2F2A97F34}" presName="spNode" presStyleCnt="0"/>
+      <dgm:spPr/>
+    </dgm:pt>
+    <dgm:pt modelId="{7361FA96-0005-4A40-9767-60928A1CE639}" type="pres">
+      <dgm:prSet presAssocID="{04845AD2-6B7F-4BC4-B0A7-1CE1DCED5FFD}" presName="sibTrans" presStyleLbl="sibTrans1D1" presStyleIdx="2" presStyleCnt="5"/>
+      <dgm:spPr/>
+    </dgm:pt>
+    <dgm:pt modelId="{E76EB409-914C-4F1F-A23D-D423B274F243}" type="pres">
+      <dgm:prSet presAssocID="{4558D8D6-6BAF-47EC-9C72-4219F6893190}" presName="node" presStyleLbl="node1" presStyleIdx="3" presStyleCnt="5">
+        <dgm:presLayoutVars>
+          <dgm:bulletEnabled val="1"/>
+        </dgm:presLayoutVars>
+      </dgm:prSet>
+      <dgm:spPr/>
+    </dgm:pt>
+    <dgm:pt modelId="{B5EC024E-F482-41A4-B95F-CC8CFE0AB13E}" type="pres">
+      <dgm:prSet presAssocID="{4558D8D6-6BAF-47EC-9C72-4219F6893190}" presName="spNode" presStyleCnt="0"/>
+      <dgm:spPr/>
+    </dgm:pt>
+    <dgm:pt modelId="{9E3659A5-DF2B-47B0-B3AB-0D16B91330BF}" type="pres">
+      <dgm:prSet presAssocID="{1C8417DB-3D9C-424D-987C-7D40373CC36D}" presName="sibTrans" presStyleLbl="sibTrans1D1" presStyleIdx="3" presStyleCnt="5"/>
+      <dgm:spPr/>
+    </dgm:pt>
+    <dgm:pt modelId="{EED04F1C-8CD8-4900-B009-C722602F64ED}" type="pres">
+      <dgm:prSet presAssocID="{FEBF2221-DFF5-4022-A654-3BACD12AA18B}" presName="node" presStyleLbl="node1" presStyleIdx="4" presStyleCnt="5">
+        <dgm:presLayoutVars>
+          <dgm:bulletEnabled val="1"/>
+        </dgm:presLayoutVars>
+      </dgm:prSet>
+      <dgm:spPr/>
+    </dgm:pt>
+    <dgm:pt modelId="{DD23CB9B-4D06-49EB-BD3B-33B2FDA4B68C}" type="pres">
+      <dgm:prSet presAssocID="{FEBF2221-DFF5-4022-A654-3BACD12AA18B}" presName="spNode" presStyleCnt="0"/>
+      <dgm:spPr/>
+    </dgm:pt>
+    <dgm:pt modelId="{7A631C11-7EDA-484C-A362-E7D3E9A2F742}" type="pres">
+      <dgm:prSet presAssocID="{F816690F-BA5B-4D89-950C-56E36C61621C}" presName="sibTrans" presStyleLbl="sibTrans1D1" presStyleIdx="4" presStyleCnt="5"/>
+      <dgm:spPr/>
+    </dgm:pt>
+  </dgm:ptLst>
+  <dgm:cxnLst>
+    <dgm:cxn modelId="{8E16320B-A407-4514-8EBD-7B417D71A049}" srcId="{384D4EED-DB9D-4030-972A-10F444E2CC33}" destId="{FEBF2221-DFF5-4022-A654-3BACD12AA18B}" srcOrd="4" destOrd="0" parTransId="{8354C0AB-FB8A-43BF-9F24-917BF0E0F195}" sibTransId="{F816690F-BA5B-4D89-950C-56E36C61621C}"/>
+    <dgm:cxn modelId="{7D3BE510-0D95-4DEF-A9F5-667A05A1F560}" type="presOf" srcId="{53C830FE-CC32-4B28-ADB3-4A26B46FF71E}" destId="{A93153C1-D950-4068-BC28-D448433DC91F}" srcOrd="0" destOrd="0" presId="urn:microsoft.com/office/officeart/2005/8/layout/cycle5"/>
+    <dgm:cxn modelId="{6563051F-9420-40A5-A313-D2C53C2B6766}" type="presOf" srcId="{1C8417DB-3D9C-424D-987C-7D40373CC36D}" destId="{9E3659A5-DF2B-47B0-B3AB-0D16B91330BF}" srcOrd="0" destOrd="0" presId="urn:microsoft.com/office/officeart/2005/8/layout/cycle5"/>
+    <dgm:cxn modelId="{C236DE35-1938-46D0-B5E5-7BAA15A9BC4E}" type="presOf" srcId="{C99F8352-BD58-4C08-8CC8-1906AC179CEE}" destId="{92ABB3F3-7A97-4641-83D8-ABAC60DB50B0}" srcOrd="0" destOrd="0" presId="urn:microsoft.com/office/officeart/2005/8/layout/cycle5"/>
+    <dgm:cxn modelId="{B673955F-1D55-4B37-A37B-B2010A6005FA}" srcId="{384D4EED-DB9D-4030-972A-10F444E2CC33}" destId="{52B86FEA-1FD6-43DC-B1B7-8031453D3B9D}" srcOrd="0" destOrd="0" parTransId="{50EF50F2-3AD3-4FBC-8C26-1F4684F1CF32}" sibTransId="{53C830FE-CC32-4B28-ADB3-4A26B46FF71E}"/>
+    <dgm:cxn modelId="{52006261-FA92-4F05-A382-0A1D7F51261C}" type="presOf" srcId="{04845AD2-6B7F-4BC4-B0A7-1CE1DCED5FFD}" destId="{7361FA96-0005-4A40-9767-60928A1CE639}" srcOrd="0" destOrd="0" presId="urn:microsoft.com/office/officeart/2005/8/layout/cycle5"/>
+    <dgm:cxn modelId="{3CE4B245-EDEA-4DCC-9217-AA833AA4693D}" srcId="{384D4EED-DB9D-4030-972A-10F444E2CC33}" destId="{4558D8D6-6BAF-47EC-9C72-4219F6893190}" srcOrd="3" destOrd="0" parTransId="{0CFE1766-9CDF-43BF-BE72-8DA52B660FFF}" sibTransId="{1C8417DB-3D9C-424D-987C-7D40373CC36D}"/>
+    <dgm:cxn modelId="{DB2D0F4C-DEC6-47E0-87AB-CBEF5000BCAE}" srcId="{384D4EED-DB9D-4030-972A-10F444E2CC33}" destId="{C99F8352-BD58-4C08-8CC8-1906AC179CEE}" srcOrd="1" destOrd="0" parTransId="{A36BAE7E-13C6-4C01-9425-F76825F2936C}" sibTransId="{AB5A3CD6-37C8-4F81-BD97-35477484532D}"/>
+    <dgm:cxn modelId="{5504FE6C-671A-4505-BC41-D89EA1456548}" type="presOf" srcId="{DF35EF4F-E950-4A61-AB2D-78D2F2A97F34}" destId="{DE1D72AA-6EFF-45C7-BAD1-8C967FC85421}" srcOrd="0" destOrd="0" presId="urn:microsoft.com/office/officeart/2005/8/layout/cycle5"/>
+    <dgm:cxn modelId="{3225BC91-1CDD-4703-80C3-B5894225598F}" type="presOf" srcId="{384D4EED-DB9D-4030-972A-10F444E2CC33}" destId="{BB5ED41E-A6BD-4B75-BB74-E616EA85E068}" srcOrd="0" destOrd="0" presId="urn:microsoft.com/office/officeart/2005/8/layout/cycle5"/>
+    <dgm:cxn modelId="{3B5D2DAA-D987-4427-BE2B-7885C9D6A57F}" type="presOf" srcId="{52B86FEA-1FD6-43DC-B1B7-8031453D3B9D}" destId="{5E9CCF2F-0ECC-4078-9616-52E3EF216A73}" srcOrd="0" destOrd="0" presId="urn:microsoft.com/office/officeart/2005/8/layout/cycle5"/>
+    <dgm:cxn modelId="{01C610B0-7A22-453B-ACB9-BCB58CB12364}" type="presOf" srcId="{F816690F-BA5B-4D89-950C-56E36C61621C}" destId="{7A631C11-7EDA-484C-A362-E7D3E9A2F742}" srcOrd="0" destOrd="0" presId="urn:microsoft.com/office/officeart/2005/8/layout/cycle5"/>
+    <dgm:cxn modelId="{DC115BDD-CE43-4608-AD32-0B9AEEBBBA54}" type="presOf" srcId="{4558D8D6-6BAF-47EC-9C72-4219F6893190}" destId="{E76EB409-914C-4F1F-A23D-D423B274F243}" srcOrd="0" destOrd="0" presId="urn:microsoft.com/office/officeart/2005/8/layout/cycle5"/>
+    <dgm:cxn modelId="{52481BEE-4696-4A3D-AE34-E82DE0E98B1A}" type="presOf" srcId="{FEBF2221-DFF5-4022-A654-3BACD12AA18B}" destId="{EED04F1C-8CD8-4900-B009-C722602F64ED}" srcOrd="0" destOrd="0" presId="urn:microsoft.com/office/officeart/2005/8/layout/cycle5"/>
+    <dgm:cxn modelId="{62B7ADF3-A871-4DF9-BB7D-FB8329FB94A4}" type="presOf" srcId="{AB5A3CD6-37C8-4F81-BD97-35477484532D}" destId="{FB82C4F1-5056-4FBC-8FFF-38F5676F3D93}" srcOrd="0" destOrd="0" presId="urn:microsoft.com/office/officeart/2005/8/layout/cycle5"/>
+    <dgm:cxn modelId="{36B33CF4-CD81-4DDC-BDE6-4324564F2658}" srcId="{384D4EED-DB9D-4030-972A-10F444E2CC33}" destId="{DF35EF4F-E950-4A61-AB2D-78D2F2A97F34}" srcOrd="2" destOrd="0" parTransId="{6621AE4D-B714-4A3C-9747-B9AC3059298C}" sibTransId="{04845AD2-6B7F-4BC4-B0A7-1CE1DCED5FFD}"/>
+    <dgm:cxn modelId="{90B9EC6B-5876-47A8-83D4-9F729F4A1A88}" type="presParOf" srcId="{BB5ED41E-A6BD-4B75-BB74-E616EA85E068}" destId="{5E9CCF2F-0ECC-4078-9616-52E3EF216A73}" srcOrd="0" destOrd="0" presId="urn:microsoft.com/office/officeart/2005/8/layout/cycle5"/>
+    <dgm:cxn modelId="{0B49E95E-D7F4-41F2-BC7E-564526640EB4}" type="presParOf" srcId="{BB5ED41E-A6BD-4B75-BB74-E616EA85E068}" destId="{7D6F3C25-69F7-4594-BFD2-72243718F5CE}" srcOrd="1" destOrd="0" presId="urn:microsoft.com/office/officeart/2005/8/layout/cycle5"/>
+    <dgm:cxn modelId="{4C8B28A4-8742-440B-A241-DCFD60A8CAEF}" type="presParOf" srcId="{BB5ED41E-A6BD-4B75-BB74-E616EA85E068}" destId="{A93153C1-D950-4068-BC28-D448433DC91F}" srcOrd="2" destOrd="0" presId="urn:microsoft.com/office/officeart/2005/8/layout/cycle5"/>
+    <dgm:cxn modelId="{D7C7DE76-202B-4411-ACFD-5B3A54D22CE5}" type="presParOf" srcId="{BB5ED41E-A6BD-4B75-BB74-E616EA85E068}" destId="{92ABB3F3-7A97-4641-83D8-ABAC60DB50B0}" srcOrd="3" destOrd="0" presId="urn:microsoft.com/office/officeart/2005/8/layout/cycle5"/>
+    <dgm:cxn modelId="{9B897F0E-F3A1-46C9-9C21-044ED06090B0}" type="presParOf" srcId="{BB5ED41E-A6BD-4B75-BB74-E616EA85E068}" destId="{D16D6D9E-A0AB-4BC8-AA63-723CE1770402}" srcOrd="4" destOrd="0" presId="urn:microsoft.com/office/officeart/2005/8/layout/cycle5"/>
+    <dgm:cxn modelId="{35FCA35D-4FE7-4FD6-AFC2-6F92E44CEC27}" type="presParOf" srcId="{BB5ED41E-A6BD-4B75-BB74-E616EA85E068}" destId="{FB82C4F1-5056-4FBC-8FFF-38F5676F3D93}" srcOrd="5" destOrd="0" presId="urn:microsoft.com/office/officeart/2005/8/layout/cycle5"/>
+    <dgm:cxn modelId="{03A7A259-2BDD-474B-A7AA-22766D156DA3}" type="presParOf" srcId="{BB5ED41E-A6BD-4B75-BB74-E616EA85E068}" destId="{DE1D72AA-6EFF-45C7-BAD1-8C967FC85421}" srcOrd="6" destOrd="0" presId="urn:microsoft.com/office/officeart/2005/8/layout/cycle5"/>
+    <dgm:cxn modelId="{5CF09AA7-70E9-49A4-BB74-186AA18E2F81}" type="presParOf" srcId="{BB5ED41E-A6BD-4B75-BB74-E616EA85E068}" destId="{0CDD4F68-3545-4BE4-B21F-447C04BBA02E}" srcOrd="7" destOrd="0" presId="urn:microsoft.com/office/officeart/2005/8/layout/cycle5"/>
+    <dgm:cxn modelId="{856283B3-2570-47B0-A9D8-5EC7CE21B8FF}" type="presParOf" srcId="{BB5ED41E-A6BD-4B75-BB74-E616EA85E068}" destId="{7361FA96-0005-4A40-9767-60928A1CE639}" srcOrd="8" destOrd="0" presId="urn:microsoft.com/office/officeart/2005/8/layout/cycle5"/>
+    <dgm:cxn modelId="{84620908-11FA-4F28-B52F-30918F743DA2}" type="presParOf" srcId="{BB5ED41E-A6BD-4B75-BB74-E616EA85E068}" destId="{E76EB409-914C-4F1F-A23D-D423B274F243}" srcOrd="9" destOrd="0" presId="urn:microsoft.com/office/officeart/2005/8/layout/cycle5"/>
+    <dgm:cxn modelId="{18F7E4CA-AD8A-4A71-B7A7-552E2EF65372}" type="presParOf" srcId="{BB5ED41E-A6BD-4B75-BB74-E616EA85E068}" destId="{B5EC024E-F482-41A4-B95F-CC8CFE0AB13E}" srcOrd="10" destOrd="0" presId="urn:microsoft.com/office/officeart/2005/8/layout/cycle5"/>
+    <dgm:cxn modelId="{8430D48F-C76A-437D-BCD3-EA701BBD195E}" type="presParOf" srcId="{BB5ED41E-A6BD-4B75-BB74-E616EA85E068}" destId="{9E3659A5-DF2B-47B0-B3AB-0D16B91330BF}" srcOrd="11" destOrd="0" presId="urn:microsoft.com/office/officeart/2005/8/layout/cycle5"/>
+    <dgm:cxn modelId="{C6FB11BB-CF2F-4A2C-B66C-7B90898CAA1A}" type="presParOf" srcId="{BB5ED41E-A6BD-4B75-BB74-E616EA85E068}" destId="{EED04F1C-8CD8-4900-B009-C722602F64ED}" srcOrd="12" destOrd="0" presId="urn:microsoft.com/office/officeart/2005/8/layout/cycle5"/>
+    <dgm:cxn modelId="{86D52798-E595-4C8A-B360-4377B97A1DD5}" type="presParOf" srcId="{BB5ED41E-A6BD-4B75-BB74-E616EA85E068}" destId="{DD23CB9B-4D06-49EB-BD3B-33B2FDA4B68C}" srcOrd="13" destOrd="0" presId="urn:microsoft.com/office/officeart/2005/8/layout/cycle5"/>
+    <dgm:cxn modelId="{D374AC16-EFF8-4DF4-A026-28A7F669A0E7}" type="presParOf" srcId="{BB5ED41E-A6BD-4B75-BB74-E616EA85E068}" destId="{7A631C11-7EDA-484C-A362-E7D3E9A2F742}" srcOrd="14" destOrd="0" presId="urn:microsoft.com/office/officeart/2005/8/layout/cycle5"/>
+  </dgm:cxnLst>
+  <dgm:bg/>
+  <dgm:whole/>
+  <dgm:extLst>
+    <a:ext uri="http://schemas.microsoft.com/office/drawing/2008/diagram">
+      <dsp:dataModelExt xmlns:dsp="http://schemas.microsoft.com/office/drawing/2008/diagram" relId="rId6" minVer="http://schemas.openxmlformats.org/drawingml/2006/diagram"/>
+    </a:ext>
+  </dgm:extLst>
+</dgm:dataModel>
+</file>
+
+<file path=ppt/diagrams/data3.xml><?xml version="1.0" encoding="utf-8"?>
+<dgm:dataModel xmlns:dgm="http://schemas.openxmlformats.org/drawingml/2006/diagram" xmlns:a="http://schemas.openxmlformats.org/drawingml/2006/main">
+  <dgm:ptLst>
+    <dgm:pt modelId="{384D4EED-DB9D-4030-972A-10F444E2CC33}" type="doc">
+      <dgm:prSet loTypeId="urn:microsoft.com/office/officeart/2005/8/layout/cycle5" loCatId="cycle" qsTypeId="urn:microsoft.com/office/officeart/2005/8/quickstyle/simple1" qsCatId="simple" csTypeId="urn:microsoft.com/office/officeart/2005/8/colors/accent1_2" csCatId="accent1" phldr="1"/>
+      <dgm:spPr/>
+      <dgm:t>
+        <a:bodyPr/>
+        <a:lstStyle/>
+        <a:p>
+          <a:endParaRPr lang="de-DE"/>
+        </a:p>
+      </dgm:t>
+    </dgm:pt>
+    <dgm:pt modelId="{52B86FEA-1FD6-43DC-B1B7-8031453D3B9D}">
+      <dgm:prSet phldrT="[Text]"/>
+      <dgm:spPr>
+        <a:solidFill>
+          <a:srgbClr val="FF0000"/>
+        </a:solidFill>
+      </dgm:spPr>
+      <dgm:t>
+        <a:bodyPr/>
+        <a:lstStyle/>
+        <a:p>
+          <a:r>
+            <a:rPr lang="de-DE" dirty="0" err="1"/>
+            <a:t>Fahişe</a:t>
+          </a:r>
+          <a:endParaRPr lang="de-DE" dirty="0"/>
+        </a:p>
+      </dgm:t>
+    </dgm:pt>
+    <dgm:pt modelId="{50EF50F2-3AD3-4FBC-8C26-1F4684F1CF32}" type="parTrans" cxnId="{B673955F-1D55-4B37-A37B-B2010A6005FA}">
+      <dgm:prSet/>
+      <dgm:spPr/>
+      <dgm:t>
+        <a:bodyPr/>
+        <a:lstStyle/>
+        <a:p>
+          <a:endParaRPr lang="de-DE"/>
+        </a:p>
+      </dgm:t>
+    </dgm:pt>
+    <dgm:pt modelId="{53C830FE-CC32-4B28-ADB3-4A26B46FF71E}" type="sibTrans" cxnId="{B673955F-1D55-4B37-A37B-B2010A6005FA}">
+      <dgm:prSet/>
+      <dgm:spPr/>
+      <dgm:t>
+        <a:bodyPr/>
+        <a:lstStyle/>
+        <a:p>
+          <a:endParaRPr lang="de-DE"/>
+        </a:p>
+      </dgm:t>
+    </dgm:pt>
+    <dgm:pt modelId="{BE1601C8-BED8-4796-A66E-7FEEF0E0D680}">
+      <dgm:prSet phldrT="[Text]"/>
+      <dgm:spPr>
+        <a:solidFill>
+          <a:srgbClr val="FF0000"/>
+        </a:solidFill>
+      </dgm:spPr>
+      <dgm:t>
+        <a:bodyPr/>
+        <a:lstStyle/>
+        <a:p>
+          <a:r>
+            <a:rPr lang="de-DE" dirty="0" err="1"/>
+            <a:t>Baş</a:t>
+          </a:r>
+          <a:r>
+            <a:rPr lang="de-DE" dirty="0"/>
+            <a:t> </a:t>
+          </a:r>
+          <a:r>
+            <a:rPr lang="de-DE" dirty="0" err="1"/>
+            <a:t>Rahip</a:t>
+          </a:r>
+          <a:endParaRPr lang="de-DE" dirty="0"/>
+        </a:p>
+      </dgm:t>
+    </dgm:pt>
+    <dgm:pt modelId="{B061C351-6FF3-4B18-BD70-9AF781B683FD}" type="parTrans" cxnId="{388A1AAF-D068-47D6-8F14-6697E7B5B545}">
+      <dgm:prSet/>
+      <dgm:spPr/>
+      <dgm:t>
+        <a:bodyPr/>
+        <a:lstStyle/>
+        <a:p>
+          <a:endParaRPr lang="de-DE"/>
+        </a:p>
+      </dgm:t>
+    </dgm:pt>
+    <dgm:pt modelId="{C392A9C9-D8CB-4D6D-A83F-0AE9761BEDCD}" type="sibTrans" cxnId="{388A1AAF-D068-47D6-8F14-6697E7B5B545}">
+      <dgm:prSet/>
+      <dgm:spPr/>
+      <dgm:t>
+        <a:bodyPr/>
+        <a:lstStyle/>
+        <a:p>
+          <a:endParaRPr lang="de-DE"/>
+        </a:p>
+      </dgm:t>
+    </dgm:pt>
+    <dgm:pt modelId="{AB1D92D3-EC28-4471-A24C-59FDF55629E4}">
+      <dgm:prSet phldrT="[Text]"/>
+      <dgm:spPr>
+        <a:solidFill>
+          <a:srgbClr val="FF0000"/>
+        </a:solidFill>
+      </dgm:spPr>
+      <dgm:t>
+        <a:bodyPr/>
+        <a:lstStyle/>
+        <a:p>
+          <a:r>
+            <a:rPr lang="de-DE" dirty="0" err="1"/>
+            <a:t>Putperestlik</a:t>
+          </a:r>
+          <a:endParaRPr lang="de-DE" dirty="0"/>
+        </a:p>
+      </dgm:t>
+    </dgm:pt>
+    <dgm:pt modelId="{E0BC8BDD-17D4-4BEB-8D87-4305FE9D3AA0}" type="parTrans" cxnId="{5BBB0CB1-5ACA-46FD-BD4E-DE51AAFD491D}">
+      <dgm:prSet/>
+      <dgm:spPr/>
+      <dgm:t>
+        <a:bodyPr/>
+        <a:lstStyle/>
+        <a:p>
+          <a:endParaRPr lang="de-DE"/>
+        </a:p>
+      </dgm:t>
+    </dgm:pt>
+    <dgm:pt modelId="{CB94AB02-0C3D-4003-9C35-80B224BF1CBB}" type="sibTrans" cxnId="{5BBB0CB1-5ACA-46FD-BD4E-DE51AAFD491D}">
+      <dgm:prSet/>
+      <dgm:spPr/>
+      <dgm:t>
+        <a:bodyPr/>
+        <a:lstStyle/>
+        <a:p>
+          <a:endParaRPr lang="de-DE"/>
+        </a:p>
+      </dgm:t>
+    </dgm:pt>
+    <dgm:pt modelId="{783CFB01-554F-4873-A3DF-C6DDA418EFEA}">
+      <dgm:prSet phldrT="[Text]"/>
+      <dgm:spPr>
+        <a:solidFill>
+          <a:srgbClr val="FF0000"/>
+        </a:solidFill>
+      </dgm:spPr>
+      <dgm:t>
+        <a:bodyPr/>
+        <a:lstStyle/>
+        <a:p>
+          <a:r>
+            <a:rPr lang="de-DE" dirty="0" err="1"/>
+            <a:t>Ticaret</a:t>
+          </a:r>
+          <a:endParaRPr lang="de-DE" dirty="0"/>
+        </a:p>
+      </dgm:t>
+    </dgm:pt>
+    <dgm:pt modelId="{D8E3B599-4C42-49FE-B310-6EFD42826706}" type="parTrans" cxnId="{0AB418EE-4C8A-4757-AC26-97AB0A481AA2}">
+      <dgm:prSet/>
+      <dgm:spPr/>
+      <dgm:t>
+        <a:bodyPr/>
+        <a:lstStyle/>
+        <a:p>
+          <a:endParaRPr lang="de-DE"/>
+        </a:p>
+      </dgm:t>
+    </dgm:pt>
+    <dgm:pt modelId="{E060D81B-3674-4B5F-8B82-D98F940E2CD2}" type="sibTrans" cxnId="{0AB418EE-4C8A-4757-AC26-97AB0A481AA2}">
+      <dgm:prSet/>
+      <dgm:spPr/>
+      <dgm:t>
+        <a:bodyPr/>
+        <a:lstStyle/>
+        <a:p>
+          <a:endParaRPr lang="de-DE"/>
+        </a:p>
+      </dgm:t>
+    </dgm:pt>
+    <dgm:pt modelId="{A4504EF8-2EE9-4753-B615-8F70C7C7CC21}">
+      <dgm:prSet phldrT="[Text]"/>
+      <dgm:spPr>
+        <a:solidFill>
+          <a:srgbClr val="FF0000"/>
+        </a:solidFill>
+      </dgm:spPr>
+      <dgm:t>
+        <a:bodyPr/>
+        <a:lstStyle/>
+        <a:p>
+          <a:r>
+            <a:rPr lang="de-DE"/>
+            <a:t>İstismar</a:t>
+          </a:r>
+          <a:endParaRPr lang="de-DE" dirty="0"/>
+        </a:p>
+      </dgm:t>
+    </dgm:pt>
+    <dgm:pt modelId="{11EE7022-47AA-43F1-A021-ED0ADC714A47}" type="parTrans" cxnId="{4D99AEE2-86D7-4AEC-9F46-E3A7B47CE3AA}">
+      <dgm:prSet/>
+      <dgm:spPr/>
+      <dgm:t>
+        <a:bodyPr/>
+        <a:lstStyle/>
+        <a:p>
+          <a:endParaRPr lang="de-DE"/>
+        </a:p>
+      </dgm:t>
+    </dgm:pt>
+    <dgm:pt modelId="{2B2F8FD3-813C-4741-98DC-794B5BA5C686}" type="sibTrans" cxnId="{4D99AEE2-86D7-4AEC-9F46-E3A7B47CE3AA}">
+      <dgm:prSet/>
+      <dgm:spPr/>
+      <dgm:t>
+        <a:bodyPr/>
+        <a:lstStyle/>
+        <a:p>
+          <a:endParaRPr lang="de-DE"/>
+        </a:p>
+      </dgm:t>
+    </dgm:pt>
+    <dgm:pt modelId="{BB5ED41E-A6BD-4B75-BB74-E616EA85E068}" type="pres">
+      <dgm:prSet presAssocID="{384D4EED-DB9D-4030-972A-10F444E2CC33}" presName="cycle" presStyleCnt="0">
+        <dgm:presLayoutVars>
+          <dgm:dir/>
+          <dgm:resizeHandles val="exact"/>
+        </dgm:presLayoutVars>
+      </dgm:prSet>
+      <dgm:spPr/>
+    </dgm:pt>
+    <dgm:pt modelId="{5E9CCF2F-0ECC-4078-9616-52E3EF216A73}" type="pres">
+      <dgm:prSet presAssocID="{52B86FEA-1FD6-43DC-B1B7-8031453D3B9D}" presName="node" presStyleLbl="node1" presStyleIdx="0" presStyleCnt="5">
+        <dgm:presLayoutVars>
+          <dgm:bulletEnabled val="1"/>
+        </dgm:presLayoutVars>
+      </dgm:prSet>
+      <dgm:spPr/>
+    </dgm:pt>
+    <dgm:pt modelId="{44C05C4D-759C-4EC9-9CE1-E05A66546627}" type="pres">
+      <dgm:prSet presAssocID="{52B86FEA-1FD6-43DC-B1B7-8031453D3B9D}" presName="spNode" presStyleCnt="0"/>
+      <dgm:spPr/>
+    </dgm:pt>
+    <dgm:pt modelId="{190F584A-3F3B-4424-BF7A-484F6E35C265}" type="pres">
+      <dgm:prSet presAssocID="{53C830FE-CC32-4B28-ADB3-4A26B46FF71E}" presName="sibTrans" presStyleLbl="sibTrans1D1" presStyleIdx="0" presStyleCnt="5"/>
+      <dgm:spPr/>
+    </dgm:pt>
+    <dgm:pt modelId="{3B3E47FB-3E53-4BC5-B52A-EB4D83533B8A}" type="pres">
+      <dgm:prSet presAssocID="{BE1601C8-BED8-4796-A66E-7FEEF0E0D680}" presName="node" presStyleLbl="node1" presStyleIdx="1" presStyleCnt="5">
+        <dgm:presLayoutVars>
+          <dgm:bulletEnabled val="1"/>
+        </dgm:presLayoutVars>
+      </dgm:prSet>
+      <dgm:spPr/>
+    </dgm:pt>
+    <dgm:pt modelId="{602D4479-D189-4879-9377-9E72C09C319B}" type="pres">
+      <dgm:prSet presAssocID="{BE1601C8-BED8-4796-A66E-7FEEF0E0D680}" presName="spNode" presStyleCnt="0"/>
+      <dgm:spPr/>
+    </dgm:pt>
+    <dgm:pt modelId="{B6E5242A-84D7-4B78-A264-D8A99F25E9F2}" type="pres">
+      <dgm:prSet presAssocID="{C392A9C9-D8CB-4D6D-A83F-0AE9761BEDCD}" presName="sibTrans" presStyleLbl="sibTrans1D1" presStyleIdx="1" presStyleCnt="5"/>
+      <dgm:spPr/>
+    </dgm:pt>
+    <dgm:pt modelId="{6071C621-FA09-4243-A0A3-D21964978059}" type="pres">
+      <dgm:prSet presAssocID="{AB1D92D3-EC28-4471-A24C-59FDF55629E4}" presName="node" presStyleLbl="node1" presStyleIdx="2" presStyleCnt="5">
+        <dgm:presLayoutVars>
+          <dgm:bulletEnabled val="1"/>
+        </dgm:presLayoutVars>
+      </dgm:prSet>
+      <dgm:spPr/>
+    </dgm:pt>
+    <dgm:pt modelId="{DA878AA0-33FD-4F0F-B57F-5EF5EA022900}" type="pres">
+      <dgm:prSet presAssocID="{AB1D92D3-EC28-4471-A24C-59FDF55629E4}" presName="spNode" presStyleCnt="0"/>
+      <dgm:spPr/>
+    </dgm:pt>
+    <dgm:pt modelId="{14DFE8B8-422E-4472-8167-764361D3DAC7}" type="pres">
+      <dgm:prSet presAssocID="{CB94AB02-0C3D-4003-9C35-80B224BF1CBB}" presName="sibTrans" presStyleLbl="sibTrans1D1" presStyleIdx="2" presStyleCnt="5"/>
+      <dgm:spPr/>
+    </dgm:pt>
+    <dgm:pt modelId="{46257292-7C70-4174-91EE-C8427F9122B5}" type="pres">
+      <dgm:prSet presAssocID="{783CFB01-554F-4873-A3DF-C6DDA418EFEA}" presName="node" presStyleLbl="node1" presStyleIdx="3" presStyleCnt="5">
+        <dgm:presLayoutVars>
+          <dgm:bulletEnabled val="1"/>
+        </dgm:presLayoutVars>
+      </dgm:prSet>
+      <dgm:spPr/>
+    </dgm:pt>
+    <dgm:pt modelId="{8F4E43A8-D885-43AD-A72B-1A03D818E796}" type="pres">
+      <dgm:prSet presAssocID="{783CFB01-554F-4873-A3DF-C6DDA418EFEA}" presName="spNode" presStyleCnt="0"/>
+      <dgm:spPr/>
+    </dgm:pt>
+    <dgm:pt modelId="{B2AFF499-1C80-4BE3-8C56-B845AFFB6249}" type="pres">
+      <dgm:prSet presAssocID="{E060D81B-3674-4B5F-8B82-D98F940E2CD2}" presName="sibTrans" presStyleLbl="sibTrans1D1" presStyleIdx="3" presStyleCnt="5"/>
+      <dgm:spPr/>
+    </dgm:pt>
+    <dgm:pt modelId="{97BB58C7-57EE-4F07-8A48-8245D8DEEC79}" type="pres">
+      <dgm:prSet presAssocID="{A4504EF8-2EE9-4753-B615-8F70C7C7CC21}" presName="node" presStyleLbl="node1" presStyleIdx="4" presStyleCnt="5">
+        <dgm:presLayoutVars>
+          <dgm:bulletEnabled val="1"/>
+        </dgm:presLayoutVars>
+      </dgm:prSet>
+      <dgm:spPr/>
+    </dgm:pt>
+    <dgm:pt modelId="{440C5AEF-3C93-4977-A9AF-74DD844C294B}" type="pres">
+      <dgm:prSet presAssocID="{A4504EF8-2EE9-4753-B615-8F70C7C7CC21}" presName="spNode" presStyleCnt="0"/>
+      <dgm:spPr/>
+    </dgm:pt>
+    <dgm:pt modelId="{92B53C02-EB6D-4752-965A-748810CEF084}" type="pres">
+      <dgm:prSet presAssocID="{2B2F8FD3-813C-4741-98DC-794B5BA5C686}" presName="sibTrans" presStyleLbl="sibTrans1D1" presStyleIdx="4" presStyleCnt="5"/>
+      <dgm:spPr/>
+    </dgm:pt>
+  </dgm:ptLst>
+  <dgm:cxnLst>
+    <dgm:cxn modelId="{5A1C1532-DA71-492E-8021-F17FD9B576D8}" type="presOf" srcId="{A4504EF8-2EE9-4753-B615-8F70C7C7CC21}" destId="{97BB58C7-57EE-4F07-8A48-8245D8DEEC79}" srcOrd="0" destOrd="0" presId="urn:microsoft.com/office/officeart/2005/8/layout/cycle5"/>
+    <dgm:cxn modelId="{C4749137-FEDC-4C26-AA40-3B2A4EBBD5D0}" type="presOf" srcId="{783CFB01-554F-4873-A3DF-C6DDA418EFEA}" destId="{46257292-7C70-4174-91EE-C8427F9122B5}" srcOrd="0" destOrd="0" presId="urn:microsoft.com/office/officeart/2005/8/layout/cycle5"/>
+    <dgm:cxn modelId="{B673955F-1D55-4B37-A37B-B2010A6005FA}" srcId="{384D4EED-DB9D-4030-972A-10F444E2CC33}" destId="{52B86FEA-1FD6-43DC-B1B7-8031453D3B9D}" srcOrd="0" destOrd="0" parTransId="{50EF50F2-3AD3-4FBC-8C26-1F4684F1CF32}" sibTransId="{53C830FE-CC32-4B28-ADB3-4A26B46FF71E}"/>
+    <dgm:cxn modelId="{23544C69-EB1C-4918-B11E-8CD187228C7F}" type="presOf" srcId="{AB1D92D3-EC28-4471-A24C-59FDF55629E4}" destId="{6071C621-FA09-4243-A0A3-D21964978059}" srcOrd="0" destOrd="0" presId="urn:microsoft.com/office/officeart/2005/8/layout/cycle5"/>
+    <dgm:cxn modelId="{DA44B672-6604-4263-BD9A-9939DDB73559}" type="presOf" srcId="{2B2F8FD3-813C-4741-98DC-794B5BA5C686}" destId="{92B53C02-EB6D-4752-965A-748810CEF084}" srcOrd="0" destOrd="0" presId="urn:microsoft.com/office/officeart/2005/8/layout/cycle5"/>
+    <dgm:cxn modelId="{70D98789-0C2D-494A-90AA-744CBCC49C53}" type="presOf" srcId="{E060D81B-3674-4B5F-8B82-D98F940E2CD2}" destId="{B2AFF499-1C80-4BE3-8C56-B845AFFB6249}" srcOrd="0" destOrd="0" presId="urn:microsoft.com/office/officeart/2005/8/layout/cycle5"/>
+    <dgm:cxn modelId="{3225BC91-1CDD-4703-80C3-B5894225598F}" type="presOf" srcId="{384D4EED-DB9D-4030-972A-10F444E2CC33}" destId="{BB5ED41E-A6BD-4B75-BB74-E616EA85E068}" srcOrd="0" destOrd="0" presId="urn:microsoft.com/office/officeart/2005/8/layout/cycle5"/>
+    <dgm:cxn modelId="{91480692-322A-49F8-8FB1-A50BEBFAB643}" type="presOf" srcId="{C392A9C9-D8CB-4D6D-A83F-0AE9761BEDCD}" destId="{B6E5242A-84D7-4B78-A264-D8A99F25E9F2}" srcOrd="0" destOrd="0" presId="urn:microsoft.com/office/officeart/2005/8/layout/cycle5"/>
+    <dgm:cxn modelId="{3B5D2DAA-D987-4427-BE2B-7885C9D6A57F}" type="presOf" srcId="{52B86FEA-1FD6-43DC-B1B7-8031453D3B9D}" destId="{5E9CCF2F-0ECC-4078-9616-52E3EF216A73}" srcOrd="0" destOrd="0" presId="urn:microsoft.com/office/officeart/2005/8/layout/cycle5"/>
+    <dgm:cxn modelId="{388A1AAF-D068-47D6-8F14-6697E7B5B545}" srcId="{384D4EED-DB9D-4030-972A-10F444E2CC33}" destId="{BE1601C8-BED8-4796-A66E-7FEEF0E0D680}" srcOrd="1" destOrd="0" parTransId="{B061C351-6FF3-4B18-BD70-9AF781B683FD}" sibTransId="{C392A9C9-D8CB-4D6D-A83F-0AE9761BEDCD}"/>
+    <dgm:cxn modelId="{5BBB0CB1-5ACA-46FD-BD4E-DE51AAFD491D}" srcId="{384D4EED-DB9D-4030-972A-10F444E2CC33}" destId="{AB1D92D3-EC28-4471-A24C-59FDF55629E4}" srcOrd="2" destOrd="0" parTransId="{E0BC8BDD-17D4-4BEB-8D87-4305FE9D3AA0}" sibTransId="{CB94AB02-0C3D-4003-9C35-80B224BF1CBB}"/>
+    <dgm:cxn modelId="{94146CCD-69F2-42AA-8417-37C3AFB8D3DC}" type="presOf" srcId="{BE1601C8-BED8-4796-A66E-7FEEF0E0D680}" destId="{3B3E47FB-3E53-4BC5-B52A-EB4D83533B8A}" srcOrd="0" destOrd="0" presId="urn:microsoft.com/office/officeart/2005/8/layout/cycle5"/>
+    <dgm:cxn modelId="{4D99AEE2-86D7-4AEC-9F46-E3A7B47CE3AA}" srcId="{384D4EED-DB9D-4030-972A-10F444E2CC33}" destId="{A4504EF8-2EE9-4753-B615-8F70C7C7CC21}" srcOrd="4" destOrd="0" parTransId="{11EE7022-47AA-43F1-A021-ED0ADC714A47}" sibTransId="{2B2F8FD3-813C-4741-98DC-794B5BA5C686}"/>
+    <dgm:cxn modelId="{055DF4E4-E2E4-4D57-B004-51ECC4A09046}" type="presOf" srcId="{CB94AB02-0C3D-4003-9C35-80B224BF1CBB}" destId="{14DFE8B8-422E-4472-8167-764361D3DAC7}" srcOrd="0" destOrd="0" presId="urn:microsoft.com/office/officeart/2005/8/layout/cycle5"/>
+    <dgm:cxn modelId="{0AB418EE-4C8A-4757-AC26-97AB0A481AA2}" srcId="{384D4EED-DB9D-4030-972A-10F444E2CC33}" destId="{783CFB01-554F-4873-A3DF-C6DDA418EFEA}" srcOrd="3" destOrd="0" parTransId="{D8E3B599-4C42-49FE-B310-6EFD42826706}" sibTransId="{E060D81B-3674-4B5F-8B82-D98F940E2CD2}"/>
+    <dgm:cxn modelId="{E9AA8FFB-8C14-476F-B61A-BD2A8963A67D}" type="presOf" srcId="{53C830FE-CC32-4B28-ADB3-4A26B46FF71E}" destId="{190F584A-3F3B-4424-BF7A-484F6E35C265}" srcOrd="0" destOrd="0" presId="urn:microsoft.com/office/officeart/2005/8/layout/cycle5"/>
+    <dgm:cxn modelId="{90B9EC6B-5876-47A8-83D4-9F729F4A1A88}" type="presParOf" srcId="{BB5ED41E-A6BD-4B75-BB74-E616EA85E068}" destId="{5E9CCF2F-0ECC-4078-9616-52E3EF216A73}" srcOrd="0" destOrd="0" presId="urn:microsoft.com/office/officeart/2005/8/layout/cycle5"/>
+    <dgm:cxn modelId="{0702BE90-3E21-490A-A78C-6A8B3842E29A}" type="presParOf" srcId="{BB5ED41E-A6BD-4B75-BB74-E616EA85E068}" destId="{44C05C4D-759C-4EC9-9CE1-E05A66546627}" srcOrd="1" destOrd="0" presId="urn:microsoft.com/office/officeart/2005/8/layout/cycle5"/>
+    <dgm:cxn modelId="{3C9FBDAB-3E1E-443A-BC72-C8A55F01D7D0}" type="presParOf" srcId="{BB5ED41E-A6BD-4B75-BB74-E616EA85E068}" destId="{190F584A-3F3B-4424-BF7A-484F6E35C265}" srcOrd="2" destOrd="0" presId="urn:microsoft.com/office/officeart/2005/8/layout/cycle5"/>
+    <dgm:cxn modelId="{B5E4BE10-9786-4FD9-BB4F-6283D921E322}" type="presParOf" srcId="{BB5ED41E-A6BD-4B75-BB74-E616EA85E068}" destId="{3B3E47FB-3E53-4BC5-B52A-EB4D83533B8A}" srcOrd="3" destOrd="0" presId="urn:microsoft.com/office/officeart/2005/8/layout/cycle5"/>
+    <dgm:cxn modelId="{F49BA271-B52E-4CD9-B6A3-5BBAB7A6E28B}" type="presParOf" srcId="{BB5ED41E-A6BD-4B75-BB74-E616EA85E068}" destId="{602D4479-D189-4879-9377-9E72C09C319B}" srcOrd="4" destOrd="0" presId="urn:microsoft.com/office/officeart/2005/8/layout/cycle5"/>
+    <dgm:cxn modelId="{2FB07485-4007-4E18-8B05-2B36AAC01D0C}" type="presParOf" srcId="{BB5ED41E-A6BD-4B75-BB74-E616EA85E068}" destId="{B6E5242A-84D7-4B78-A264-D8A99F25E9F2}" srcOrd="5" destOrd="0" presId="urn:microsoft.com/office/officeart/2005/8/layout/cycle5"/>
+    <dgm:cxn modelId="{B238F4A2-20DF-49C1-99F7-45F1A44F0993}" type="presParOf" srcId="{BB5ED41E-A6BD-4B75-BB74-E616EA85E068}" destId="{6071C621-FA09-4243-A0A3-D21964978059}" srcOrd="6" destOrd="0" presId="urn:microsoft.com/office/officeart/2005/8/layout/cycle5"/>
+    <dgm:cxn modelId="{04F76A5F-270E-42D0-8C8A-C6C0E6F210C2}" type="presParOf" srcId="{BB5ED41E-A6BD-4B75-BB74-E616EA85E068}" destId="{DA878AA0-33FD-4F0F-B57F-5EF5EA022900}" srcOrd="7" destOrd="0" presId="urn:microsoft.com/office/officeart/2005/8/layout/cycle5"/>
+    <dgm:cxn modelId="{98CCD1CD-5E09-46D7-A703-FABAFC8121E5}" type="presParOf" srcId="{BB5ED41E-A6BD-4B75-BB74-E616EA85E068}" destId="{14DFE8B8-422E-4472-8167-764361D3DAC7}" srcOrd="8" destOrd="0" presId="urn:microsoft.com/office/officeart/2005/8/layout/cycle5"/>
+    <dgm:cxn modelId="{6F8FEAB2-C688-4400-9505-E6649826BB25}" type="presParOf" srcId="{BB5ED41E-A6BD-4B75-BB74-E616EA85E068}" destId="{46257292-7C70-4174-91EE-C8427F9122B5}" srcOrd="9" destOrd="0" presId="urn:microsoft.com/office/officeart/2005/8/layout/cycle5"/>
+    <dgm:cxn modelId="{587963D2-B39F-47EF-B1D5-31CADB3E5D04}" type="presParOf" srcId="{BB5ED41E-A6BD-4B75-BB74-E616EA85E068}" destId="{8F4E43A8-D885-43AD-A72B-1A03D818E796}" srcOrd="10" destOrd="0" presId="urn:microsoft.com/office/officeart/2005/8/layout/cycle5"/>
+    <dgm:cxn modelId="{E4943E4F-8330-4563-AE18-5ED88C2DC351}" type="presParOf" srcId="{BB5ED41E-A6BD-4B75-BB74-E616EA85E068}" destId="{B2AFF499-1C80-4BE3-8C56-B845AFFB6249}" srcOrd="11" destOrd="0" presId="urn:microsoft.com/office/officeart/2005/8/layout/cycle5"/>
+    <dgm:cxn modelId="{0FE4D1E4-4274-421D-87F3-2E62C38C83F7}" type="presParOf" srcId="{BB5ED41E-A6BD-4B75-BB74-E616EA85E068}" destId="{97BB58C7-57EE-4F07-8A48-8245D8DEEC79}" srcOrd="12" destOrd="0" presId="urn:microsoft.com/office/officeart/2005/8/layout/cycle5"/>
+    <dgm:cxn modelId="{9AE191CC-AD92-4C4C-941E-0F0B4A062C9C}" type="presParOf" srcId="{BB5ED41E-A6BD-4B75-BB74-E616EA85E068}" destId="{440C5AEF-3C93-4977-A9AF-74DD844C294B}" srcOrd="13" destOrd="0" presId="urn:microsoft.com/office/officeart/2005/8/layout/cycle5"/>
+    <dgm:cxn modelId="{27CA15B9-AF0E-4D1A-B554-621D407D9138}" type="presParOf" srcId="{BB5ED41E-A6BD-4B75-BB74-E616EA85E068}" destId="{92B53C02-EB6D-4752-965A-748810CEF084}" srcOrd="14" destOrd="0" presId="urn:microsoft.com/office/officeart/2005/8/layout/cycle5"/>
   </dgm:cxnLst>
   <dgm:bg/>
   <dgm:whole/>
@@ -1868,7 +4066,1761 @@
 </dsp:drawing>
 </file>
 
+<file path=ppt/diagrams/drawing2.xml><?xml version="1.0" encoding="utf-8"?>
+<dsp:drawing xmlns:dgm="http://schemas.openxmlformats.org/drawingml/2006/diagram" xmlns:dsp="http://schemas.microsoft.com/office/drawing/2008/diagram" xmlns:a="http://schemas.openxmlformats.org/drawingml/2006/main">
+  <dsp:spTree>
+    <dsp:nvGrpSpPr>
+      <dsp:cNvPr id="0" name=""/>
+      <dsp:cNvGrpSpPr/>
+    </dsp:nvGrpSpPr>
+    <dsp:grpSpPr/>
+    <dsp:sp modelId="{5E9CCF2F-0ECC-4078-9616-52E3EF216A73}">
+      <dsp:nvSpPr>
+        <dsp:cNvPr id="0" name=""/>
+        <dsp:cNvSpPr/>
+      </dsp:nvSpPr>
+      <dsp:spPr>
+        <a:xfrm>
+          <a:off x="3174007" y="3160"/>
+          <a:ext cx="1779984" cy="1156989"/>
+        </a:xfrm>
+        <a:prstGeom prst="roundRect">
+          <a:avLst/>
+        </a:prstGeom>
+        <a:solidFill>
+          <a:srgbClr val="FF0000"/>
+        </a:solidFill>
+        <a:ln w="19050" cap="flat" cmpd="sng" algn="ctr">
+          <a:solidFill>
+            <a:schemeClr val="lt1">
+              <a:hueOff val="0"/>
+              <a:satOff val="0"/>
+              <a:lumOff val="0"/>
+              <a:alphaOff val="0"/>
+            </a:schemeClr>
+          </a:solidFill>
+          <a:prstDash val="solid"/>
+          <a:miter lim="800000"/>
+        </a:ln>
+        <a:effectLst/>
+      </dsp:spPr>
+      <dsp:style>
+        <a:lnRef idx="2">
+          <a:scrgbClr r="0" g="0" b="0"/>
+        </a:lnRef>
+        <a:fillRef idx="1">
+          <a:scrgbClr r="0" g="0" b="0"/>
+        </a:fillRef>
+        <a:effectRef idx="0">
+          <a:scrgbClr r="0" g="0" b="0"/>
+        </a:effectRef>
+        <a:fontRef idx="minor">
+          <a:schemeClr val="lt1"/>
+        </a:fontRef>
+      </dsp:style>
+      <dsp:txBody>
+        <a:bodyPr spcFirstLastPara="0" vert="horz" wrap="square" lIns="87630" tIns="87630" rIns="87630" bIns="87630" numCol="1" spcCol="1270" anchor="ctr" anchorCtr="0">
+          <a:noAutofit/>
+        </a:bodyPr>
+        <a:lstStyle/>
+        <a:p>
+          <a:pPr marL="0" lvl="0" indent="0" algn="ctr" defTabSz="1022350">
+            <a:lnSpc>
+              <a:spcPct val="90000"/>
+            </a:lnSpc>
+            <a:spcBef>
+              <a:spcPct val="0"/>
+            </a:spcBef>
+            <a:spcAft>
+              <a:spcPct val="35000"/>
+            </a:spcAft>
+            <a:buNone/>
+          </a:pPr>
+          <a:r>
+            <a:rPr lang="de-DE" sz="2300" kern="1200" dirty="0" err="1"/>
+            <a:t>Harlot</a:t>
+          </a:r>
+          <a:endParaRPr lang="de-DE" sz="2300" kern="1200" dirty="0"/>
+        </a:p>
+      </dsp:txBody>
+      <dsp:txXfrm>
+        <a:off x="3230487" y="59640"/>
+        <a:ext cx="1667024" cy="1044029"/>
+      </dsp:txXfrm>
+    </dsp:sp>
+    <dsp:sp modelId="{A93153C1-D950-4068-BC28-D448433DC91F}">
+      <dsp:nvSpPr>
+        <dsp:cNvPr id="0" name=""/>
+        <dsp:cNvSpPr/>
+      </dsp:nvSpPr>
+      <dsp:spPr>
+        <a:xfrm>
+          <a:off x="1753873" y="581655"/>
+          <a:ext cx="4620252" cy="4620252"/>
+        </a:xfrm>
+        <a:custGeom>
+          <a:avLst/>
+          <a:gdLst/>
+          <a:ahLst/>
+          <a:cxnLst/>
+          <a:rect l="0" t="0" r="0" b="0"/>
+          <a:pathLst>
+            <a:path>
+              <a:moveTo>
+                <a:pt x="3438230" y="294173"/>
+              </a:moveTo>
+              <a:arcTo wR="2310126" hR="2310126" stAng="17953853" swAng="1210876"/>
+            </a:path>
+          </a:pathLst>
+        </a:custGeom>
+        <a:noFill/>
+        <a:ln w="12700" cap="flat" cmpd="sng" algn="ctr">
+          <a:solidFill>
+            <a:schemeClr val="accent1">
+              <a:hueOff val="0"/>
+              <a:satOff val="0"/>
+              <a:lumOff val="0"/>
+              <a:alphaOff val="0"/>
+            </a:schemeClr>
+          </a:solidFill>
+          <a:prstDash val="solid"/>
+          <a:miter lim="800000"/>
+          <a:tailEnd type="arrow"/>
+        </a:ln>
+        <a:effectLst/>
+      </dsp:spPr>
+      <dsp:style>
+        <a:lnRef idx="1">
+          <a:scrgbClr r="0" g="0" b="0"/>
+        </a:lnRef>
+        <a:fillRef idx="0">
+          <a:scrgbClr r="0" g="0" b="0"/>
+        </a:fillRef>
+        <a:effectRef idx="0">
+          <a:scrgbClr r="0" g="0" b="0"/>
+        </a:effectRef>
+        <a:fontRef idx="minor"/>
+      </dsp:style>
+    </dsp:sp>
+    <dsp:sp modelId="{92ABB3F3-7A97-4641-83D8-ABAC60DB50B0}">
+      <dsp:nvSpPr>
+        <dsp:cNvPr id="0" name=""/>
+        <dsp:cNvSpPr/>
+      </dsp:nvSpPr>
+      <dsp:spPr>
+        <a:xfrm>
+          <a:off x="5371068" y="1599418"/>
+          <a:ext cx="1779984" cy="1156989"/>
+        </a:xfrm>
+        <a:prstGeom prst="roundRect">
+          <a:avLst/>
+        </a:prstGeom>
+        <a:solidFill>
+          <a:schemeClr val="accent1">
+            <a:hueOff val="0"/>
+            <a:satOff val="0"/>
+            <a:lumOff val="0"/>
+            <a:alphaOff val="0"/>
+          </a:schemeClr>
+        </a:solidFill>
+        <a:ln w="19050" cap="flat" cmpd="sng" algn="ctr">
+          <a:solidFill>
+            <a:schemeClr val="lt1">
+              <a:hueOff val="0"/>
+              <a:satOff val="0"/>
+              <a:lumOff val="0"/>
+              <a:alphaOff val="0"/>
+            </a:schemeClr>
+          </a:solidFill>
+          <a:prstDash val="solid"/>
+          <a:miter lim="800000"/>
+        </a:ln>
+        <a:effectLst/>
+      </dsp:spPr>
+      <dsp:style>
+        <a:lnRef idx="2">
+          <a:scrgbClr r="0" g="0" b="0"/>
+        </a:lnRef>
+        <a:fillRef idx="1">
+          <a:scrgbClr r="0" g="0" b="0"/>
+        </a:fillRef>
+        <a:effectRef idx="0">
+          <a:scrgbClr r="0" g="0" b="0"/>
+        </a:effectRef>
+        <a:fontRef idx="minor">
+          <a:schemeClr val="lt1"/>
+        </a:fontRef>
+      </dsp:style>
+      <dsp:txBody>
+        <a:bodyPr spcFirstLastPara="0" vert="horz" wrap="square" lIns="87630" tIns="87630" rIns="87630" bIns="87630" numCol="1" spcCol="1270" anchor="ctr" anchorCtr="0">
+          <a:noAutofit/>
+        </a:bodyPr>
+        <a:lstStyle/>
+        <a:p>
+          <a:pPr marL="0" lvl="0" indent="0" algn="ctr" defTabSz="1022350">
+            <a:lnSpc>
+              <a:spcPct val="90000"/>
+            </a:lnSpc>
+            <a:spcBef>
+              <a:spcPct val="0"/>
+            </a:spcBef>
+            <a:spcAft>
+              <a:spcPct val="35000"/>
+            </a:spcAft>
+            <a:buNone/>
+          </a:pPr>
+          <a:r>
+            <a:rPr lang="de-DE" sz="2300" kern="1200" dirty="0" err="1"/>
+            <a:t>Hig</a:t>
+          </a:r>
+          <a:r>
+            <a:rPr lang="de-DE" sz="2300" kern="1200" dirty="0"/>
+            <a:t> priest</a:t>
+          </a:r>
+        </a:p>
+      </dsp:txBody>
+      <dsp:txXfrm>
+        <a:off x="5427548" y="1655898"/>
+        <a:ext cx="1667024" cy="1044029"/>
+      </dsp:txXfrm>
+    </dsp:sp>
+    <dsp:sp modelId="{FB82C4F1-5056-4FBC-8FFF-38F5676F3D93}">
+      <dsp:nvSpPr>
+        <dsp:cNvPr id="0" name=""/>
+        <dsp:cNvSpPr/>
+      </dsp:nvSpPr>
+      <dsp:spPr>
+        <a:xfrm>
+          <a:off x="1753873" y="581655"/>
+          <a:ext cx="4620252" cy="4620252"/>
+        </a:xfrm>
+        <a:custGeom>
+          <a:avLst/>
+          <a:gdLst/>
+          <a:ahLst/>
+          <a:cxnLst/>
+          <a:rect l="0" t="0" r="0" b="0"/>
+          <a:pathLst>
+            <a:path>
+              <a:moveTo>
+                <a:pt x="4614700" y="2470186"/>
+              </a:moveTo>
+              <a:arcTo wR="2310126" hR="2310126" stAng="21838381" swAng="1359213"/>
+            </a:path>
+          </a:pathLst>
+        </a:custGeom>
+        <a:noFill/>
+        <a:ln w="12700" cap="flat" cmpd="sng" algn="ctr">
+          <a:solidFill>
+            <a:schemeClr val="accent1">
+              <a:hueOff val="0"/>
+              <a:satOff val="0"/>
+              <a:lumOff val="0"/>
+              <a:alphaOff val="0"/>
+            </a:schemeClr>
+          </a:solidFill>
+          <a:prstDash val="solid"/>
+          <a:miter lim="800000"/>
+          <a:tailEnd type="arrow"/>
+        </a:ln>
+        <a:effectLst/>
+      </dsp:spPr>
+      <dsp:style>
+        <a:lnRef idx="1">
+          <a:scrgbClr r="0" g="0" b="0"/>
+        </a:lnRef>
+        <a:fillRef idx="0">
+          <a:scrgbClr r="0" g="0" b="0"/>
+        </a:fillRef>
+        <a:effectRef idx="0">
+          <a:scrgbClr r="0" g="0" b="0"/>
+        </a:effectRef>
+        <a:fontRef idx="minor"/>
+      </dsp:style>
+    </dsp:sp>
+    <dsp:sp modelId="{DE1D72AA-6EFF-45C7-BAD1-8C967FC85421}">
+      <dsp:nvSpPr>
+        <dsp:cNvPr id="0" name=""/>
+        <dsp:cNvSpPr/>
+      </dsp:nvSpPr>
+      <dsp:spPr>
+        <a:xfrm>
+          <a:off x="4531865" y="4182218"/>
+          <a:ext cx="1779984" cy="1156989"/>
+        </a:xfrm>
+        <a:prstGeom prst="roundRect">
+          <a:avLst/>
+        </a:prstGeom>
+        <a:solidFill>
+          <a:schemeClr val="accent1">
+            <a:hueOff val="0"/>
+            <a:satOff val="0"/>
+            <a:lumOff val="0"/>
+            <a:alphaOff val="0"/>
+          </a:schemeClr>
+        </a:solidFill>
+        <a:ln w="19050" cap="flat" cmpd="sng" algn="ctr">
+          <a:solidFill>
+            <a:schemeClr val="lt1">
+              <a:hueOff val="0"/>
+              <a:satOff val="0"/>
+              <a:lumOff val="0"/>
+              <a:alphaOff val="0"/>
+            </a:schemeClr>
+          </a:solidFill>
+          <a:prstDash val="solid"/>
+          <a:miter lim="800000"/>
+        </a:ln>
+        <a:effectLst/>
+      </dsp:spPr>
+      <dsp:style>
+        <a:lnRef idx="2">
+          <a:scrgbClr r="0" g="0" b="0"/>
+        </a:lnRef>
+        <a:fillRef idx="1">
+          <a:scrgbClr r="0" g="0" b="0"/>
+        </a:fillRef>
+        <a:effectRef idx="0">
+          <a:scrgbClr r="0" g="0" b="0"/>
+        </a:effectRef>
+        <a:fontRef idx="minor">
+          <a:schemeClr val="lt1"/>
+        </a:fontRef>
+      </dsp:style>
+      <dsp:txBody>
+        <a:bodyPr spcFirstLastPara="0" vert="horz" wrap="square" lIns="87630" tIns="87630" rIns="87630" bIns="87630" numCol="1" spcCol="1270" anchor="ctr" anchorCtr="0">
+          <a:noAutofit/>
+        </a:bodyPr>
+        <a:lstStyle/>
+        <a:p>
+          <a:pPr marL="0" lvl="0" indent="0" algn="ctr" defTabSz="1022350">
+            <a:lnSpc>
+              <a:spcPct val="90000"/>
+            </a:lnSpc>
+            <a:spcBef>
+              <a:spcPct val="0"/>
+            </a:spcBef>
+            <a:spcAft>
+              <a:spcPct val="35000"/>
+            </a:spcAft>
+            <a:buNone/>
+          </a:pPr>
+          <a:r>
+            <a:rPr lang="de-DE" sz="2300" kern="1200" dirty="0"/>
+            <a:t>Idol </a:t>
+          </a:r>
+          <a:r>
+            <a:rPr lang="de-DE" sz="2300" kern="1200" dirty="0" err="1"/>
+            <a:t>worship</a:t>
+          </a:r>
+          <a:endParaRPr lang="de-DE" sz="2300" kern="1200" dirty="0"/>
+        </a:p>
+      </dsp:txBody>
+      <dsp:txXfrm>
+        <a:off x="4588345" y="4238698"/>
+        <a:ext cx="1667024" cy="1044029"/>
+      </dsp:txXfrm>
+    </dsp:sp>
+    <dsp:sp modelId="{7361FA96-0005-4A40-9767-60928A1CE639}">
+      <dsp:nvSpPr>
+        <dsp:cNvPr id="0" name=""/>
+        <dsp:cNvSpPr/>
+      </dsp:nvSpPr>
+      <dsp:spPr>
+        <a:xfrm>
+          <a:off x="1753873" y="581655"/>
+          <a:ext cx="4620252" cy="4620252"/>
+        </a:xfrm>
+        <a:custGeom>
+          <a:avLst/>
+          <a:gdLst/>
+          <a:ahLst/>
+          <a:cxnLst/>
+          <a:rect l="0" t="0" r="0" b="0"/>
+          <a:pathLst>
+            <a:path>
+              <a:moveTo>
+                <a:pt x="2593389" y="4602819"/>
+              </a:moveTo>
+              <a:arcTo wR="2310126" hR="2310126" stAng="4977406" swAng="845189"/>
+            </a:path>
+          </a:pathLst>
+        </a:custGeom>
+        <a:noFill/>
+        <a:ln w="12700" cap="flat" cmpd="sng" algn="ctr">
+          <a:solidFill>
+            <a:schemeClr val="accent1">
+              <a:hueOff val="0"/>
+              <a:satOff val="0"/>
+              <a:lumOff val="0"/>
+              <a:alphaOff val="0"/>
+            </a:schemeClr>
+          </a:solidFill>
+          <a:prstDash val="solid"/>
+          <a:miter lim="800000"/>
+          <a:tailEnd type="arrow"/>
+        </a:ln>
+        <a:effectLst/>
+      </dsp:spPr>
+      <dsp:style>
+        <a:lnRef idx="1">
+          <a:scrgbClr r="0" g="0" b="0"/>
+        </a:lnRef>
+        <a:fillRef idx="0">
+          <a:scrgbClr r="0" g="0" b="0"/>
+        </a:fillRef>
+        <a:effectRef idx="0">
+          <a:scrgbClr r="0" g="0" b="0"/>
+        </a:effectRef>
+        <a:fontRef idx="minor"/>
+      </dsp:style>
+    </dsp:sp>
+    <dsp:sp modelId="{E76EB409-914C-4F1F-A23D-D423B274F243}">
+      <dsp:nvSpPr>
+        <dsp:cNvPr id="0" name=""/>
+        <dsp:cNvSpPr/>
+      </dsp:nvSpPr>
+      <dsp:spPr>
+        <a:xfrm>
+          <a:off x="1816149" y="4182218"/>
+          <a:ext cx="1779984" cy="1156989"/>
+        </a:xfrm>
+        <a:prstGeom prst="roundRect">
+          <a:avLst/>
+        </a:prstGeom>
+        <a:solidFill>
+          <a:schemeClr val="accent1">
+            <a:hueOff val="0"/>
+            <a:satOff val="0"/>
+            <a:lumOff val="0"/>
+            <a:alphaOff val="0"/>
+          </a:schemeClr>
+        </a:solidFill>
+        <a:ln w="19050" cap="flat" cmpd="sng" algn="ctr">
+          <a:solidFill>
+            <a:schemeClr val="lt1">
+              <a:hueOff val="0"/>
+              <a:satOff val="0"/>
+              <a:lumOff val="0"/>
+              <a:alphaOff val="0"/>
+            </a:schemeClr>
+          </a:solidFill>
+          <a:prstDash val="solid"/>
+          <a:miter lim="800000"/>
+        </a:ln>
+        <a:effectLst/>
+      </dsp:spPr>
+      <dsp:style>
+        <a:lnRef idx="2">
+          <a:scrgbClr r="0" g="0" b="0"/>
+        </a:lnRef>
+        <a:fillRef idx="1">
+          <a:scrgbClr r="0" g="0" b="0"/>
+        </a:fillRef>
+        <a:effectRef idx="0">
+          <a:scrgbClr r="0" g="0" b="0"/>
+        </a:effectRef>
+        <a:fontRef idx="minor">
+          <a:schemeClr val="lt1"/>
+        </a:fontRef>
+      </dsp:style>
+      <dsp:txBody>
+        <a:bodyPr spcFirstLastPara="0" vert="horz" wrap="square" lIns="87630" tIns="87630" rIns="87630" bIns="87630" numCol="1" spcCol="1270" anchor="ctr" anchorCtr="0">
+          <a:noAutofit/>
+        </a:bodyPr>
+        <a:lstStyle/>
+        <a:p>
+          <a:pPr marL="0" lvl="0" indent="0" algn="ctr" defTabSz="1022350">
+            <a:lnSpc>
+              <a:spcPct val="90000"/>
+            </a:lnSpc>
+            <a:spcBef>
+              <a:spcPct val="0"/>
+            </a:spcBef>
+            <a:spcAft>
+              <a:spcPct val="35000"/>
+            </a:spcAft>
+            <a:buNone/>
+          </a:pPr>
+          <a:r>
+            <a:rPr lang="de-DE" sz="2300" kern="1200" dirty="0"/>
+            <a:t>trade</a:t>
+          </a:r>
+        </a:p>
+      </dsp:txBody>
+      <dsp:txXfrm>
+        <a:off x="1872629" y="4238698"/>
+        <a:ext cx="1667024" cy="1044029"/>
+      </dsp:txXfrm>
+    </dsp:sp>
+    <dsp:sp modelId="{9E3659A5-DF2B-47B0-B3AB-0D16B91330BF}">
+      <dsp:nvSpPr>
+        <dsp:cNvPr id="0" name=""/>
+        <dsp:cNvSpPr/>
+      </dsp:nvSpPr>
+      <dsp:spPr>
+        <a:xfrm>
+          <a:off x="1753873" y="581655"/>
+          <a:ext cx="4620252" cy="4620252"/>
+        </a:xfrm>
+        <a:custGeom>
+          <a:avLst/>
+          <a:gdLst/>
+          <a:ahLst/>
+          <a:cxnLst/>
+          <a:rect l="0" t="0" r="0" b="0"/>
+          <a:pathLst>
+            <a:path>
+              <a:moveTo>
+                <a:pt x="244996" y="3345463"/>
+              </a:moveTo>
+              <a:arcTo wR="2310126" hR="2310126" stAng="9202406" swAng="1359213"/>
+            </a:path>
+          </a:pathLst>
+        </a:custGeom>
+        <a:noFill/>
+        <a:ln w="12700" cap="flat" cmpd="sng" algn="ctr">
+          <a:solidFill>
+            <a:schemeClr val="accent1">
+              <a:hueOff val="0"/>
+              <a:satOff val="0"/>
+              <a:lumOff val="0"/>
+              <a:alphaOff val="0"/>
+            </a:schemeClr>
+          </a:solidFill>
+          <a:prstDash val="solid"/>
+          <a:miter lim="800000"/>
+          <a:tailEnd type="arrow"/>
+        </a:ln>
+        <a:effectLst/>
+      </dsp:spPr>
+      <dsp:style>
+        <a:lnRef idx="1">
+          <a:scrgbClr r="0" g="0" b="0"/>
+        </a:lnRef>
+        <a:fillRef idx="0">
+          <a:scrgbClr r="0" g="0" b="0"/>
+        </a:fillRef>
+        <a:effectRef idx="0">
+          <a:scrgbClr r="0" g="0" b="0"/>
+        </a:effectRef>
+        <a:fontRef idx="minor"/>
+      </dsp:style>
+    </dsp:sp>
+    <dsp:sp modelId="{EED04F1C-8CD8-4900-B009-C722602F64ED}">
+      <dsp:nvSpPr>
+        <dsp:cNvPr id="0" name=""/>
+        <dsp:cNvSpPr/>
+      </dsp:nvSpPr>
+      <dsp:spPr>
+        <a:xfrm>
+          <a:off x="976947" y="1599418"/>
+          <a:ext cx="1779984" cy="1156989"/>
+        </a:xfrm>
+        <a:prstGeom prst="roundRect">
+          <a:avLst/>
+        </a:prstGeom>
+        <a:solidFill>
+          <a:schemeClr val="accent1">
+            <a:hueOff val="0"/>
+            <a:satOff val="0"/>
+            <a:lumOff val="0"/>
+            <a:alphaOff val="0"/>
+          </a:schemeClr>
+        </a:solidFill>
+        <a:ln w="19050" cap="flat" cmpd="sng" algn="ctr">
+          <a:solidFill>
+            <a:schemeClr val="lt1">
+              <a:hueOff val="0"/>
+              <a:satOff val="0"/>
+              <a:lumOff val="0"/>
+              <a:alphaOff val="0"/>
+            </a:schemeClr>
+          </a:solidFill>
+          <a:prstDash val="solid"/>
+          <a:miter lim="800000"/>
+        </a:ln>
+        <a:effectLst/>
+      </dsp:spPr>
+      <dsp:style>
+        <a:lnRef idx="2">
+          <a:scrgbClr r="0" g="0" b="0"/>
+        </a:lnRef>
+        <a:fillRef idx="1">
+          <a:scrgbClr r="0" g="0" b="0"/>
+        </a:fillRef>
+        <a:effectRef idx="0">
+          <a:scrgbClr r="0" g="0" b="0"/>
+        </a:effectRef>
+        <a:fontRef idx="minor">
+          <a:schemeClr val="lt1"/>
+        </a:fontRef>
+      </dsp:style>
+      <dsp:txBody>
+        <a:bodyPr spcFirstLastPara="0" vert="horz" wrap="square" lIns="87630" tIns="87630" rIns="87630" bIns="87630" numCol="1" spcCol="1270" anchor="ctr" anchorCtr="0">
+          <a:noAutofit/>
+        </a:bodyPr>
+        <a:lstStyle/>
+        <a:p>
+          <a:pPr marL="0" lvl="0" indent="0" algn="ctr" defTabSz="1022350">
+            <a:lnSpc>
+              <a:spcPct val="90000"/>
+            </a:lnSpc>
+            <a:spcBef>
+              <a:spcPct val="0"/>
+            </a:spcBef>
+            <a:spcAft>
+              <a:spcPct val="35000"/>
+            </a:spcAft>
+            <a:buNone/>
+          </a:pPr>
+          <a:r>
+            <a:rPr lang="de-DE" sz="2300" kern="1200" dirty="0" err="1"/>
+            <a:t>exploitation</a:t>
+          </a:r>
+          <a:endParaRPr lang="de-DE" sz="2300" kern="1200" dirty="0"/>
+        </a:p>
+      </dsp:txBody>
+      <dsp:txXfrm>
+        <a:off x="1033427" y="1655898"/>
+        <a:ext cx="1667024" cy="1044029"/>
+      </dsp:txXfrm>
+    </dsp:sp>
+    <dsp:sp modelId="{7A631C11-7EDA-484C-A362-E7D3E9A2F742}">
+      <dsp:nvSpPr>
+        <dsp:cNvPr id="0" name=""/>
+        <dsp:cNvSpPr/>
+      </dsp:nvSpPr>
+      <dsp:spPr>
+        <a:xfrm>
+          <a:off x="1753873" y="581655"/>
+          <a:ext cx="4620252" cy="4620252"/>
+        </a:xfrm>
+        <a:custGeom>
+          <a:avLst/>
+          <a:gdLst/>
+          <a:ahLst/>
+          <a:cxnLst/>
+          <a:rect l="0" t="0" r="0" b="0"/>
+          <a:pathLst>
+            <a:path>
+              <a:moveTo>
+                <a:pt x="555794" y="807127"/>
+              </a:moveTo>
+              <a:arcTo wR="2310126" hR="2310126" stAng="13235271" swAng="1210876"/>
+            </a:path>
+          </a:pathLst>
+        </a:custGeom>
+        <a:noFill/>
+        <a:ln w="12700" cap="flat" cmpd="sng" algn="ctr">
+          <a:solidFill>
+            <a:schemeClr val="accent1">
+              <a:hueOff val="0"/>
+              <a:satOff val="0"/>
+              <a:lumOff val="0"/>
+              <a:alphaOff val="0"/>
+            </a:schemeClr>
+          </a:solidFill>
+          <a:prstDash val="solid"/>
+          <a:miter lim="800000"/>
+          <a:tailEnd type="arrow"/>
+        </a:ln>
+        <a:effectLst/>
+      </dsp:spPr>
+      <dsp:style>
+        <a:lnRef idx="1">
+          <a:scrgbClr r="0" g="0" b="0"/>
+        </a:lnRef>
+        <a:fillRef idx="0">
+          <a:scrgbClr r="0" g="0" b="0"/>
+        </a:fillRef>
+        <a:effectRef idx="0">
+          <a:scrgbClr r="0" g="0" b="0"/>
+        </a:effectRef>
+        <a:fontRef idx="minor"/>
+      </dsp:style>
+    </dsp:sp>
+  </dsp:spTree>
+</dsp:drawing>
+</file>
+
+<file path=ppt/diagrams/drawing3.xml><?xml version="1.0" encoding="utf-8"?>
+<dsp:drawing xmlns:dgm="http://schemas.openxmlformats.org/drawingml/2006/diagram" xmlns:dsp="http://schemas.microsoft.com/office/drawing/2008/diagram" xmlns:a="http://schemas.openxmlformats.org/drawingml/2006/main">
+  <dsp:spTree>
+    <dsp:nvGrpSpPr>
+      <dsp:cNvPr id="0" name=""/>
+      <dsp:cNvGrpSpPr/>
+    </dsp:nvGrpSpPr>
+    <dsp:grpSpPr/>
+    <dsp:sp modelId="{5E9CCF2F-0ECC-4078-9616-52E3EF216A73}">
+      <dsp:nvSpPr>
+        <dsp:cNvPr id="0" name=""/>
+        <dsp:cNvSpPr/>
+      </dsp:nvSpPr>
+      <dsp:spPr>
+        <a:xfrm>
+          <a:off x="3174007" y="3160"/>
+          <a:ext cx="1779984" cy="1156989"/>
+        </a:xfrm>
+        <a:prstGeom prst="roundRect">
+          <a:avLst/>
+        </a:prstGeom>
+        <a:solidFill>
+          <a:srgbClr val="FF0000"/>
+        </a:solidFill>
+        <a:ln w="19050" cap="flat" cmpd="sng" algn="ctr">
+          <a:solidFill>
+            <a:schemeClr val="lt1">
+              <a:hueOff val="0"/>
+              <a:satOff val="0"/>
+              <a:lumOff val="0"/>
+              <a:alphaOff val="0"/>
+            </a:schemeClr>
+          </a:solidFill>
+          <a:prstDash val="solid"/>
+          <a:miter lim="800000"/>
+        </a:ln>
+        <a:effectLst/>
+      </dsp:spPr>
+      <dsp:style>
+        <a:lnRef idx="2">
+          <a:scrgbClr r="0" g="0" b="0"/>
+        </a:lnRef>
+        <a:fillRef idx="1">
+          <a:scrgbClr r="0" g="0" b="0"/>
+        </a:fillRef>
+        <a:effectRef idx="0">
+          <a:scrgbClr r="0" g="0" b="0"/>
+        </a:effectRef>
+        <a:fontRef idx="minor">
+          <a:schemeClr val="lt1"/>
+        </a:fontRef>
+      </dsp:style>
+      <dsp:txBody>
+        <a:bodyPr spcFirstLastPara="0" vert="horz" wrap="square" lIns="83820" tIns="83820" rIns="83820" bIns="83820" numCol="1" spcCol="1270" anchor="ctr" anchorCtr="0">
+          <a:noAutofit/>
+        </a:bodyPr>
+        <a:lstStyle/>
+        <a:p>
+          <a:pPr marL="0" lvl="0" indent="0" algn="ctr" defTabSz="977900">
+            <a:lnSpc>
+              <a:spcPct val="90000"/>
+            </a:lnSpc>
+            <a:spcBef>
+              <a:spcPct val="0"/>
+            </a:spcBef>
+            <a:spcAft>
+              <a:spcPct val="35000"/>
+            </a:spcAft>
+            <a:buNone/>
+          </a:pPr>
+          <a:r>
+            <a:rPr lang="de-DE" sz="2200" kern="1200" dirty="0" err="1"/>
+            <a:t>Fahişe</a:t>
+          </a:r>
+          <a:endParaRPr lang="de-DE" sz="2200" kern="1200" dirty="0"/>
+        </a:p>
+      </dsp:txBody>
+      <dsp:txXfrm>
+        <a:off x="3230487" y="59640"/>
+        <a:ext cx="1667024" cy="1044029"/>
+      </dsp:txXfrm>
+    </dsp:sp>
+    <dsp:sp modelId="{190F584A-3F3B-4424-BF7A-484F6E35C265}">
+      <dsp:nvSpPr>
+        <dsp:cNvPr id="0" name=""/>
+        <dsp:cNvSpPr/>
+      </dsp:nvSpPr>
+      <dsp:spPr>
+        <a:xfrm>
+          <a:off x="1753873" y="581655"/>
+          <a:ext cx="4620252" cy="4620252"/>
+        </a:xfrm>
+        <a:custGeom>
+          <a:avLst/>
+          <a:gdLst/>
+          <a:ahLst/>
+          <a:cxnLst/>
+          <a:rect l="0" t="0" r="0" b="0"/>
+          <a:pathLst>
+            <a:path>
+              <a:moveTo>
+                <a:pt x="3438230" y="294173"/>
+              </a:moveTo>
+              <a:arcTo wR="2310126" hR="2310126" stAng="17953853" swAng="1210876"/>
+            </a:path>
+          </a:pathLst>
+        </a:custGeom>
+        <a:noFill/>
+        <a:ln w="12700" cap="flat" cmpd="sng" algn="ctr">
+          <a:solidFill>
+            <a:schemeClr val="accent1">
+              <a:hueOff val="0"/>
+              <a:satOff val="0"/>
+              <a:lumOff val="0"/>
+              <a:alphaOff val="0"/>
+            </a:schemeClr>
+          </a:solidFill>
+          <a:prstDash val="solid"/>
+          <a:miter lim="800000"/>
+          <a:tailEnd type="arrow"/>
+        </a:ln>
+        <a:effectLst/>
+      </dsp:spPr>
+      <dsp:style>
+        <a:lnRef idx="1">
+          <a:scrgbClr r="0" g="0" b="0"/>
+        </a:lnRef>
+        <a:fillRef idx="0">
+          <a:scrgbClr r="0" g="0" b="0"/>
+        </a:fillRef>
+        <a:effectRef idx="0">
+          <a:scrgbClr r="0" g="0" b="0"/>
+        </a:effectRef>
+        <a:fontRef idx="minor"/>
+      </dsp:style>
+    </dsp:sp>
+    <dsp:sp modelId="{3B3E47FB-3E53-4BC5-B52A-EB4D83533B8A}">
+      <dsp:nvSpPr>
+        <dsp:cNvPr id="0" name=""/>
+        <dsp:cNvSpPr/>
+      </dsp:nvSpPr>
+      <dsp:spPr>
+        <a:xfrm>
+          <a:off x="5371068" y="1599418"/>
+          <a:ext cx="1779984" cy="1156989"/>
+        </a:xfrm>
+        <a:prstGeom prst="roundRect">
+          <a:avLst/>
+        </a:prstGeom>
+        <a:solidFill>
+          <a:srgbClr val="FF0000"/>
+        </a:solidFill>
+        <a:ln w="19050" cap="flat" cmpd="sng" algn="ctr">
+          <a:solidFill>
+            <a:schemeClr val="lt1">
+              <a:hueOff val="0"/>
+              <a:satOff val="0"/>
+              <a:lumOff val="0"/>
+              <a:alphaOff val="0"/>
+            </a:schemeClr>
+          </a:solidFill>
+          <a:prstDash val="solid"/>
+          <a:miter lim="800000"/>
+        </a:ln>
+        <a:effectLst/>
+      </dsp:spPr>
+      <dsp:style>
+        <a:lnRef idx="2">
+          <a:scrgbClr r="0" g="0" b="0"/>
+        </a:lnRef>
+        <a:fillRef idx="1">
+          <a:scrgbClr r="0" g="0" b="0"/>
+        </a:fillRef>
+        <a:effectRef idx="0">
+          <a:scrgbClr r="0" g="0" b="0"/>
+        </a:effectRef>
+        <a:fontRef idx="minor">
+          <a:schemeClr val="lt1"/>
+        </a:fontRef>
+      </dsp:style>
+      <dsp:txBody>
+        <a:bodyPr spcFirstLastPara="0" vert="horz" wrap="square" lIns="83820" tIns="83820" rIns="83820" bIns="83820" numCol="1" spcCol="1270" anchor="ctr" anchorCtr="0">
+          <a:noAutofit/>
+        </a:bodyPr>
+        <a:lstStyle/>
+        <a:p>
+          <a:pPr marL="0" lvl="0" indent="0" algn="ctr" defTabSz="977900">
+            <a:lnSpc>
+              <a:spcPct val="90000"/>
+            </a:lnSpc>
+            <a:spcBef>
+              <a:spcPct val="0"/>
+            </a:spcBef>
+            <a:spcAft>
+              <a:spcPct val="35000"/>
+            </a:spcAft>
+            <a:buNone/>
+          </a:pPr>
+          <a:r>
+            <a:rPr lang="de-DE" sz="2200" kern="1200" dirty="0" err="1"/>
+            <a:t>Baş</a:t>
+          </a:r>
+          <a:r>
+            <a:rPr lang="de-DE" sz="2200" kern="1200" dirty="0"/>
+            <a:t> </a:t>
+          </a:r>
+          <a:r>
+            <a:rPr lang="de-DE" sz="2200" kern="1200" dirty="0" err="1"/>
+            <a:t>Rahip</a:t>
+          </a:r>
+          <a:endParaRPr lang="de-DE" sz="2200" kern="1200" dirty="0"/>
+        </a:p>
+      </dsp:txBody>
+      <dsp:txXfrm>
+        <a:off x="5427548" y="1655898"/>
+        <a:ext cx="1667024" cy="1044029"/>
+      </dsp:txXfrm>
+    </dsp:sp>
+    <dsp:sp modelId="{B6E5242A-84D7-4B78-A264-D8A99F25E9F2}">
+      <dsp:nvSpPr>
+        <dsp:cNvPr id="0" name=""/>
+        <dsp:cNvSpPr/>
+      </dsp:nvSpPr>
+      <dsp:spPr>
+        <a:xfrm>
+          <a:off x="1753873" y="581655"/>
+          <a:ext cx="4620252" cy="4620252"/>
+        </a:xfrm>
+        <a:custGeom>
+          <a:avLst/>
+          <a:gdLst/>
+          <a:ahLst/>
+          <a:cxnLst/>
+          <a:rect l="0" t="0" r="0" b="0"/>
+          <a:pathLst>
+            <a:path>
+              <a:moveTo>
+                <a:pt x="4614700" y="2470186"/>
+              </a:moveTo>
+              <a:arcTo wR="2310126" hR="2310126" stAng="21838381" swAng="1359213"/>
+            </a:path>
+          </a:pathLst>
+        </a:custGeom>
+        <a:noFill/>
+        <a:ln w="12700" cap="flat" cmpd="sng" algn="ctr">
+          <a:solidFill>
+            <a:schemeClr val="accent1">
+              <a:hueOff val="0"/>
+              <a:satOff val="0"/>
+              <a:lumOff val="0"/>
+              <a:alphaOff val="0"/>
+            </a:schemeClr>
+          </a:solidFill>
+          <a:prstDash val="solid"/>
+          <a:miter lim="800000"/>
+          <a:tailEnd type="arrow"/>
+        </a:ln>
+        <a:effectLst/>
+      </dsp:spPr>
+      <dsp:style>
+        <a:lnRef idx="1">
+          <a:scrgbClr r="0" g="0" b="0"/>
+        </a:lnRef>
+        <a:fillRef idx="0">
+          <a:scrgbClr r="0" g="0" b="0"/>
+        </a:fillRef>
+        <a:effectRef idx="0">
+          <a:scrgbClr r="0" g="0" b="0"/>
+        </a:effectRef>
+        <a:fontRef idx="minor"/>
+      </dsp:style>
+    </dsp:sp>
+    <dsp:sp modelId="{6071C621-FA09-4243-A0A3-D21964978059}">
+      <dsp:nvSpPr>
+        <dsp:cNvPr id="0" name=""/>
+        <dsp:cNvSpPr/>
+      </dsp:nvSpPr>
+      <dsp:spPr>
+        <a:xfrm>
+          <a:off x="4531865" y="4182218"/>
+          <a:ext cx="1779984" cy="1156989"/>
+        </a:xfrm>
+        <a:prstGeom prst="roundRect">
+          <a:avLst/>
+        </a:prstGeom>
+        <a:solidFill>
+          <a:srgbClr val="FF0000"/>
+        </a:solidFill>
+        <a:ln w="19050" cap="flat" cmpd="sng" algn="ctr">
+          <a:solidFill>
+            <a:schemeClr val="lt1">
+              <a:hueOff val="0"/>
+              <a:satOff val="0"/>
+              <a:lumOff val="0"/>
+              <a:alphaOff val="0"/>
+            </a:schemeClr>
+          </a:solidFill>
+          <a:prstDash val="solid"/>
+          <a:miter lim="800000"/>
+        </a:ln>
+        <a:effectLst/>
+      </dsp:spPr>
+      <dsp:style>
+        <a:lnRef idx="2">
+          <a:scrgbClr r="0" g="0" b="0"/>
+        </a:lnRef>
+        <a:fillRef idx="1">
+          <a:scrgbClr r="0" g="0" b="0"/>
+        </a:fillRef>
+        <a:effectRef idx="0">
+          <a:scrgbClr r="0" g="0" b="0"/>
+        </a:effectRef>
+        <a:fontRef idx="minor">
+          <a:schemeClr val="lt1"/>
+        </a:fontRef>
+      </dsp:style>
+      <dsp:txBody>
+        <a:bodyPr spcFirstLastPara="0" vert="horz" wrap="square" lIns="83820" tIns="83820" rIns="83820" bIns="83820" numCol="1" spcCol="1270" anchor="ctr" anchorCtr="0">
+          <a:noAutofit/>
+        </a:bodyPr>
+        <a:lstStyle/>
+        <a:p>
+          <a:pPr marL="0" lvl="0" indent="0" algn="ctr" defTabSz="977900">
+            <a:lnSpc>
+              <a:spcPct val="90000"/>
+            </a:lnSpc>
+            <a:spcBef>
+              <a:spcPct val="0"/>
+            </a:spcBef>
+            <a:spcAft>
+              <a:spcPct val="35000"/>
+            </a:spcAft>
+            <a:buNone/>
+          </a:pPr>
+          <a:r>
+            <a:rPr lang="de-DE" sz="2200" kern="1200" dirty="0" err="1"/>
+            <a:t>Putperestlik</a:t>
+          </a:r>
+          <a:endParaRPr lang="de-DE" sz="2200" kern="1200" dirty="0"/>
+        </a:p>
+      </dsp:txBody>
+      <dsp:txXfrm>
+        <a:off x="4588345" y="4238698"/>
+        <a:ext cx="1667024" cy="1044029"/>
+      </dsp:txXfrm>
+    </dsp:sp>
+    <dsp:sp modelId="{14DFE8B8-422E-4472-8167-764361D3DAC7}">
+      <dsp:nvSpPr>
+        <dsp:cNvPr id="0" name=""/>
+        <dsp:cNvSpPr/>
+      </dsp:nvSpPr>
+      <dsp:spPr>
+        <a:xfrm>
+          <a:off x="1753873" y="581655"/>
+          <a:ext cx="4620252" cy="4620252"/>
+        </a:xfrm>
+        <a:custGeom>
+          <a:avLst/>
+          <a:gdLst/>
+          <a:ahLst/>
+          <a:cxnLst/>
+          <a:rect l="0" t="0" r="0" b="0"/>
+          <a:pathLst>
+            <a:path>
+              <a:moveTo>
+                <a:pt x="2593389" y="4602819"/>
+              </a:moveTo>
+              <a:arcTo wR="2310126" hR="2310126" stAng="4977406" swAng="845189"/>
+            </a:path>
+          </a:pathLst>
+        </a:custGeom>
+        <a:noFill/>
+        <a:ln w="12700" cap="flat" cmpd="sng" algn="ctr">
+          <a:solidFill>
+            <a:schemeClr val="accent1">
+              <a:hueOff val="0"/>
+              <a:satOff val="0"/>
+              <a:lumOff val="0"/>
+              <a:alphaOff val="0"/>
+            </a:schemeClr>
+          </a:solidFill>
+          <a:prstDash val="solid"/>
+          <a:miter lim="800000"/>
+          <a:tailEnd type="arrow"/>
+        </a:ln>
+        <a:effectLst/>
+      </dsp:spPr>
+      <dsp:style>
+        <a:lnRef idx="1">
+          <a:scrgbClr r="0" g="0" b="0"/>
+        </a:lnRef>
+        <a:fillRef idx="0">
+          <a:scrgbClr r="0" g="0" b="0"/>
+        </a:fillRef>
+        <a:effectRef idx="0">
+          <a:scrgbClr r="0" g="0" b="0"/>
+        </a:effectRef>
+        <a:fontRef idx="minor"/>
+      </dsp:style>
+    </dsp:sp>
+    <dsp:sp modelId="{46257292-7C70-4174-91EE-C8427F9122B5}">
+      <dsp:nvSpPr>
+        <dsp:cNvPr id="0" name=""/>
+        <dsp:cNvSpPr/>
+      </dsp:nvSpPr>
+      <dsp:spPr>
+        <a:xfrm>
+          <a:off x="1816149" y="4182218"/>
+          <a:ext cx="1779984" cy="1156989"/>
+        </a:xfrm>
+        <a:prstGeom prst="roundRect">
+          <a:avLst/>
+        </a:prstGeom>
+        <a:solidFill>
+          <a:srgbClr val="FF0000"/>
+        </a:solidFill>
+        <a:ln w="19050" cap="flat" cmpd="sng" algn="ctr">
+          <a:solidFill>
+            <a:schemeClr val="lt1">
+              <a:hueOff val="0"/>
+              <a:satOff val="0"/>
+              <a:lumOff val="0"/>
+              <a:alphaOff val="0"/>
+            </a:schemeClr>
+          </a:solidFill>
+          <a:prstDash val="solid"/>
+          <a:miter lim="800000"/>
+        </a:ln>
+        <a:effectLst/>
+      </dsp:spPr>
+      <dsp:style>
+        <a:lnRef idx="2">
+          <a:scrgbClr r="0" g="0" b="0"/>
+        </a:lnRef>
+        <a:fillRef idx="1">
+          <a:scrgbClr r="0" g="0" b="0"/>
+        </a:fillRef>
+        <a:effectRef idx="0">
+          <a:scrgbClr r="0" g="0" b="0"/>
+        </a:effectRef>
+        <a:fontRef idx="minor">
+          <a:schemeClr val="lt1"/>
+        </a:fontRef>
+      </dsp:style>
+      <dsp:txBody>
+        <a:bodyPr spcFirstLastPara="0" vert="horz" wrap="square" lIns="83820" tIns="83820" rIns="83820" bIns="83820" numCol="1" spcCol="1270" anchor="ctr" anchorCtr="0">
+          <a:noAutofit/>
+        </a:bodyPr>
+        <a:lstStyle/>
+        <a:p>
+          <a:pPr marL="0" lvl="0" indent="0" algn="ctr" defTabSz="977900">
+            <a:lnSpc>
+              <a:spcPct val="90000"/>
+            </a:lnSpc>
+            <a:spcBef>
+              <a:spcPct val="0"/>
+            </a:spcBef>
+            <a:spcAft>
+              <a:spcPct val="35000"/>
+            </a:spcAft>
+            <a:buNone/>
+          </a:pPr>
+          <a:r>
+            <a:rPr lang="de-DE" sz="2200" kern="1200" dirty="0" err="1"/>
+            <a:t>Ticaret</a:t>
+          </a:r>
+          <a:endParaRPr lang="de-DE" sz="2200" kern="1200" dirty="0"/>
+        </a:p>
+      </dsp:txBody>
+      <dsp:txXfrm>
+        <a:off x="1872629" y="4238698"/>
+        <a:ext cx="1667024" cy="1044029"/>
+      </dsp:txXfrm>
+    </dsp:sp>
+    <dsp:sp modelId="{B2AFF499-1C80-4BE3-8C56-B845AFFB6249}">
+      <dsp:nvSpPr>
+        <dsp:cNvPr id="0" name=""/>
+        <dsp:cNvSpPr/>
+      </dsp:nvSpPr>
+      <dsp:spPr>
+        <a:xfrm>
+          <a:off x="1753873" y="581655"/>
+          <a:ext cx="4620252" cy="4620252"/>
+        </a:xfrm>
+        <a:custGeom>
+          <a:avLst/>
+          <a:gdLst/>
+          <a:ahLst/>
+          <a:cxnLst/>
+          <a:rect l="0" t="0" r="0" b="0"/>
+          <a:pathLst>
+            <a:path>
+              <a:moveTo>
+                <a:pt x="244996" y="3345463"/>
+              </a:moveTo>
+              <a:arcTo wR="2310126" hR="2310126" stAng="9202406" swAng="1359213"/>
+            </a:path>
+          </a:pathLst>
+        </a:custGeom>
+        <a:noFill/>
+        <a:ln w="12700" cap="flat" cmpd="sng" algn="ctr">
+          <a:solidFill>
+            <a:schemeClr val="accent1">
+              <a:hueOff val="0"/>
+              <a:satOff val="0"/>
+              <a:lumOff val="0"/>
+              <a:alphaOff val="0"/>
+            </a:schemeClr>
+          </a:solidFill>
+          <a:prstDash val="solid"/>
+          <a:miter lim="800000"/>
+          <a:tailEnd type="arrow"/>
+        </a:ln>
+        <a:effectLst/>
+      </dsp:spPr>
+      <dsp:style>
+        <a:lnRef idx="1">
+          <a:scrgbClr r="0" g="0" b="0"/>
+        </a:lnRef>
+        <a:fillRef idx="0">
+          <a:scrgbClr r="0" g="0" b="0"/>
+        </a:fillRef>
+        <a:effectRef idx="0">
+          <a:scrgbClr r="0" g="0" b="0"/>
+        </a:effectRef>
+        <a:fontRef idx="minor"/>
+      </dsp:style>
+    </dsp:sp>
+    <dsp:sp modelId="{97BB58C7-57EE-4F07-8A48-8245D8DEEC79}">
+      <dsp:nvSpPr>
+        <dsp:cNvPr id="0" name=""/>
+        <dsp:cNvSpPr/>
+      </dsp:nvSpPr>
+      <dsp:spPr>
+        <a:xfrm>
+          <a:off x="976947" y="1599418"/>
+          <a:ext cx="1779984" cy="1156989"/>
+        </a:xfrm>
+        <a:prstGeom prst="roundRect">
+          <a:avLst/>
+        </a:prstGeom>
+        <a:solidFill>
+          <a:srgbClr val="FF0000"/>
+        </a:solidFill>
+        <a:ln w="19050" cap="flat" cmpd="sng" algn="ctr">
+          <a:solidFill>
+            <a:schemeClr val="lt1">
+              <a:hueOff val="0"/>
+              <a:satOff val="0"/>
+              <a:lumOff val="0"/>
+              <a:alphaOff val="0"/>
+            </a:schemeClr>
+          </a:solidFill>
+          <a:prstDash val="solid"/>
+          <a:miter lim="800000"/>
+        </a:ln>
+        <a:effectLst/>
+      </dsp:spPr>
+      <dsp:style>
+        <a:lnRef idx="2">
+          <a:scrgbClr r="0" g="0" b="0"/>
+        </a:lnRef>
+        <a:fillRef idx="1">
+          <a:scrgbClr r="0" g="0" b="0"/>
+        </a:fillRef>
+        <a:effectRef idx="0">
+          <a:scrgbClr r="0" g="0" b="0"/>
+        </a:effectRef>
+        <a:fontRef idx="minor">
+          <a:schemeClr val="lt1"/>
+        </a:fontRef>
+      </dsp:style>
+      <dsp:txBody>
+        <a:bodyPr spcFirstLastPara="0" vert="horz" wrap="square" lIns="83820" tIns="83820" rIns="83820" bIns="83820" numCol="1" spcCol="1270" anchor="ctr" anchorCtr="0">
+          <a:noAutofit/>
+        </a:bodyPr>
+        <a:lstStyle/>
+        <a:p>
+          <a:pPr marL="0" lvl="0" indent="0" algn="ctr" defTabSz="977900">
+            <a:lnSpc>
+              <a:spcPct val="90000"/>
+            </a:lnSpc>
+            <a:spcBef>
+              <a:spcPct val="0"/>
+            </a:spcBef>
+            <a:spcAft>
+              <a:spcPct val="35000"/>
+            </a:spcAft>
+            <a:buNone/>
+          </a:pPr>
+          <a:r>
+            <a:rPr lang="de-DE" sz="2200" kern="1200"/>
+            <a:t>İstismar</a:t>
+          </a:r>
+          <a:endParaRPr lang="de-DE" sz="2200" kern="1200" dirty="0"/>
+        </a:p>
+      </dsp:txBody>
+      <dsp:txXfrm>
+        <a:off x="1033427" y="1655898"/>
+        <a:ext cx="1667024" cy="1044029"/>
+      </dsp:txXfrm>
+    </dsp:sp>
+    <dsp:sp modelId="{92B53C02-EB6D-4752-965A-748810CEF084}">
+      <dsp:nvSpPr>
+        <dsp:cNvPr id="0" name=""/>
+        <dsp:cNvSpPr/>
+      </dsp:nvSpPr>
+      <dsp:spPr>
+        <a:xfrm>
+          <a:off x="1753873" y="581655"/>
+          <a:ext cx="4620252" cy="4620252"/>
+        </a:xfrm>
+        <a:custGeom>
+          <a:avLst/>
+          <a:gdLst/>
+          <a:ahLst/>
+          <a:cxnLst/>
+          <a:rect l="0" t="0" r="0" b="0"/>
+          <a:pathLst>
+            <a:path>
+              <a:moveTo>
+                <a:pt x="555794" y="807127"/>
+              </a:moveTo>
+              <a:arcTo wR="2310126" hR="2310126" stAng="13235271" swAng="1210876"/>
+            </a:path>
+          </a:pathLst>
+        </a:custGeom>
+        <a:noFill/>
+        <a:ln w="12700" cap="flat" cmpd="sng" algn="ctr">
+          <a:solidFill>
+            <a:schemeClr val="accent1">
+              <a:hueOff val="0"/>
+              <a:satOff val="0"/>
+              <a:lumOff val="0"/>
+              <a:alphaOff val="0"/>
+            </a:schemeClr>
+          </a:solidFill>
+          <a:prstDash val="solid"/>
+          <a:miter lim="800000"/>
+          <a:tailEnd type="arrow"/>
+        </a:ln>
+        <a:effectLst/>
+      </dsp:spPr>
+      <dsp:style>
+        <a:lnRef idx="1">
+          <a:scrgbClr r="0" g="0" b="0"/>
+        </a:lnRef>
+        <a:fillRef idx="0">
+          <a:scrgbClr r="0" g="0" b="0"/>
+        </a:fillRef>
+        <a:effectRef idx="0">
+          <a:scrgbClr r="0" g="0" b="0"/>
+        </a:effectRef>
+        <a:fontRef idx="minor"/>
+      </dsp:style>
+    </dsp:sp>
+  </dsp:spTree>
+</dsp:drawing>
+</file>
+
 <file path=ppt/diagrams/layout1.xml><?xml version="1.0" encoding="utf-8"?>
+<dgm:layoutDef xmlns:dgm="http://schemas.openxmlformats.org/drawingml/2006/diagram" xmlns:a="http://schemas.openxmlformats.org/drawingml/2006/main" uniqueId="urn:microsoft.com/office/officeart/2005/8/layout/cycle5">
+  <dgm:title val=""/>
+  <dgm:desc val=""/>
+  <dgm:catLst>
+    <dgm:cat type="cycle" pri="3000"/>
+  </dgm:catLst>
+  <dgm:sampData>
+    <dgm:dataModel>
+      <dgm:ptLst>
+        <dgm:pt modelId="0" type="doc"/>
+        <dgm:pt modelId="1">
+          <dgm:prSet phldr="1"/>
+        </dgm:pt>
+        <dgm:pt modelId="2">
+          <dgm:prSet phldr="1"/>
+        </dgm:pt>
+        <dgm:pt modelId="3">
+          <dgm:prSet phldr="1"/>
+        </dgm:pt>
+        <dgm:pt modelId="4">
+          <dgm:prSet phldr="1"/>
+        </dgm:pt>
+        <dgm:pt modelId="5">
+          <dgm:prSet phldr="1"/>
+        </dgm:pt>
+      </dgm:ptLst>
+      <dgm:cxnLst>
+        <dgm:cxn modelId="6" srcId="0" destId="1" srcOrd="0" destOrd="0"/>
+        <dgm:cxn modelId="7" srcId="0" destId="2" srcOrd="1" destOrd="0"/>
+        <dgm:cxn modelId="8" srcId="0" destId="3" srcOrd="2" destOrd="0"/>
+        <dgm:cxn modelId="9" srcId="0" destId="4" srcOrd="3" destOrd="0"/>
+        <dgm:cxn modelId="10" srcId="0" destId="5" srcOrd="4" destOrd="0"/>
+      </dgm:cxnLst>
+      <dgm:bg/>
+      <dgm:whole/>
+    </dgm:dataModel>
+  </dgm:sampData>
+  <dgm:styleData>
+    <dgm:dataModel>
+      <dgm:ptLst>
+        <dgm:pt modelId="0" type="doc"/>
+        <dgm:pt modelId="1"/>
+        <dgm:pt modelId="2"/>
+        <dgm:pt modelId="3"/>
+      </dgm:ptLst>
+      <dgm:cxnLst>
+        <dgm:cxn modelId="4" srcId="0" destId="1" srcOrd="0" destOrd="0"/>
+        <dgm:cxn modelId="5" srcId="0" destId="2" srcOrd="1" destOrd="0"/>
+        <dgm:cxn modelId="6" srcId="0" destId="3" srcOrd="2" destOrd="0"/>
+      </dgm:cxnLst>
+      <dgm:bg/>
+      <dgm:whole/>
+    </dgm:dataModel>
+  </dgm:styleData>
+  <dgm:clrData>
+    <dgm:dataModel>
+      <dgm:ptLst>
+        <dgm:pt modelId="0" type="doc"/>
+        <dgm:pt modelId="1"/>
+        <dgm:pt modelId="2"/>
+        <dgm:pt modelId="3"/>
+        <dgm:pt modelId="4"/>
+        <dgm:pt modelId="5"/>
+        <dgm:pt modelId="6"/>
+      </dgm:ptLst>
+      <dgm:cxnLst>
+        <dgm:cxn modelId="7" srcId="0" destId="1" srcOrd="0" destOrd="0"/>
+        <dgm:cxn modelId="8" srcId="0" destId="2" srcOrd="1" destOrd="0"/>
+        <dgm:cxn modelId="9" srcId="0" destId="3" srcOrd="2" destOrd="0"/>
+        <dgm:cxn modelId="10" srcId="0" destId="4" srcOrd="3" destOrd="0"/>
+        <dgm:cxn modelId="11" srcId="0" destId="5" srcOrd="4" destOrd="0"/>
+        <dgm:cxn modelId="12" srcId="0" destId="6" srcOrd="5" destOrd="0"/>
+      </dgm:cxnLst>
+      <dgm:bg/>
+      <dgm:whole/>
+    </dgm:dataModel>
+  </dgm:clrData>
+  <dgm:layoutNode name="cycle">
+    <dgm:varLst>
+      <dgm:dir/>
+      <dgm:resizeHandles val="exact"/>
+    </dgm:varLst>
+    <dgm:choose name="Name0">
+      <dgm:if name="Name1" func="var" arg="dir" op="equ" val="norm">
+        <dgm:choose name="Name2">
+          <dgm:if name="Name3" axis="ch" ptType="node" func="cnt" op="gt" val="2">
+            <dgm:alg type="cycle">
+              <dgm:param type="stAng" val="0"/>
+              <dgm:param type="spanAng" val="360"/>
+            </dgm:alg>
+          </dgm:if>
+          <dgm:else name="Name4">
+            <dgm:alg type="cycle">
+              <dgm:param type="stAng" val="-90"/>
+              <dgm:param type="spanAng" val="360"/>
+            </dgm:alg>
+          </dgm:else>
+        </dgm:choose>
+      </dgm:if>
+      <dgm:else name="Name5">
+        <dgm:choose name="Name6">
+          <dgm:if name="Name7" axis="ch" ptType="node" func="cnt" op="gt" val="2">
+            <dgm:alg type="cycle">
+              <dgm:param type="stAng" val="0"/>
+              <dgm:param type="spanAng" val="-360"/>
+            </dgm:alg>
+          </dgm:if>
+          <dgm:else name="Name8">
+            <dgm:alg type="cycle">
+              <dgm:param type="stAng" val="90"/>
+              <dgm:param type="spanAng" val="-360"/>
+            </dgm:alg>
+          </dgm:else>
+        </dgm:choose>
+      </dgm:else>
+    </dgm:choose>
+    <dgm:shape xmlns:r="http://schemas.openxmlformats.org/officeDocument/2006/relationships" r:blip="">
+      <dgm:adjLst/>
+    </dgm:shape>
+    <dgm:presOf/>
+    <dgm:choose name="Name9">
+      <dgm:if name="Name10" func="var" arg="dir" op="equ" val="norm">
+        <dgm:constrLst>
+          <dgm:constr type="w" for="ch" forName="node" refType="w"/>
+          <dgm:constr type="w" for="ch" ptType="sibTrans" refType="w" refFor="ch" refForName="node" op="equ" fact="0.3"/>
+          <dgm:constr type="diam" for="ch" ptType="sibTrans" refType="diam" op="equ"/>
+          <dgm:constr type="sibSp" refType="w" refFor="ch" refForName="node" op="equ" fact="0.15"/>
+          <dgm:constr type="w" for="ch" forName="spNode" refType="sibSp" fact="1.6"/>
+          <dgm:constr type="primFontSz" for="ch" forName="node" op="equ" val="65"/>
+        </dgm:constrLst>
+      </dgm:if>
+      <dgm:else name="Name11">
+        <dgm:constrLst>
+          <dgm:constr type="w" for="ch" forName="node" refType="w"/>
+          <dgm:constr type="w" for="ch" ptType="sibTrans" refType="w" refFor="ch" refForName="node" op="equ" fact="0.3"/>
+          <dgm:constr type="diam" for="ch" ptType="sibTrans" refType="diam" fact="-1"/>
+          <dgm:constr type="diam" for="ch" refType="diam" op="equ" fact="-1"/>
+          <dgm:constr type="sibSp" refType="w" refFor="ch" refForName="node" op="equ" fact="0.15"/>
+          <dgm:constr type="w" for="ch" forName="spNode" refType="sibSp" fact="1.6"/>
+          <dgm:constr type="primFontSz" for="ch" forName="node" op="equ" val="65"/>
+        </dgm:constrLst>
+      </dgm:else>
+    </dgm:choose>
+    <dgm:ruleLst/>
+    <dgm:forEach name="Name12" axis="ch" ptType="node">
+      <dgm:layoutNode name="node">
+        <dgm:varLst>
+          <dgm:bulletEnabled val="1"/>
+        </dgm:varLst>
+        <dgm:alg type="tx"/>
+        <dgm:shape xmlns:r="http://schemas.openxmlformats.org/officeDocument/2006/relationships" type="roundRect" r:blip="">
+          <dgm:adjLst/>
+        </dgm:shape>
+        <dgm:presOf axis="desOrSelf" ptType="node"/>
+        <dgm:constrLst>
+          <dgm:constr type="h" refType="w" fact="0.65"/>
+          <dgm:constr type="tMarg" refType="primFontSz" fact="0.3"/>
+          <dgm:constr type="bMarg" refType="primFontSz" fact="0.3"/>
+          <dgm:constr type="lMarg" refType="primFontSz" fact="0.3"/>
+          <dgm:constr type="rMarg" refType="primFontSz" fact="0.3"/>
+        </dgm:constrLst>
+        <dgm:ruleLst>
+          <dgm:rule type="primFontSz" val="5" fact="NaN" max="NaN"/>
+        </dgm:ruleLst>
+      </dgm:layoutNode>
+      <dgm:choose name="Name13">
+        <dgm:if name="Name14" axis="par ch" ptType="doc node" func="cnt" op="gt" val="1">
+          <dgm:layoutNode name="spNode">
+            <dgm:alg type="sp"/>
+            <dgm:shape xmlns:r="http://schemas.openxmlformats.org/officeDocument/2006/relationships" r:blip="">
+              <dgm:adjLst/>
+            </dgm:shape>
+            <dgm:presOf/>
+            <dgm:constrLst>
+              <dgm:constr type="h" refType="w"/>
+            </dgm:constrLst>
+            <dgm:ruleLst/>
+          </dgm:layoutNode>
+          <dgm:forEach name="Name15" axis="followSib" ptType="sibTrans" hideLastTrans="0" cnt="1">
+            <dgm:layoutNode name="sibTrans">
+              <dgm:alg type="conn">
+                <dgm:param type="dim" val="1D"/>
+                <dgm:param type="connRout" val="curve"/>
+                <dgm:param type="begPts" val="radial"/>
+                <dgm:param type="endPts" val="radial"/>
+              </dgm:alg>
+              <dgm:shape xmlns:r="http://schemas.openxmlformats.org/officeDocument/2006/relationships" type="conn" r:blip="">
+                <dgm:adjLst/>
+              </dgm:shape>
+              <dgm:presOf axis="self"/>
+              <dgm:constrLst>
+                <dgm:constr type="h" refType="w" fact="0.65"/>
+                <dgm:constr type="connDist"/>
+                <dgm:constr type="begPad" refType="connDist" fact="0.2"/>
+                <dgm:constr type="endPad" refType="connDist" fact="0.2"/>
+              </dgm:constrLst>
+              <dgm:ruleLst/>
+            </dgm:layoutNode>
+          </dgm:forEach>
+        </dgm:if>
+        <dgm:else name="Name16"/>
+      </dgm:choose>
+    </dgm:forEach>
+  </dgm:layoutNode>
+</dgm:layoutDef>
+</file>
+
+<file path=ppt/diagrams/layout2.xml><?xml version="1.0" encoding="utf-8"?>
+<dgm:layoutDef xmlns:dgm="http://schemas.openxmlformats.org/drawingml/2006/diagram" xmlns:a="http://schemas.openxmlformats.org/drawingml/2006/main" uniqueId="urn:microsoft.com/office/officeart/2005/8/layout/cycle5">
+  <dgm:title val=""/>
+  <dgm:desc val=""/>
+  <dgm:catLst>
+    <dgm:cat type="cycle" pri="3000"/>
+  </dgm:catLst>
+  <dgm:sampData>
+    <dgm:dataModel>
+      <dgm:ptLst>
+        <dgm:pt modelId="0" type="doc"/>
+        <dgm:pt modelId="1">
+          <dgm:prSet phldr="1"/>
+        </dgm:pt>
+        <dgm:pt modelId="2">
+          <dgm:prSet phldr="1"/>
+        </dgm:pt>
+        <dgm:pt modelId="3">
+          <dgm:prSet phldr="1"/>
+        </dgm:pt>
+        <dgm:pt modelId="4">
+          <dgm:prSet phldr="1"/>
+        </dgm:pt>
+        <dgm:pt modelId="5">
+          <dgm:prSet phldr="1"/>
+        </dgm:pt>
+      </dgm:ptLst>
+      <dgm:cxnLst>
+        <dgm:cxn modelId="6" srcId="0" destId="1" srcOrd="0" destOrd="0"/>
+        <dgm:cxn modelId="7" srcId="0" destId="2" srcOrd="1" destOrd="0"/>
+        <dgm:cxn modelId="8" srcId="0" destId="3" srcOrd="2" destOrd="0"/>
+        <dgm:cxn modelId="9" srcId="0" destId="4" srcOrd="3" destOrd="0"/>
+        <dgm:cxn modelId="10" srcId="0" destId="5" srcOrd="4" destOrd="0"/>
+      </dgm:cxnLst>
+      <dgm:bg/>
+      <dgm:whole/>
+    </dgm:dataModel>
+  </dgm:sampData>
+  <dgm:styleData>
+    <dgm:dataModel>
+      <dgm:ptLst>
+        <dgm:pt modelId="0" type="doc"/>
+        <dgm:pt modelId="1"/>
+        <dgm:pt modelId="2"/>
+        <dgm:pt modelId="3"/>
+      </dgm:ptLst>
+      <dgm:cxnLst>
+        <dgm:cxn modelId="4" srcId="0" destId="1" srcOrd="0" destOrd="0"/>
+        <dgm:cxn modelId="5" srcId="0" destId="2" srcOrd="1" destOrd="0"/>
+        <dgm:cxn modelId="6" srcId="0" destId="3" srcOrd="2" destOrd="0"/>
+      </dgm:cxnLst>
+      <dgm:bg/>
+      <dgm:whole/>
+    </dgm:dataModel>
+  </dgm:styleData>
+  <dgm:clrData>
+    <dgm:dataModel>
+      <dgm:ptLst>
+        <dgm:pt modelId="0" type="doc"/>
+        <dgm:pt modelId="1"/>
+        <dgm:pt modelId="2"/>
+        <dgm:pt modelId="3"/>
+        <dgm:pt modelId="4"/>
+        <dgm:pt modelId="5"/>
+        <dgm:pt modelId="6"/>
+      </dgm:ptLst>
+      <dgm:cxnLst>
+        <dgm:cxn modelId="7" srcId="0" destId="1" srcOrd="0" destOrd="0"/>
+        <dgm:cxn modelId="8" srcId="0" destId="2" srcOrd="1" destOrd="0"/>
+        <dgm:cxn modelId="9" srcId="0" destId="3" srcOrd="2" destOrd="0"/>
+        <dgm:cxn modelId="10" srcId="0" destId="4" srcOrd="3" destOrd="0"/>
+        <dgm:cxn modelId="11" srcId="0" destId="5" srcOrd="4" destOrd="0"/>
+        <dgm:cxn modelId="12" srcId="0" destId="6" srcOrd="5" destOrd="0"/>
+      </dgm:cxnLst>
+      <dgm:bg/>
+      <dgm:whole/>
+    </dgm:dataModel>
+  </dgm:clrData>
+  <dgm:layoutNode name="cycle">
+    <dgm:varLst>
+      <dgm:dir/>
+      <dgm:resizeHandles val="exact"/>
+    </dgm:varLst>
+    <dgm:choose name="Name0">
+      <dgm:if name="Name1" func="var" arg="dir" op="equ" val="norm">
+        <dgm:choose name="Name2">
+          <dgm:if name="Name3" axis="ch" ptType="node" func="cnt" op="gt" val="2">
+            <dgm:alg type="cycle">
+              <dgm:param type="stAng" val="0"/>
+              <dgm:param type="spanAng" val="360"/>
+            </dgm:alg>
+          </dgm:if>
+          <dgm:else name="Name4">
+            <dgm:alg type="cycle">
+              <dgm:param type="stAng" val="-90"/>
+              <dgm:param type="spanAng" val="360"/>
+            </dgm:alg>
+          </dgm:else>
+        </dgm:choose>
+      </dgm:if>
+      <dgm:else name="Name5">
+        <dgm:choose name="Name6">
+          <dgm:if name="Name7" axis="ch" ptType="node" func="cnt" op="gt" val="2">
+            <dgm:alg type="cycle">
+              <dgm:param type="stAng" val="0"/>
+              <dgm:param type="spanAng" val="-360"/>
+            </dgm:alg>
+          </dgm:if>
+          <dgm:else name="Name8">
+            <dgm:alg type="cycle">
+              <dgm:param type="stAng" val="90"/>
+              <dgm:param type="spanAng" val="-360"/>
+            </dgm:alg>
+          </dgm:else>
+        </dgm:choose>
+      </dgm:else>
+    </dgm:choose>
+    <dgm:shape xmlns:r="http://schemas.openxmlformats.org/officeDocument/2006/relationships" r:blip="">
+      <dgm:adjLst/>
+    </dgm:shape>
+    <dgm:presOf/>
+    <dgm:choose name="Name9">
+      <dgm:if name="Name10" func="var" arg="dir" op="equ" val="norm">
+        <dgm:constrLst>
+          <dgm:constr type="w" for="ch" forName="node" refType="w"/>
+          <dgm:constr type="w" for="ch" ptType="sibTrans" refType="w" refFor="ch" refForName="node" op="equ" fact="0.3"/>
+          <dgm:constr type="diam" for="ch" ptType="sibTrans" refType="diam" op="equ"/>
+          <dgm:constr type="sibSp" refType="w" refFor="ch" refForName="node" op="equ" fact="0.15"/>
+          <dgm:constr type="w" for="ch" forName="spNode" refType="sibSp" fact="1.6"/>
+          <dgm:constr type="primFontSz" for="ch" forName="node" op="equ" val="65"/>
+        </dgm:constrLst>
+      </dgm:if>
+      <dgm:else name="Name11">
+        <dgm:constrLst>
+          <dgm:constr type="w" for="ch" forName="node" refType="w"/>
+          <dgm:constr type="w" for="ch" ptType="sibTrans" refType="w" refFor="ch" refForName="node" op="equ" fact="0.3"/>
+          <dgm:constr type="diam" for="ch" ptType="sibTrans" refType="diam" fact="-1"/>
+          <dgm:constr type="diam" for="ch" refType="diam" op="equ" fact="-1"/>
+          <dgm:constr type="sibSp" refType="w" refFor="ch" refForName="node" op="equ" fact="0.15"/>
+          <dgm:constr type="w" for="ch" forName="spNode" refType="sibSp" fact="1.6"/>
+          <dgm:constr type="primFontSz" for="ch" forName="node" op="equ" val="65"/>
+        </dgm:constrLst>
+      </dgm:else>
+    </dgm:choose>
+    <dgm:ruleLst/>
+    <dgm:forEach name="Name12" axis="ch" ptType="node">
+      <dgm:layoutNode name="node">
+        <dgm:varLst>
+          <dgm:bulletEnabled val="1"/>
+        </dgm:varLst>
+        <dgm:alg type="tx"/>
+        <dgm:shape xmlns:r="http://schemas.openxmlformats.org/officeDocument/2006/relationships" type="roundRect" r:blip="">
+          <dgm:adjLst/>
+        </dgm:shape>
+        <dgm:presOf axis="desOrSelf" ptType="node"/>
+        <dgm:constrLst>
+          <dgm:constr type="h" refType="w" fact="0.65"/>
+          <dgm:constr type="tMarg" refType="primFontSz" fact="0.3"/>
+          <dgm:constr type="bMarg" refType="primFontSz" fact="0.3"/>
+          <dgm:constr type="lMarg" refType="primFontSz" fact="0.3"/>
+          <dgm:constr type="rMarg" refType="primFontSz" fact="0.3"/>
+        </dgm:constrLst>
+        <dgm:ruleLst>
+          <dgm:rule type="primFontSz" val="5" fact="NaN" max="NaN"/>
+        </dgm:ruleLst>
+      </dgm:layoutNode>
+      <dgm:choose name="Name13">
+        <dgm:if name="Name14" axis="par ch" ptType="doc node" func="cnt" op="gt" val="1">
+          <dgm:layoutNode name="spNode">
+            <dgm:alg type="sp"/>
+            <dgm:shape xmlns:r="http://schemas.openxmlformats.org/officeDocument/2006/relationships" r:blip="">
+              <dgm:adjLst/>
+            </dgm:shape>
+            <dgm:presOf/>
+            <dgm:constrLst>
+              <dgm:constr type="h" refType="w"/>
+            </dgm:constrLst>
+            <dgm:ruleLst/>
+          </dgm:layoutNode>
+          <dgm:forEach name="Name15" axis="followSib" ptType="sibTrans" hideLastTrans="0" cnt="1">
+            <dgm:layoutNode name="sibTrans">
+              <dgm:alg type="conn">
+                <dgm:param type="dim" val="1D"/>
+                <dgm:param type="connRout" val="curve"/>
+                <dgm:param type="begPts" val="radial"/>
+                <dgm:param type="endPts" val="radial"/>
+              </dgm:alg>
+              <dgm:shape xmlns:r="http://schemas.openxmlformats.org/officeDocument/2006/relationships" type="conn" r:blip="">
+                <dgm:adjLst/>
+              </dgm:shape>
+              <dgm:presOf axis="self"/>
+              <dgm:constrLst>
+                <dgm:constr type="h" refType="w" fact="0.65"/>
+                <dgm:constr type="connDist"/>
+                <dgm:constr type="begPad" refType="connDist" fact="0.2"/>
+                <dgm:constr type="endPad" refType="connDist" fact="0.2"/>
+              </dgm:constrLst>
+              <dgm:ruleLst/>
+            </dgm:layoutNode>
+          </dgm:forEach>
+        </dgm:if>
+        <dgm:else name="Name16"/>
+      </dgm:choose>
+    </dgm:forEach>
+  </dgm:layoutNode>
+</dgm:layoutDef>
+</file>
+
+<file path=ppt/diagrams/layout3.xml><?xml version="1.0" encoding="utf-8"?>
 <dgm:layoutDef xmlns:dgm="http://schemas.openxmlformats.org/drawingml/2006/diagram" xmlns:a="http://schemas.openxmlformats.org/drawingml/2006/main" uniqueId="urn:microsoft.com/office/officeart/2005/8/layout/cycle5">
   <dgm:title val=""/>
   <dgm:desc val=""/>
@@ -3110,6 +7062,2074 @@
 </dgm:styleDef>
 </file>
 
+<file path=ppt/diagrams/quickStyle2.xml><?xml version="1.0" encoding="utf-8"?>
+<dgm:styleDef xmlns:dgm="http://schemas.openxmlformats.org/drawingml/2006/diagram" xmlns:a="http://schemas.openxmlformats.org/drawingml/2006/main" uniqueId="urn:microsoft.com/office/officeart/2005/8/quickstyle/simple1">
+  <dgm:title val=""/>
+  <dgm:desc val=""/>
+  <dgm:catLst>
+    <dgm:cat type="simple" pri="10100"/>
+  </dgm:catLst>
+  <dgm:scene3d>
+    <a:camera prst="orthographicFront"/>
+    <a:lightRig rig="threePt" dir="t"/>
+  </dgm:scene3d>
+  <dgm:styleLbl name="node0">
+    <dgm:scene3d>
+      <a:camera prst="orthographicFront"/>
+      <a:lightRig rig="threePt" dir="t"/>
+    </dgm:scene3d>
+    <dgm:sp3d/>
+    <dgm:txPr/>
+    <dgm:style>
+      <a:lnRef idx="2">
+        <a:scrgbClr r="0" g="0" b="0"/>
+      </a:lnRef>
+      <a:fillRef idx="1">
+        <a:scrgbClr r="0" g="0" b="0"/>
+      </a:fillRef>
+      <a:effectRef idx="0">
+        <a:scrgbClr r="0" g="0" b="0"/>
+      </a:effectRef>
+      <a:fontRef idx="minor">
+        <a:schemeClr val="lt1"/>
+      </a:fontRef>
+    </dgm:style>
+  </dgm:styleLbl>
+  <dgm:styleLbl name="lnNode1">
+    <dgm:scene3d>
+      <a:camera prst="orthographicFront"/>
+      <a:lightRig rig="threePt" dir="t"/>
+    </dgm:scene3d>
+    <dgm:sp3d/>
+    <dgm:txPr/>
+    <dgm:style>
+      <a:lnRef idx="2">
+        <a:scrgbClr r="0" g="0" b="0"/>
+      </a:lnRef>
+      <a:fillRef idx="1">
+        <a:scrgbClr r="0" g="0" b="0"/>
+      </a:fillRef>
+      <a:effectRef idx="0">
+        <a:scrgbClr r="0" g="0" b="0"/>
+      </a:effectRef>
+      <a:fontRef idx="minor">
+        <a:schemeClr val="lt1"/>
+      </a:fontRef>
+    </dgm:style>
+  </dgm:styleLbl>
+  <dgm:styleLbl name="vennNode1">
+    <dgm:scene3d>
+      <a:camera prst="orthographicFront"/>
+      <a:lightRig rig="threePt" dir="t"/>
+    </dgm:scene3d>
+    <dgm:sp3d/>
+    <dgm:txPr/>
+    <dgm:style>
+      <a:lnRef idx="2">
+        <a:scrgbClr r="0" g="0" b="0"/>
+      </a:lnRef>
+      <a:fillRef idx="1">
+        <a:scrgbClr r="0" g="0" b="0"/>
+      </a:fillRef>
+      <a:effectRef idx="0">
+        <a:scrgbClr r="0" g="0" b="0"/>
+      </a:effectRef>
+      <a:fontRef idx="minor">
+        <a:schemeClr val="tx1"/>
+      </a:fontRef>
+    </dgm:style>
+  </dgm:styleLbl>
+  <dgm:styleLbl name="alignNode1">
+    <dgm:scene3d>
+      <a:camera prst="orthographicFront"/>
+      <a:lightRig rig="threePt" dir="t"/>
+    </dgm:scene3d>
+    <dgm:sp3d/>
+    <dgm:txPr/>
+    <dgm:style>
+      <a:lnRef idx="2">
+        <a:scrgbClr r="0" g="0" b="0"/>
+      </a:lnRef>
+      <a:fillRef idx="1">
+        <a:scrgbClr r="0" g="0" b="0"/>
+      </a:fillRef>
+      <a:effectRef idx="0">
+        <a:scrgbClr r="0" g="0" b="0"/>
+      </a:effectRef>
+      <a:fontRef idx="minor">
+        <a:schemeClr val="lt1"/>
+      </a:fontRef>
+    </dgm:style>
+  </dgm:styleLbl>
+  <dgm:styleLbl name="node1">
+    <dgm:scene3d>
+      <a:camera prst="orthographicFront"/>
+      <a:lightRig rig="threePt" dir="t"/>
+    </dgm:scene3d>
+    <dgm:sp3d/>
+    <dgm:txPr/>
+    <dgm:style>
+      <a:lnRef idx="2">
+        <a:scrgbClr r="0" g="0" b="0"/>
+      </a:lnRef>
+      <a:fillRef idx="1">
+        <a:scrgbClr r="0" g="0" b="0"/>
+      </a:fillRef>
+      <a:effectRef idx="0">
+        <a:scrgbClr r="0" g="0" b="0"/>
+      </a:effectRef>
+      <a:fontRef idx="minor">
+        <a:schemeClr val="lt1"/>
+      </a:fontRef>
+    </dgm:style>
+  </dgm:styleLbl>
+  <dgm:styleLbl name="node2">
+    <dgm:scene3d>
+      <a:camera prst="orthographicFront"/>
+      <a:lightRig rig="threePt" dir="t"/>
+    </dgm:scene3d>
+    <dgm:sp3d/>
+    <dgm:txPr/>
+    <dgm:style>
+      <a:lnRef idx="2">
+        <a:scrgbClr r="0" g="0" b="0"/>
+      </a:lnRef>
+      <a:fillRef idx="1">
+        <a:scrgbClr r="0" g="0" b="0"/>
+      </a:fillRef>
+      <a:effectRef idx="0">
+        <a:scrgbClr r="0" g="0" b="0"/>
+      </a:effectRef>
+      <a:fontRef idx="minor">
+        <a:schemeClr val="lt1"/>
+      </a:fontRef>
+    </dgm:style>
+  </dgm:styleLbl>
+  <dgm:styleLbl name="node3">
+    <dgm:scene3d>
+      <a:camera prst="orthographicFront"/>
+      <a:lightRig rig="threePt" dir="t"/>
+    </dgm:scene3d>
+    <dgm:sp3d/>
+    <dgm:txPr/>
+    <dgm:style>
+      <a:lnRef idx="2">
+        <a:scrgbClr r="0" g="0" b="0"/>
+      </a:lnRef>
+      <a:fillRef idx="1">
+        <a:scrgbClr r="0" g="0" b="0"/>
+      </a:fillRef>
+      <a:effectRef idx="0">
+        <a:scrgbClr r="0" g="0" b="0"/>
+      </a:effectRef>
+      <a:fontRef idx="minor">
+        <a:schemeClr val="lt1"/>
+      </a:fontRef>
+    </dgm:style>
+  </dgm:styleLbl>
+  <dgm:styleLbl name="node4">
+    <dgm:scene3d>
+      <a:camera prst="orthographicFront"/>
+      <a:lightRig rig="threePt" dir="t"/>
+    </dgm:scene3d>
+    <dgm:sp3d/>
+    <dgm:txPr/>
+    <dgm:style>
+      <a:lnRef idx="2">
+        <a:scrgbClr r="0" g="0" b="0"/>
+      </a:lnRef>
+      <a:fillRef idx="1">
+        <a:scrgbClr r="0" g="0" b="0"/>
+      </a:fillRef>
+      <a:effectRef idx="0">
+        <a:scrgbClr r="0" g="0" b="0"/>
+      </a:effectRef>
+      <a:fontRef idx="minor">
+        <a:schemeClr val="lt1"/>
+      </a:fontRef>
+    </dgm:style>
+  </dgm:styleLbl>
+  <dgm:styleLbl name="fgImgPlace1">
+    <dgm:scene3d>
+      <a:camera prst="orthographicFront"/>
+      <a:lightRig rig="threePt" dir="t"/>
+    </dgm:scene3d>
+    <dgm:sp3d/>
+    <dgm:txPr/>
+    <dgm:style>
+      <a:lnRef idx="2">
+        <a:scrgbClr r="0" g="0" b="0"/>
+      </a:lnRef>
+      <a:fillRef idx="1">
+        <a:scrgbClr r="0" g="0" b="0"/>
+      </a:fillRef>
+      <a:effectRef idx="0">
+        <a:scrgbClr r="0" g="0" b="0"/>
+      </a:effectRef>
+      <a:fontRef idx="minor"/>
+    </dgm:style>
+  </dgm:styleLbl>
+  <dgm:styleLbl name="alignImgPlace1">
+    <dgm:scene3d>
+      <a:camera prst="orthographicFront"/>
+      <a:lightRig rig="threePt" dir="t"/>
+    </dgm:scene3d>
+    <dgm:sp3d/>
+    <dgm:txPr/>
+    <dgm:style>
+      <a:lnRef idx="2">
+        <a:scrgbClr r="0" g="0" b="0"/>
+      </a:lnRef>
+      <a:fillRef idx="1">
+        <a:scrgbClr r="0" g="0" b="0"/>
+      </a:fillRef>
+      <a:effectRef idx="0">
+        <a:scrgbClr r="0" g="0" b="0"/>
+      </a:effectRef>
+      <a:fontRef idx="minor"/>
+    </dgm:style>
+  </dgm:styleLbl>
+  <dgm:styleLbl name="bgImgPlace1">
+    <dgm:scene3d>
+      <a:camera prst="orthographicFront"/>
+      <a:lightRig rig="threePt" dir="t"/>
+    </dgm:scene3d>
+    <dgm:sp3d/>
+    <dgm:txPr/>
+    <dgm:style>
+      <a:lnRef idx="2">
+        <a:scrgbClr r="0" g="0" b="0"/>
+      </a:lnRef>
+      <a:fillRef idx="1">
+        <a:scrgbClr r="0" g="0" b="0"/>
+      </a:fillRef>
+      <a:effectRef idx="0">
+        <a:scrgbClr r="0" g="0" b="0"/>
+      </a:effectRef>
+      <a:fontRef idx="minor"/>
+    </dgm:style>
+  </dgm:styleLbl>
+  <dgm:styleLbl name="sibTrans2D1">
+    <dgm:scene3d>
+      <a:camera prst="orthographicFront"/>
+      <a:lightRig rig="threePt" dir="t"/>
+    </dgm:scene3d>
+    <dgm:sp3d/>
+    <dgm:txPr/>
+    <dgm:style>
+      <a:lnRef idx="0">
+        <a:scrgbClr r="0" g="0" b="0"/>
+      </a:lnRef>
+      <a:fillRef idx="1">
+        <a:scrgbClr r="0" g="0" b="0"/>
+      </a:fillRef>
+      <a:effectRef idx="0">
+        <a:scrgbClr r="0" g="0" b="0"/>
+      </a:effectRef>
+      <a:fontRef idx="minor">
+        <a:schemeClr val="lt1"/>
+      </a:fontRef>
+    </dgm:style>
+  </dgm:styleLbl>
+  <dgm:styleLbl name="fgSibTrans2D1">
+    <dgm:scene3d>
+      <a:camera prst="orthographicFront"/>
+      <a:lightRig rig="threePt" dir="t"/>
+    </dgm:scene3d>
+    <dgm:sp3d/>
+    <dgm:txPr/>
+    <dgm:style>
+      <a:lnRef idx="0">
+        <a:scrgbClr r="0" g="0" b="0"/>
+      </a:lnRef>
+      <a:fillRef idx="1">
+        <a:scrgbClr r="0" g="0" b="0"/>
+      </a:fillRef>
+      <a:effectRef idx="0">
+        <a:scrgbClr r="0" g="0" b="0"/>
+      </a:effectRef>
+      <a:fontRef idx="minor">
+        <a:schemeClr val="lt1"/>
+      </a:fontRef>
+    </dgm:style>
+  </dgm:styleLbl>
+  <dgm:styleLbl name="bgSibTrans2D1">
+    <dgm:scene3d>
+      <a:camera prst="orthographicFront"/>
+      <a:lightRig rig="threePt" dir="t"/>
+    </dgm:scene3d>
+    <dgm:sp3d/>
+    <dgm:txPr/>
+    <dgm:style>
+      <a:lnRef idx="0">
+        <a:scrgbClr r="0" g="0" b="0"/>
+      </a:lnRef>
+      <a:fillRef idx="1">
+        <a:scrgbClr r="0" g="0" b="0"/>
+      </a:fillRef>
+      <a:effectRef idx="0">
+        <a:scrgbClr r="0" g="0" b="0"/>
+      </a:effectRef>
+      <a:fontRef idx="minor">
+        <a:schemeClr val="lt1"/>
+      </a:fontRef>
+    </dgm:style>
+  </dgm:styleLbl>
+  <dgm:styleLbl name="sibTrans1D1">
+    <dgm:scene3d>
+      <a:camera prst="orthographicFront"/>
+      <a:lightRig rig="threePt" dir="t"/>
+    </dgm:scene3d>
+    <dgm:sp3d/>
+    <dgm:txPr/>
+    <dgm:style>
+      <a:lnRef idx="1">
+        <a:scrgbClr r="0" g="0" b="0"/>
+      </a:lnRef>
+      <a:fillRef idx="0">
+        <a:scrgbClr r="0" g="0" b="0"/>
+      </a:fillRef>
+      <a:effectRef idx="0">
+        <a:scrgbClr r="0" g="0" b="0"/>
+      </a:effectRef>
+      <a:fontRef idx="minor"/>
+    </dgm:style>
+  </dgm:styleLbl>
+  <dgm:styleLbl name="callout">
+    <dgm:scene3d>
+      <a:camera prst="orthographicFront"/>
+      <a:lightRig rig="threePt" dir="t"/>
+    </dgm:scene3d>
+    <dgm:sp3d/>
+    <dgm:txPr/>
+    <dgm:style>
+      <a:lnRef idx="2">
+        <a:scrgbClr r="0" g="0" b="0"/>
+      </a:lnRef>
+      <a:fillRef idx="1">
+        <a:scrgbClr r="0" g="0" b="0"/>
+      </a:fillRef>
+      <a:effectRef idx="0">
+        <a:scrgbClr r="0" g="0" b="0"/>
+      </a:effectRef>
+      <a:fontRef idx="minor"/>
+    </dgm:style>
+  </dgm:styleLbl>
+  <dgm:styleLbl name="asst0">
+    <dgm:scene3d>
+      <a:camera prst="orthographicFront"/>
+      <a:lightRig rig="threePt" dir="t"/>
+    </dgm:scene3d>
+    <dgm:sp3d/>
+    <dgm:txPr/>
+    <dgm:style>
+      <a:lnRef idx="2">
+        <a:scrgbClr r="0" g="0" b="0"/>
+      </a:lnRef>
+      <a:fillRef idx="1">
+        <a:scrgbClr r="0" g="0" b="0"/>
+      </a:fillRef>
+      <a:effectRef idx="0">
+        <a:scrgbClr r="0" g="0" b="0"/>
+      </a:effectRef>
+      <a:fontRef idx="minor">
+        <a:schemeClr val="lt1"/>
+      </a:fontRef>
+    </dgm:style>
+  </dgm:styleLbl>
+  <dgm:styleLbl name="asst1">
+    <dgm:scene3d>
+      <a:camera prst="orthographicFront"/>
+      <a:lightRig rig="threePt" dir="t"/>
+    </dgm:scene3d>
+    <dgm:sp3d/>
+    <dgm:txPr/>
+    <dgm:style>
+      <a:lnRef idx="2">
+        <a:scrgbClr r="0" g="0" b="0"/>
+      </a:lnRef>
+      <a:fillRef idx="1">
+        <a:scrgbClr r="0" g="0" b="0"/>
+      </a:fillRef>
+      <a:effectRef idx="0">
+        <a:scrgbClr r="0" g="0" b="0"/>
+      </a:effectRef>
+      <a:fontRef idx="minor">
+        <a:schemeClr val="lt1"/>
+      </a:fontRef>
+    </dgm:style>
+  </dgm:styleLbl>
+  <dgm:styleLbl name="asst2">
+    <dgm:scene3d>
+      <a:camera prst="orthographicFront"/>
+      <a:lightRig rig="threePt" dir="t"/>
+    </dgm:scene3d>
+    <dgm:sp3d/>
+    <dgm:txPr/>
+    <dgm:style>
+      <a:lnRef idx="2">
+        <a:scrgbClr r="0" g="0" b="0"/>
+      </a:lnRef>
+      <a:fillRef idx="1">
+        <a:scrgbClr r="0" g="0" b="0"/>
+      </a:fillRef>
+      <a:effectRef idx="0">
+        <a:scrgbClr r="0" g="0" b="0"/>
+      </a:effectRef>
+      <a:fontRef idx="minor">
+        <a:schemeClr val="lt1"/>
+      </a:fontRef>
+    </dgm:style>
+  </dgm:styleLbl>
+  <dgm:styleLbl name="asst3">
+    <dgm:scene3d>
+      <a:camera prst="orthographicFront"/>
+      <a:lightRig rig="threePt" dir="t"/>
+    </dgm:scene3d>
+    <dgm:sp3d/>
+    <dgm:txPr/>
+    <dgm:style>
+      <a:lnRef idx="2">
+        <a:scrgbClr r="0" g="0" b="0"/>
+      </a:lnRef>
+      <a:fillRef idx="1">
+        <a:scrgbClr r="0" g="0" b="0"/>
+      </a:fillRef>
+      <a:effectRef idx="0">
+        <a:scrgbClr r="0" g="0" b="0"/>
+      </a:effectRef>
+      <a:fontRef idx="minor">
+        <a:schemeClr val="lt1"/>
+      </a:fontRef>
+    </dgm:style>
+  </dgm:styleLbl>
+  <dgm:styleLbl name="asst4">
+    <dgm:scene3d>
+      <a:camera prst="orthographicFront"/>
+      <a:lightRig rig="threePt" dir="t"/>
+    </dgm:scene3d>
+    <dgm:sp3d/>
+    <dgm:txPr/>
+    <dgm:style>
+      <a:lnRef idx="2">
+        <a:scrgbClr r="0" g="0" b="0"/>
+      </a:lnRef>
+      <a:fillRef idx="1">
+        <a:scrgbClr r="0" g="0" b="0"/>
+      </a:fillRef>
+      <a:effectRef idx="0">
+        <a:scrgbClr r="0" g="0" b="0"/>
+      </a:effectRef>
+      <a:fontRef idx="minor">
+        <a:schemeClr val="lt1"/>
+      </a:fontRef>
+    </dgm:style>
+  </dgm:styleLbl>
+  <dgm:styleLbl name="parChTrans2D1">
+    <dgm:scene3d>
+      <a:camera prst="orthographicFront"/>
+      <a:lightRig rig="threePt" dir="t"/>
+    </dgm:scene3d>
+    <dgm:sp3d/>
+    <dgm:txPr/>
+    <dgm:style>
+      <a:lnRef idx="2">
+        <a:scrgbClr r="0" g="0" b="0"/>
+      </a:lnRef>
+      <a:fillRef idx="1">
+        <a:scrgbClr r="0" g="0" b="0"/>
+      </a:fillRef>
+      <a:effectRef idx="0">
+        <a:scrgbClr r="0" g="0" b="0"/>
+      </a:effectRef>
+      <a:fontRef idx="minor">
+        <a:schemeClr val="lt1"/>
+      </a:fontRef>
+    </dgm:style>
+  </dgm:styleLbl>
+  <dgm:styleLbl name="parChTrans2D2">
+    <dgm:scene3d>
+      <a:camera prst="orthographicFront"/>
+      <a:lightRig rig="threePt" dir="t"/>
+    </dgm:scene3d>
+    <dgm:sp3d/>
+    <dgm:txPr/>
+    <dgm:style>
+      <a:lnRef idx="2">
+        <a:scrgbClr r="0" g="0" b="0"/>
+      </a:lnRef>
+      <a:fillRef idx="1">
+        <a:scrgbClr r="0" g="0" b="0"/>
+      </a:fillRef>
+      <a:effectRef idx="0">
+        <a:scrgbClr r="0" g="0" b="0"/>
+      </a:effectRef>
+      <a:fontRef idx="minor">
+        <a:schemeClr val="lt1"/>
+      </a:fontRef>
+    </dgm:style>
+  </dgm:styleLbl>
+  <dgm:styleLbl name="parChTrans2D3">
+    <dgm:scene3d>
+      <a:camera prst="orthographicFront"/>
+      <a:lightRig rig="threePt" dir="t"/>
+    </dgm:scene3d>
+    <dgm:sp3d/>
+    <dgm:txPr/>
+    <dgm:style>
+      <a:lnRef idx="2">
+        <a:scrgbClr r="0" g="0" b="0"/>
+      </a:lnRef>
+      <a:fillRef idx="1">
+        <a:scrgbClr r="0" g="0" b="0"/>
+      </a:fillRef>
+      <a:effectRef idx="0">
+        <a:scrgbClr r="0" g="0" b="0"/>
+      </a:effectRef>
+      <a:fontRef idx="minor">
+        <a:schemeClr val="lt1"/>
+      </a:fontRef>
+    </dgm:style>
+  </dgm:styleLbl>
+  <dgm:styleLbl name="parChTrans2D4">
+    <dgm:scene3d>
+      <a:camera prst="orthographicFront"/>
+      <a:lightRig rig="threePt" dir="t"/>
+    </dgm:scene3d>
+    <dgm:sp3d/>
+    <dgm:txPr/>
+    <dgm:style>
+      <a:lnRef idx="2">
+        <a:scrgbClr r="0" g="0" b="0"/>
+      </a:lnRef>
+      <a:fillRef idx="1">
+        <a:scrgbClr r="0" g="0" b="0"/>
+      </a:fillRef>
+      <a:effectRef idx="0">
+        <a:scrgbClr r="0" g="0" b="0"/>
+      </a:effectRef>
+      <a:fontRef idx="minor">
+        <a:schemeClr val="lt1"/>
+      </a:fontRef>
+    </dgm:style>
+  </dgm:styleLbl>
+  <dgm:styleLbl name="parChTrans1D1">
+    <dgm:scene3d>
+      <a:camera prst="orthographicFront"/>
+      <a:lightRig rig="threePt" dir="t"/>
+    </dgm:scene3d>
+    <dgm:sp3d/>
+    <dgm:txPr/>
+    <dgm:style>
+      <a:lnRef idx="2">
+        <a:scrgbClr r="0" g="0" b="0"/>
+      </a:lnRef>
+      <a:fillRef idx="0">
+        <a:scrgbClr r="0" g="0" b="0"/>
+      </a:fillRef>
+      <a:effectRef idx="0">
+        <a:scrgbClr r="0" g="0" b="0"/>
+      </a:effectRef>
+      <a:fontRef idx="minor"/>
+    </dgm:style>
+  </dgm:styleLbl>
+  <dgm:styleLbl name="parChTrans1D2">
+    <dgm:scene3d>
+      <a:camera prst="orthographicFront"/>
+      <a:lightRig rig="threePt" dir="t"/>
+    </dgm:scene3d>
+    <dgm:sp3d/>
+    <dgm:txPr/>
+    <dgm:style>
+      <a:lnRef idx="2">
+        <a:scrgbClr r="0" g="0" b="0"/>
+      </a:lnRef>
+      <a:fillRef idx="0">
+        <a:scrgbClr r="0" g="0" b="0"/>
+      </a:fillRef>
+      <a:effectRef idx="0">
+        <a:scrgbClr r="0" g="0" b="0"/>
+      </a:effectRef>
+      <a:fontRef idx="minor"/>
+    </dgm:style>
+  </dgm:styleLbl>
+  <dgm:styleLbl name="parChTrans1D3">
+    <dgm:scene3d>
+      <a:camera prst="orthographicFront"/>
+      <a:lightRig rig="threePt" dir="t"/>
+    </dgm:scene3d>
+    <dgm:sp3d/>
+    <dgm:txPr/>
+    <dgm:style>
+      <a:lnRef idx="2">
+        <a:scrgbClr r="0" g="0" b="0"/>
+      </a:lnRef>
+      <a:fillRef idx="0">
+        <a:scrgbClr r="0" g="0" b="0"/>
+      </a:fillRef>
+      <a:effectRef idx="0">
+        <a:scrgbClr r="0" g="0" b="0"/>
+      </a:effectRef>
+      <a:fontRef idx="minor"/>
+    </dgm:style>
+  </dgm:styleLbl>
+  <dgm:styleLbl name="parChTrans1D4">
+    <dgm:scene3d>
+      <a:camera prst="orthographicFront"/>
+      <a:lightRig rig="threePt" dir="t"/>
+    </dgm:scene3d>
+    <dgm:sp3d/>
+    <dgm:txPr/>
+    <dgm:style>
+      <a:lnRef idx="2">
+        <a:scrgbClr r="0" g="0" b="0"/>
+      </a:lnRef>
+      <a:fillRef idx="0">
+        <a:scrgbClr r="0" g="0" b="0"/>
+      </a:fillRef>
+      <a:effectRef idx="0">
+        <a:scrgbClr r="0" g="0" b="0"/>
+      </a:effectRef>
+      <a:fontRef idx="minor"/>
+    </dgm:style>
+  </dgm:styleLbl>
+  <dgm:styleLbl name="fgAcc1">
+    <dgm:scene3d>
+      <a:camera prst="orthographicFront"/>
+      <a:lightRig rig="threePt" dir="t"/>
+    </dgm:scene3d>
+    <dgm:sp3d/>
+    <dgm:txPr/>
+    <dgm:style>
+      <a:lnRef idx="2">
+        <a:scrgbClr r="0" g="0" b="0"/>
+      </a:lnRef>
+      <a:fillRef idx="1">
+        <a:scrgbClr r="0" g="0" b="0"/>
+      </a:fillRef>
+      <a:effectRef idx="0">
+        <a:scrgbClr r="0" g="0" b="0"/>
+      </a:effectRef>
+      <a:fontRef idx="minor"/>
+    </dgm:style>
+  </dgm:styleLbl>
+  <dgm:styleLbl name="conFgAcc1">
+    <dgm:scene3d>
+      <a:camera prst="orthographicFront"/>
+      <a:lightRig rig="threePt" dir="t"/>
+    </dgm:scene3d>
+    <dgm:sp3d/>
+    <dgm:txPr/>
+    <dgm:style>
+      <a:lnRef idx="2">
+        <a:scrgbClr r="0" g="0" b="0"/>
+      </a:lnRef>
+      <a:fillRef idx="1">
+        <a:scrgbClr r="0" g="0" b="0"/>
+      </a:fillRef>
+      <a:effectRef idx="0">
+        <a:scrgbClr r="0" g="0" b="0"/>
+      </a:effectRef>
+      <a:fontRef idx="minor"/>
+    </dgm:style>
+  </dgm:styleLbl>
+  <dgm:styleLbl name="alignAcc1">
+    <dgm:scene3d>
+      <a:camera prst="orthographicFront"/>
+      <a:lightRig rig="threePt" dir="t"/>
+    </dgm:scene3d>
+    <dgm:sp3d/>
+    <dgm:txPr/>
+    <dgm:style>
+      <a:lnRef idx="2">
+        <a:scrgbClr r="0" g="0" b="0"/>
+      </a:lnRef>
+      <a:fillRef idx="1">
+        <a:scrgbClr r="0" g="0" b="0"/>
+      </a:fillRef>
+      <a:effectRef idx="0">
+        <a:scrgbClr r="0" g="0" b="0"/>
+      </a:effectRef>
+      <a:fontRef idx="minor"/>
+    </dgm:style>
+  </dgm:styleLbl>
+  <dgm:styleLbl name="trAlignAcc1">
+    <dgm:scene3d>
+      <a:camera prst="orthographicFront"/>
+      <a:lightRig rig="threePt" dir="t"/>
+    </dgm:scene3d>
+    <dgm:sp3d/>
+    <dgm:txPr/>
+    <dgm:style>
+      <a:lnRef idx="1">
+        <a:scrgbClr r="0" g="0" b="0"/>
+      </a:lnRef>
+      <a:fillRef idx="1">
+        <a:scrgbClr r="0" g="0" b="0"/>
+      </a:fillRef>
+      <a:effectRef idx="0">
+        <a:scrgbClr r="0" g="0" b="0"/>
+      </a:effectRef>
+      <a:fontRef idx="minor"/>
+    </dgm:style>
+  </dgm:styleLbl>
+  <dgm:styleLbl name="bgAcc1">
+    <dgm:scene3d>
+      <a:camera prst="orthographicFront"/>
+      <a:lightRig rig="threePt" dir="t"/>
+    </dgm:scene3d>
+    <dgm:sp3d/>
+    <dgm:txPr/>
+    <dgm:style>
+      <a:lnRef idx="2">
+        <a:scrgbClr r="0" g="0" b="0"/>
+      </a:lnRef>
+      <a:fillRef idx="1">
+        <a:scrgbClr r="0" g="0" b="0"/>
+      </a:fillRef>
+      <a:effectRef idx="0">
+        <a:scrgbClr r="0" g="0" b="0"/>
+      </a:effectRef>
+      <a:fontRef idx="minor"/>
+    </dgm:style>
+  </dgm:styleLbl>
+  <dgm:styleLbl name="solidFgAcc1">
+    <dgm:scene3d>
+      <a:camera prst="orthographicFront"/>
+      <a:lightRig rig="threePt" dir="t"/>
+    </dgm:scene3d>
+    <dgm:sp3d/>
+    <dgm:txPr/>
+    <dgm:style>
+      <a:lnRef idx="2">
+        <a:scrgbClr r="0" g="0" b="0"/>
+      </a:lnRef>
+      <a:fillRef idx="1">
+        <a:scrgbClr r="0" g="0" b="0"/>
+      </a:fillRef>
+      <a:effectRef idx="0">
+        <a:scrgbClr r="0" g="0" b="0"/>
+      </a:effectRef>
+      <a:fontRef idx="minor"/>
+    </dgm:style>
+  </dgm:styleLbl>
+  <dgm:styleLbl name="solidAlignAcc1">
+    <dgm:scene3d>
+      <a:camera prst="orthographicFront"/>
+      <a:lightRig rig="threePt" dir="t"/>
+    </dgm:scene3d>
+    <dgm:sp3d/>
+    <dgm:txPr/>
+    <dgm:style>
+      <a:lnRef idx="2">
+        <a:scrgbClr r="0" g="0" b="0"/>
+      </a:lnRef>
+      <a:fillRef idx="1">
+        <a:scrgbClr r="0" g="0" b="0"/>
+      </a:fillRef>
+      <a:effectRef idx="0">
+        <a:scrgbClr r="0" g="0" b="0"/>
+      </a:effectRef>
+      <a:fontRef idx="minor"/>
+    </dgm:style>
+  </dgm:styleLbl>
+  <dgm:styleLbl name="solidBgAcc1">
+    <dgm:scene3d>
+      <a:camera prst="orthographicFront"/>
+      <a:lightRig rig="threePt" dir="t"/>
+    </dgm:scene3d>
+    <dgm:sp3d/>
+    <dgm:txPr/>
+    <dgm:style>
+      <a:lnRef idx="2">
+        <a:scrgbClr r="0" g="0" b="0"/>
+      </a:lnRef>
+      <a:fillRef idx="1">
+        <a:scrgbClr r="0" g="0" b="0"/>
+      </a:fillRef>
+      <a:effectRef idx="0">
+        <a:scrgbClr r="0" g="0" b="0"/>
+      </a:effectRef>
+      <a:fontRef idx="minor"/>
+    </dgm:style>
+  </dgm:styleLbl>
+  <dgm:styleLbl name="fgAccFollowNode1">
+    <dgm:scene3d>
+      <a:camera prst="orthographicFront"/>
+      <a:lightRig rig="threePt" dir="t"/>
+    </dgm:scene3d>
+    <dgm:sp3d/>
+    <dgm:txPr/>
+    <dgm:style>
+      <a:lnRef idx="2">
+        <a:scrgbClr r="0" g="0" b="0"/>
+      </a:lnRef>
+      <a:fillRef idx="1">
+        <a:scrgbClr r="0" g="0" b="0"/>
+      </a:fillRef>
+      <a:effectRef idx="0">
+        <a:scrgbClr r="0" g="0" b="0"/>
+      </a:effectRef>
+      <a:fontRef idx="minor"/>
+    </dgm:style>
+  </dgm:styleLbl>
+  <dgm:styleLbl name="alignAccFollowNode1">
+    <dgm:scene3d>
+      <a:camera prst="orthographicFront"/>
+      <a:lightRig rig="threePt" dir="t"/>
+    </dgm:scene3d>
+    <dgm:sp3d/>
+    <dgm:txPr/>
+    <dgm:style>
+      <a:lnRef idx="2">
+        <a:scrgbClr r="0" g="0" b="0"/>
+      </a:lnRef>
+      <a:fillRef idx="1">
+        <a:scrgbClr r="0" g="0" b="0"/>
+      </a:fillRef>
+      <a:effectRef idx="0">
+        <a:scrgbClr r="0" g="0" b="0"/>
+      </a:effectRef>
+      <a:fontRef idx="minor"/>
+    </dgm:style>
+  </dgm:styleLbl>
+  <dgm:styleLbl name="bgAccFollowNode1">
+    <dgm:scene3d>
+      <a:camera prst="orthographicFront"/>
+      <a:lightRig rig="threePt" dir="t"/>
+    </dgm:scene3d>
+    <dgm:sp3d/>
+    <dgm:txPr/>
+    <dgm:style>
+      <a:lnRef idx="2">
+        <a:scrgbClr r="0" g="0" b="0"/>
+      </a:lnRef>
+      <a:fillRef idx="1">
+        <a:scrgbClr r="0" g="0" b="0"/>
+      </a:fillRef>
+      <a:effectRef idx="0">
+        <a:scrgbClr r="0" g="0" b="0"/>
+      </a:effectRef>
+      <a:fontRef idx="minor"/>
+    </dgm:style>
+  </dgm:styleLbl>
+  <dgm:styleLbl name="fgAcc0">
+    <dgm:scene3d>
+      <a:camera prst="orthographicFront"/>
+      <a:lightRig rig="threePt" dir="t"/>
+    </dgm:scene3d>
+    <dgm:sp3d/>
+    <dgm:txPr/>
+    <dgm:style>
+      <a:lnRef idx="2">
+        <a:scrgbClr r="0" g="0" b="0"/>
+      </a:lnRef>
+      <a:fillRef idx="1">
+        <a:scrgbClr r="0" g="0" b="0"/>
+      </a:fillRef>
+      <a:effectRef idx="0">
+        <a:scrgbClr r="0" g="0" b="0"/>
+      </a:effectRef>
+      <a:fontRef idx="minor"/>
+    </dgm:style>
+  </dgm:styleLbl>
+  <dgm:styleLbl name="fgAcc2">
+    <dgm:scene3d>
+      <a:camera prst="orthographicFront"/>
+      <a:lightRig rig="threePt" dir="t"/>
+    </dgm:scene3d>
+    <dgm:sp3d/>
+    <dgm:txPr/>
+    <dgm:style>
+      <a:lnRef idx="2">
+        <a:scrgbClr r="0" g="0" b="0"/>
+      </a:lnRef>
+      <a:fillRef idx="1">
+        <a:scrgbClr r="0" g="0" b="0"/>
+      </a:fillRef>
+      <a:effectRef idx="0">
+        <a:scrgbClr r="0" g="0" b="0"/>
+      </a:effectRef>
+      <a:fontRef idx="minor"/>
+    </dgm:style>
+  </dgm:styleLbl>
+  <dgm:styleLbl name="fgAcc3">
+    <dgm:scene3d>
+      <a:camera prst="orthographicFront"/>
+      <a:lightRig rig="threePt" dir="t"/>
+    </dgm:scene3d>
+    <dgm:sp3d/>
+    <dgm:txPr/>
+    <dgm:style>
+      <a:lnRef idx="2">
+        <a:scrgbClr r="0" g="0" b="0"/>
+      </a:lnRef>
+      <a:fillRef idx="1">
+        <a:scrgbClr r="0" g="0" b="0"/>
+      </a:fillRef>
+      <a:effectRef idx="0">
+        <a:scrgbClr r="0" g="0" b="0"/>
+      </a:effectRef>
+      <a:fontRef idx="minor"/>
+    </dgm:style>
+  </dgm:styleLbl>
+  <dgm:styleLbl name="fgAcc4">
+    <dgm:scene3d>
+      <a:camera prst="orthographicFront"/>
+      <a:lightRig rig="threePt" dir="t"/>
+    </dgm:scene3d>
+    <dgm:sp3d/>
+    <dgm:txPr/>
+    <dgm:style>
+      <a:lnRef idx="2">
+        <a:scrgbClr r="0" g="0" b="0"/>
+      </a:lnRef>
+      <a:fillRef idx="1">
+        <a:scrgbClr r="0" g="0" b="0"/>
+      </a:fillRef>
+      <a:effectRef idx="0">
+        <a:scrgbClr r="0" g="0" b="0"/>
+      </a:effectRef>
+      <a:fontRef idx="minor"/>
+    </dgm:style>
+  </dgm:styleLbl>
+  <dgm:styleLbl name="bgShp">
+    <dgm:scene3d>
+      <a:camera prst="orthographicFront"/>
+      <a:lightRig rig="threePt" dir="t"/>
+    </dgm:scene3d>
+    <dgm:sp3d/>
+    <dgm:txPr/>
+    <dgm:style>
+      <a:lnRef idx="0">
+        <a:scrgbClr r="0" g="0" b="0"/>
+      </a:lnRef>
+      <a:fillRef idx="1">
+        <a:scrgbClr r="0" g="0" b="0"/>
+      </a:fillRef>
+      <a:effectRef idx="0">
+        <a:scrgbClr r="0" g="0" b="0"/>
+      </a:effectRef>
+      <a:fontRef idx="minor"/>
+    </dgm:style>
+  </dgm:styleLbl>
+  <dgm:styleLbl name="dkBgShp">
+    <dgm:scene3d>
+      <a:camera prst="orthographicFront"/>
+      <a:lightRig rig="threePt" dir="t"/>
+    </dgm:scene3d>
+    <dgm:sp3d/>
+    <dgm:txPr/>
+    <dgm:style>
+      <a:lnRef idx="0">
+        <a:scrgbClr r="0" g="0" b="0"/>
+      </a:lnRef>
+      <a:fillRef idx="1">
+        <a:scrgbClr r="0" g="0" b="0"/>
+      </a:fillRef>
+      <a:effectRef idx="0">
+        <a:scrgbClr r="0" g="0" b="0"/>
+      </a:effectRef>
+      <a:fontRef idx="minor"/>
+    </dgm:style>
+  </dgm:styleLbl>
+  <dgm:styleLbl name="trBgShp">
+    <dgm:scene3d>
+      <a:camera prst="orthographicFront"/>
+      <a:lightRig rig="threePt" dir="t"/>
+    </dgm:scene3d>
+    <dgm:sp3d/>
+    <dgm:txPr/>
+    <dgm:style>
+      <a:lnRef idx="0">
+        <a:scrgbClr r="0" g="0" b="0"/>
+      </a:lnRef>
+      <a:fillRef idx="1">
+        <a:scrgbClr r="0" g="0" b="0"/>
+      </a:fillRef>
+      <a:effectRef idx="0">
+        <a:scrgbClr r="0" g="0" b="0"/>
+      </a:effectRef>
+      <a:fontRef idx="minor"/>
+    </dgm:style>
+  </dgm:styleLbl>
+  <dgm:styleLbl name="fgShp">
+    <dgm:scene3d>
+      <a:camera prst="orthographicFront"/>
+      <a:lightRig rig="threePt" dir="t"/>
+    </dgm:scene3d>
+    <dgm:sp3d/>
+    <dgm:txPr/>
+    <dgm:style>
+      <a:lnRef idx="2">
+        <a:scrgbClr r="0" g="0" b="0"/>
+      </a:lnRef>
+      <a:fillRef idx="1">
+        <a:scrgbClr r="0" g="0" b="0"/>
+      </a:fillRef>
+      <a:effectRef idx="0">
+        <a:scrgbClr r="0" g="0" b="0"/>
+      </a:effectRef>
+      <a:fontRef idx="minor"/>
+    </dgm:style>
+  </dgm:styleLbl>
+  <dgm:styleLbl name="revTx">
+    <dgm:scene3d>
+      <a:camera prst="orthographicFront"/>
+      <a:lightRig rig="threePt" dir="t"/>
+    </dgm:scene3d>
+    <dgm:sp3d/>
+    <dgm:txPr/>
+    <dgm:style>
+      <a:lnRef idx="0">
+        <a:scrgbClr r="0" g="0" b="0"/>
+      </a:lnRef>
+      <a:fillRef idx="0">
+        <a:scrgbClr r="0" g="0" b="0"/>
+      </a:fillRef>
+      <a:effectRef idx="0">
+        <a:scrgbClr r="0" g="0" b="0"/>
+      </a:effectRef>
+      <a:fontRef idx="minor"/>
+    </dgm:style>
+  </dgm:styleLbl>
+</dgm:styleDef>
+</file>
+
+<file path=ppt/diagrams/quickStyle3.xml><?xml version="1.0" encoding="utf-8"?>
+<dgm:styleDef xmlns:dgm="http://schemas.openxmlformats.org/drawingml/2006/diagram" xmlns:a="http://schemas.openxmlformats.org/drawingml/2006/main" uniqueId="urn:microsoft.com/office/officeart/2005/8/quickstyle/simple1">
+  <dgm:title val=""/>
+  <dgm:desc val=""/>
+  <dgm:catLst>
+    <dgm:cat type="simple" pri="10100"/>
+  </dgm:catLst>
+  <dgm:scene3d>
+    <a:camera prst="orthographicFront"/>
+    <a:lightRig rig="threePt" dir="t"/>
+  </dgm:scene3d>
+  <dgm:styleLbl name="node0">
+    <dgm:scene3d>
+      <a:camera prst="orthographicFront"/>
+      <a:lightRig rig="threePt" dir="t"/>
+    </dgm:scene3d>
+    <dgm:sp3d/>
+    <dgm:txPr/>
+    <dgm:style>
+      <a:lnRef idx="2">
+        <a:scrgbClr r="0" g="0" b="0"/>
+      </a:lnRef>
+      <a:fillRef idx="1">
+        <a:scrgbClr r="0" g="0" b="0"/>
+      </a:fillRef>
+      <a:effectRef idx="0">
+        <a:scrgbClr r="0" g="0" b="0"/>
+      </a:effectRef>
+      <a:fontRef idx="minor">
+        <a:schemeClr val="lt1"/>
+      </a:fontRef>
+    </dgm:style>
+  </dgm:styleLbl>
+  <dgm:styleLbl name="lnNode1">
+    <dgm:scene3d>
+      <a:camera prst="orthographicFront"/>
+      <a:lightRig rig="threePt" dir="t"/>
+    </dgm:scene3d>
+    <dgm:sp3d/>
+    <dgm:txPr/>
+    <dgm:style>
+      <a:lnRef idx="2">
+        <a:scrgbClr r="0" g="0" b="0"/>
+      </a:lnRef>
+      <a:fillRef idx="1">
+        <a:scrgbClr r="0" g="0" b="0"/>
+      </a:fillRef>
+      <a:effectRef idx="0">
+        <a:scrgbClr r="0" g="0" b="0"/>
+      </a:effectRef>
+      <a:fontRef idx="minor">
+        <a:schemeClr val="lt1"/>
+      </a:fontRef>
+    </dgm:style>
+  </dgm:styleLbl>
+  <dgm:styleLbl name="vennNode1">
+    <dgm:scene3d>
+      <a:camera prst="orthographicFront"/>
+      <a:lightRig rig="threePt" dir="t"/>
+    </dgm:scene3d>
+    <dgm:sp3d/>
+    <dgm:txPr/>
+    <dgm:style>
+      <a:lnRef idx="2">
+        <a:scrgbClr r="0" g="0" b="0"/>
+      </a:lnRef>
+      <a:fillRef idx="1">
+        <a:scrgbClr r="0" g="0" b="0"/>
+      </a:fillRef>
+      <a:effectRef idx="0">
+        <a:scrgbClr r="0" g="0" b="0"/>
+      </a:effectRef>
+      <a:fontRef idx="minor">
+        <a:schemeClr val="tx1"/>
+      </a:fontRef>
+    </dgm:style>
+  </dgm:styleLbl>
+  <dgm:styleLbl name="alignNode1">
+    <dgm:scene3d>
+      <a:camera prst="orthographicFront"/>
+      <a:lightRig rig="threePt" dir="t"/>
+    </dgm:scene3d>
+    <dgm:sp3d/>
+    <dgm:txPr/>
+    <dgm:style>
+      <a:lnRef idx="2">
+        <a:scrgbClr r="0" g="0" b="0"/>
+      </a:lnRef>
+      <a:fillRef idx="1">
+        <a:scrgbClr r="0" g="0" b="0"/>
+      </a:fillRef>
+      <a:effectRef idx="0">
+        <a:scrgbClr r="0" g="0" b="0"/>
+      </a:effectRef>
+      <a:fontRef idx="minor">
+        <a:schemeClr val="lt1"/>
+      </a:fontRef>
+    </dgm:style>
+  </dgm:styleLbl>
+  <dgm:styleLbl name="node1">
+    <dgm:scene3d>
+      <a:camera prst="orthographicFront"/>
+      <a:lightRig rig="threePt" dir="t"/>
+    </dgm:scene3d>
+    <dgm:sp3d/>
+    <dgm:txPr/>
+    <dgm:style>
+      <a:lnRef idx="2">
+        <a:scrgbClr r="0" g="0" b="0"/>
+      </a:lnRef>
+      <a:fillRef idx="1">
+        <a:scrgbClr r="0" g="0" b="0"/>
+      </a:fillRef>
+      <a:effectRef idx="0">
+        <a:scrgbClr r="0" g="0" b="0"/>
+      </a:effectRef>
+      <a:fontRef idx="minor">
+        <a:schemeClr val="lt1"/>
+      </a:fontRef>
+    </dgm:style>
+  </dgm:styleLbl>
+  <dgm:styleLbl name="node2">
+    <dgm:scene3d>
+      <a:camera prst="orthographicFront"/>
+      <a:lightRig rig="threePt" dir="t"/>
+    </dgm:scene3d>
+    <dgm:sp3d/>
+    <dgm:txPr/>
+    <dgm:style>
+      <a:lnRef idx="2">
+        <a:scrgbClr r="0" g="0" b="0"/>
+      </a:lnRef>
+      <a:fillRef idx="1">
+        <a:scrgbClr r="0" g="0" b="0"/>
+      </a:fillRef>
+      <a:effectRef idx="0">
+        <a:scrgbClr r="0" g="0" b="0"/>
+      </a:effectRef>
+      <a:fontRef idx="minor">
+        <a:schemeClr val="lt1"/>
+      </a:fontRef>
+    </dgm:style>
+  </dgm:styleLbl>
+  <dgm:styleLbl name="node3">
+    <dgm:scene3d>
+      <a:camera prst="orthographicFront"/>
+      <a:lightRig rig="threePt" dir="t"/>
+    </dgm:scene3d>
+    <dgm:sp3d/>
+    <dgm:txPr/>
+    <dgm:style>
+      <a:lnRef idx="2">
+        <a:scrgbClr r="0" g="0" b="0"/>
+      </a:lnRef>
+      <a:fillRef idx="1">
+        <a:scrgbClr r="0" g="0" b="0"/>
+      </a:fillRef>
+      <a:effectRef idx="0">
+        <a:scrgbClr r="0" g="0" b="0"/>
+      </a:effectRef>
+      <a:fontRef idx="minor">
+        <a:schemeClr val="lt1"/>
+      </a:fontRef>
+    </dgm:style>
+  </dgm:styleLbl>
+  <dgm:styleLbl name="node4">
+    <dgm:scene3d>
+      <a:camera prst="orthographicFront"/>
+      <a:lightRig rig="threePt" dir="t"/>
+    </dgm:scene3d>
+    <dgm:sp3d/>
+    <dgm:txPr/>
+    <dgm:style>
+      <a:lnRef idx="2">
+        <a:scrgbClr r="0" g="0" b="0"/>
+      </a:lnRef>
+      <a:fillRef idx="1">
+        <a:scrgbClr r="0" g="0" b="0"/>
+      </a:fillRef>
+      <a:effectRef idx="0">
+        <a:scrgbClr r="0" g="0" b="0"/>
+      </a:effectRef>
+      <a:fontRef idx="minor">
+        <a:schemeClr val="lt1"/>
+      </a:fontRef>
+    </dgm:style>
+  </dgm:styleLbl>
+  <dgm:styleLbl name="fgImgPlace1">
+    <dgm:scene3d>
+      <a:camera prst="orthographicFront"/>
+      <a:lightRig rig="threePt" dir="t"/>
+    </dgm:scene3d>
+    <dgm:sp3d/>
+    <dgm:txPr/>
+    <dgm:style>
+      <a:lnRef idx="2">
+        <a:scrgbClr r="0" g="0" b="0"/>
+      </a:lnRef>
+      <a:fillRef idx="1">
+        <a:scrgbClr r="0" g="0" b="0"/>
+      </a:fillRef>
+      <a:effectRef idx="0">
+        <a:scrgbClr r="0" g="0" b="0"/>
+      </a:effectRef>
+      <a:fontRef idx="minor"/>
+    </dgm:style>
+  </dgm:styleLbl>
+  <dgm:styleLbl name="alignImgPlace1">
+    <dgm:scene3d>
+      <a:camera prst="orthographicFront"/>
+      <a:lightRig rig="threePt" dir="t"/>
+    </dgm:scene3d>
+    <dgm:sp3d/>
+    <dgm:txPr/>
+    <dgm:style>
+      <a:lnRef idx="2">
+        <a:scrgbClr r="0" g="0" b="0"/>
+      </a:lnRef>
+      <a:fillRef idx="1">
+        <a:scrgbClr r="0" g="0" b="0"/>
+      </a:fillRef>
+      <a:effectRef idx="0">
+        <a:scrgbClr r="0" g="0" b="0"/>
+      </a:effectRef>
+      <a:fontRef idx="minor"/>
+    </dgm:style>
+  </dgm:styleLbl>
+  <dgm:styleLbl name="bgImgPlace1">
+    <dgm:scene3d>
+      <a:camera prst="orthographicFront"/>
+      <a:lightRig rig="threePt" dir="t"/>
+    </dgm:scene3d>
+    <dgm:sp3d/>
+    <dgm:txPr/>
+    <dgm:style>
+      <a:lnRef idx="2">
+        <a:scrgbClr r="0" g="0" b="0"/>
+      </a:lnRef>
+      <a:fillRef idx="1">
+        <a:scrgbClr r="0" g="0" b="0"/>
+      </a:fillRef>
+      <a:effectRef idx="0">
+        <a:scrgbClr r="0" g="0" b="0"/>
+      </a:effectRef>
+      <a:fontRef idx="minor"/>
+    </dgm:style>
+  </dgm:styleLbl>
+  <dgm:styleLbl name="sibTrans2D1">
+    <dgm:scene3d>
+      <a:camera prst="orthographicFront"/>
+      <a:lightRig rig="threePt" dir="t"/>
+    </dgm:scene3d>
+    <dgm:sp3d/>
+    <dgm:txPr/>
+    <dgm:style>
+      <a:lnRef idx="0">
+        <a:scrgbClr r="0" g="0" b="0"/>
+      </a:lnRef>
+      <a:fillRef idx="1">
+        <a:scrgbClr r="0" g="0" b="0"/>
+      </a:fillRef>
+      <a:effectRef idx="0">
+        <a:scrgbClr r="0" g="0" b="0"/>
+      </a:effectRef>
+      <a:fontRef idx="minor">
+        <a:schemeClr val="lt1"/>
+      </a:fontRef>
+    </dgm:style>
+  </dgm:styleLbl>
+  <dgm:styleLbl name="fgSibTrans2D1">
+    <dgm:scene3d>
+      <a:camera prst="orthographicFront"/>
+      <a:lightRig rig="threePt" dir="t"/>
+    </dgm:scene3d>
+    <dgm:sp3d/>
+    <dgm:txPr/>
+    <dgm:style>
+      <a:lnRef idx="0">
+        <a:scrgbClr r="0" g="0" b="0"/>
+      </a:lnRef>
+      <a:fillRef idx="1">
+        <a:scrgbClr r="0" g="0" b="0"/>
+      </a:fillRef>
+      <a:effectRef idx="0">
+        <a:scrgbClr r="0" g="0" b="0"/>
+      </a:effectRef>
+      <a:fontRef idx="minor">
+        <a:schemeClr val="lt1"/>
+      </a:fontRef>
+    </dgm:style>
+  </dgm:styleLbl>
+  <dgm:styleLbl name="bgSibTrans2D1">
+    <dgm:scene3d>
+      <a:camera prst="orthographicFront"/>
+      <a:lightRig rig="threePt" dir="t"/>
+    </dgm:scene3d>
+    <dgm:sp3d/>
+    <dgm:txPr/>
+    <dgm:style>
+      <a:lnRef idx="0">
+        <a:scrgbClr r="0" g="0" b="0"/>
+      </a:lnRef>
+      <a:fillRef idx="1">
+        <a:scrgbClr r="0" g="0" b="0"/>
+      </a:fillRef>
+      <a:effectRef idx="0">
+        <a:scrgbClr r="0" g="0" b="0"/>
+      </a:effectRef>
+      <a:fontRef idx="minor">
+        <a:schemeClr val="lt1"/>
+      </a:fontRef>
+    </dgm:style>
+  </dgm:styleLbl>
+  <dgm:styleLbl name="sibTrans1D1">
+    <dgm:scene3d>
+      <a:camera prst="orthographicFront"/>
+      <a:lightRig rig="threePt" dir="t"/>
+    </dgm:scene3d>
+    <dgm:sp3d/>
+    <dgm:txPr/>
+    <dgm:style>
+      <a:lnRef idx="1">
+        <a:scrgbClr r="0" g="0" b="0"/>
+      </a:lnRef>
+      <a:fillRef idx="0">
+        <a:scrgbClr r="0" g="0" b="0"/>
+      </a:fillRef>
+      <a:effectRef idx="0">
+        <a:scrgbClr r="0" g="0" b="0"/>
+      </a:effectRef>
+      <a:fontRef idx="minor"/>
+    </dgm:style>
+  </dgm:styleLbl>
+  <dgm:styleLbl name="callout">
+    <dgm:scene3d>
+      <a:camera prst="orthographicFront"/>
+      <a:lightRig rig="threePt" dir="t"/>
+    </dgm:scene3d>
+    <dgm:sp3d/>
+    <dgm:txPr/>
+    <dgm:style>
+      <a:lnRef idx="2">
+        <a:scrgbClr r="0" g="0" b="0"/>
+      </a:lnRef>
+      <a:fillRef idx="1">
+        <a:scrgbClr r="0" g="0" b="0"/>
+      </a:fillRef>
+      <a:effectRef idx="0">
+        <a:scrgbClr r="0" g="0" b="0"/>
+      </a:effectRef>
+      <a:fontRef idx="minor"/>
+    </dgm:style>
+  </dgm:styleLbl>
+  <dgm:styleLbl name="asst0">
+    <dgm:scene3d>
+      <a:camera prst="orthographicFront"/>
+      <a:lightRig rig="threePt" dir="t"/>
+    </dgm:scene3d>
+    <dgm:sp3d/>
+    <dgm:txPr/>
+    <dgm:style>
+      <a:lnRef idx="2">
+        <a:scrgbClr r="0" g="0" b="0"/>
+      </a:lnRef>
+      <a:fillRef idx="1">
+        <a:scrgbClr r="0" g="0" b="0"/>
+      </a:fillRef>
+      <a:effectRef idx="0">
+        <a:scrgbClr r="0" g="0" b="0"/>
+      </a:effectRef>
+      <a:fontRef idx="minor">
+        <a:schemeClr val="lt1"/>
+      </a:fontRef>
+    </dgm:style>
+  </dgm:styleLbl>
+  <dgm:styleLbl name="asst1">
+    <dgm:scene3d>
+      <a:camera prst="orthographicFront"/>
+      <a:lightRig rig="threePt" dir="t"/>
+    </dgm:scene3d>
+    <dgm:sp3d/>
+    <dgm:txPr/>
+    <dgm:style>
+      <a:lnRef idx="2">
+        <a:scrgbClr r="0" g="0" b="0"/>
+      </a:lnRef>
+      <a:fillRef idx="1">
+        <a:scrgbClr r="0" g="0" b="0"/>
+      </a:fillRef>
+      <a:effectRef idx="0">
+        <a:scrgbClr r="0" g="0" b="0"/>
+      </a:effectRef>
+      <a:fontRef idx="minor">
+        <a:schemeClr val="lt1"/>
+      </a:fontRef>
+    </dgm:style>
+  </dgm:styleLbl>
+  <dgm:styleLbl name="asst2">
+    <dgm:scene3d>
+      <a:camera prst="orthographicFront"/>
+      <a:lightRig rig="threePt" dir="t"/>
+    </dgm:scene3d>
+    <dgm:sp3d/>
+    <dgm:txPr/>
+    <dgm:style>
+      <a:lnRef idx="2">
+        <a:scrgbClr r="0" g="0" b="0"/>
+      </a:lnRef>
+      <a:fillRef idx="1">
+        <a:scrgbClr r="0" g="0" b="0"/>
+      </a:fillRef>
+      <a:effectRef idx="0">
+        <a:scrgbClr r="0" g="0" b="0"/>
+      </a:effectRef>
+      <a:fontRef idx="minor">
+        <a:schemeClr val="lt1"/>
+      </a:fontRef>
+    </dgm:style>
+  </dgm:styleLbl>
+  <dgm:styleLbl name="asst3">
+    <dgm:scene3d>
+      <a:camera prst="orthographicFront"/>
+      <a:lightRig rig="threePt" dir="t"/>
+    </dgm:scene3d>
+    <dgm:sp3d/>
+    <dgm:txPr/>
+    <dgm:style>
+      <a:lnRef idx="2">
+        <a:scrgbClr r="0" g="0" b="0"/>
+      </a:lnRef>
+      <a:fillRef idx="1">
+        <a:scrgbClr r="0" g="0" b="0"/>
+      </a:fillRef>
+      <a:effectRef idx="0">
+        <a:scrgbClr r="0" g="0" b="0"/>
+      </a:effectRef>
+      <a:fontRef idx="minor">
+        <a:schemeClr val="lt1"/>
+      </a:fontRef>
+    </dgm:style>
+  </dgm:styleLbl>
+  <dgm:styleLbl name="asst4">
+    <dgm:scene3d>
+      <a:camera prst="orthographicFront"/>
+      <a:lightRig rig="threePt" dir="t"/>
+    </dgm:scene3d>
+    <dgm:sp3d/>
+    <dgm:txPr/>
+    <dgm:style>
+      <a:lnRef idx="2">
+        <a:scrgbClr r="0" g="0" b="0"/>
+      </a:lnRef>
+      <a:fillRef idx="1">
+        <a:scrgbClr r="0" g="0" b="0"/>
+      </a:fillRef>
+      <a:effectRef idx="0">
+        <a:scrgbClr r="0" g="0" b="0"/>
+      </a:effectRef>
+      <a:fontRef idx="minor">
+        <a:schemeClr val="lt1"/>
+      </a:fontRef>
+    </dgm:style>
+  </dgm:styleLbl>
+  <dgm:styleLbl name="parChTrans2D1">
+    <dgm:scene3d>
+      <a:camera prst="orthographicFront"/>
+      <a:lightRig rig="threePt" dir="t"/>
+    </dgm:scene3d>
+    <dgm:sp3d/>
+    <dgm:txPr/>
+    <dgm:style>
+      <a:lnRef idx="2">
+        <a:scrgbClr r="0" g="0" b="0"/>
+      </a:lnRef>
+      <a:fillRef idx="1">
+        <a:scrgbClr r="0" g="0" b="0"/>
+      </a:fillRef>
+      <a:effectRef idx="0">
+        <a:scrgbClr r="0" g="0" b="0"/>
+      </a:effectRef>
+      <a:fontRef idx="minor">
+        <a:schemeClr val="lt1"/>
+      </a:fontRef>
+    </dgm:style>
+  </dgm:styleLbl>
+  <dgm:styleLbl name="parChTrans2D2">
+    <dgm:scene3d>
+      <a:camera prst="orthographicFront"/>
+      <a:lightRig rig="threePt" dir="t"/>
+    </dgm:scene3d>
+    <dgm:sp3d/>
+    <dgm:txPr/>
+    <dgm:style>
+      <a:lnRef idx="2">
+        <a:scrgbClr r="0" g="0" b="0"/>
+      </a:lnRef>
+      <a:fillRef idx="1">
+        <a:scrgbClr r="0" g="0" b="0"/>
+      </a:fillRef>
+      <a:effectRef idx="0">
+        <a:scrgbClr r="0" g="0" b="0"/>
+      </a:effectRef>
+      <a:fontRef idx="minor">
+        <a:schemeClr val="lt1"/>
+      </a:fontRef>
+    </dgm:style>
+  </dgm:styleLbl>
+  <dgm:styleLbl name="parChTrans2D3">
+    <dgm:scene3d>
+      <a:camera prst="orthographicFront"/>
+      <a:lightRig rig="threePt" dir="t"/>
+    </dgm:scene3d>
+    <dgm:sp3d/>
+    <dgm:txPr/>
+    <dgm:style>
+      <a:lnRef idx="2">
+        <a:scrgbClr r="0" g="0" b="0"/>
+      </a:lnRef>
+      <a:fillRef idx="1">
+        <a:scrgbClr r="0" g="0" b="0"/>
+      </a:fillRef>
+      <a:effectRef idx="0">
+        <a:scrgbClr r="0" g="0" b="0"/>
+      </a:effectRef>
+      <a:fontRef idx="minor">
+        <a:schemeClr val="lt1"/>
+      </a:fontRef>
+    </dgm:style>
+  </dgm:styleLbl>
+  <dgm:styleLbl name="parChTrans2D4">
+    <dgm:scene3d>
+      <a:camera prst="orthographicFront"/>
+      <a:lightRig rig="threePt" dir="t"/>
+    </dgm:scene3d>
+    <dgm:sp3d/>
+    <dgm:txPr/>
+    <dgm:style>
+      <a:lnRef idx="2">
+        <a:scrgbClr r="0" g="0" b="0"/>
+      </a:lnRef>
+      <a:fillRef idx="1">
+        <a:scrgbClr r="0" g="0" b="0"/>
+      </a:fillRef>
+      <a:effectRef idx="0">
+        <a:scrgbClr r="0" g="0" b="0"/>
+      </a:effectRef>
+      <a:fontRef idx="minor">
+        <a:schemeClr val="lt1"/>
+      </a:fontRef>
+    </dgm:style>
+  </dgm:styleLbl>
+  <dgm:styleLbl name="parChTrans1D1">
+    <dgm:scene3d>
+      <a:camera prst="orthographicFront"/>
+      <a:lightRig rig="threePt" dir="t"/>
+    </dgm:scene3d>
+    <dgm:sp3d/>
+    <dgm:txPr/>
+    <dgm:style>
+      <a:lnRef idx="2">
+        <a:scrgbClr r="0" g="0" b="0"/>
+      </a:lnRef>
+      <a:fillRef idx="0">
+        <a:scrgbClr r="0" g="0" b="0"/>
+      </a:fillRef>
+      <a:effectRef idx="0">
+        <a:scrgbClr r="0" g="0" b="0"/>
+      </a:effectRef>
+      <a:fontRef idx="minor"/>
+    </dgm:style>
+  </dgm:styleLbl>
+  <dgm:styleLbl name="parChTrans1D2">
+    <dgm:scene3d>
+      <a:camera prst="orthographicFront"/>
+      <a:lightRig rig="threePt" dir="t"/>
+    </dgm:scene3d>
+    <dgm:sp3d/>
+    <dgm:txPr/>
+    <dgm:style>
+      <a:lnRef idx="2">
+        <a:scrgbClr r="0" g="0" b="0"/>
+      </a:lnRef>
+      <a:fillRef idx="0">
+        <a:scrgbClr r="0" g="0" b="0"/>
+      </a:fillRef>
+      <a:effectRef idx="0">
+        <a:scrgbClr r="0" g="0" b="0"/>
+      </a:effectRef>
+      <a:fontRef idx="minor"/>
+    </dgm:style>
+  </dgm:styleLbl>
+  <dgm:styleLbl name="parChTrans1D3">
+    <dgm:scene3d>
+      <a:camera prst="orthographicFront"/>
+      <a:lightRig rig="threePt" dir="t"/>
+    </dgm:scene3d>
+    <dgm:sp3d/>
+    <dgm:txPr/>
+    <dgm:style>
+      <a:lnRef idx="2">
+        <a:scrgbClr r="0" g="0" b="0"/>
+      </a:lnRef>
+      <a:fillRef idx="0">
+        <a:scrgbClr r="0" g="0" b="0"/>
+      </a:fillRef>
+      <a:effectRef idx="0">
+        <a:scrgbClr r="0" g="0" b="0"/>
+      </a:effectRef>
+      <a:fontRef idx="minor"/>
+    </dgm:style>
+  </dgm:styleLbl>
+  <dgm:styleLbl name="parChTrans1D4">
+    <dgm:scene3d>
+      <a:camera prst="orthographicFront"/>
+      <a:lightRig rig="threePt" dir="t"/>
+    </dgm:scene3d>
+    <dgm:sp3d/>
+    <dgm:txPr/>
+    <dgm:style>
+      <a:lnRef idx="2">
+        <a:scrgbClr r="0" g="0" b="0"/>
+      </a:lnRef>
+      <a:fillRef idx="0">
+        <a:scrgbClr r="0" g="0" b="0"/>
+      </a:fillRef>
+      <a:effectRef idx="0">
+        <a:scrgbClr r="0" g="0" b="0"/>
+      </a:effectRef>
+      <a:fontRef idx="minor"/>
+    </dgm:style>
+  </dgm:styleLbl>
+  <dgm:styleLbl name="fgAcc1">
+    <dgm:scene3d>
+      <a:camera prst="orthographicFront"/>
+      <a:lightRig rig="threePt" dir="t"/>
+    </dgm:scene3d>
+    <dgm:sp3d/>
+    <dgm:txPr/>
+    <dgm:style>
+      <a:lnRef idx="2">
+        <a:scrgbClr r="0" g="0" b="0"/>
+      </a:lnRef>
+      <a:fillRef idx="1">
+        <a:scrgbClr r="0" g="0" b="0"/>
+      </a:fillRef>
+      <a:effectRef idx="0">
+        <a:scrgbClr r="0" g="0" b="0"/>
+      </a:effectRef>
+      <a:fontRef idx="minor"/>
+    </dgm:style>
+  </dgm:styleLbl>
+  <dgm:styleLbl name="conFgAcc1">
+    <dgm:scene3d>
+      <a:camera prst="orthographicFront"/>
+      <a:lightRig rig="threePt" dir="t"/>
+    </dgm:scene3d>
+    <dgm:sp3d/>
+    <dgm:txPr/>
+    <dgm:style>
+      <a:lnRef idx="2">
+        <a:scrgbClr r="0" g="0" b="0"/>
+      </a:lnRef>
+      <a:fillRef idx="1">
+        <a:scrgbClr r="0" g="0" b="0"/>
+      </a:fillRef>
+      <a:effectRef idx="0">
+        <a:scrgbClr r="0" g="0" b="0"/>
+      </a:effectRef>
+      <a:fontRef idx="minor"/>
+    </dgm:style>
+  </dgm:styleLbl>
+  <dgm:styleLbl name="alignAcc1">
+    <dgm:scene3d>
+      <a:camera prst="orthographicFront"/>
+      <a:lightRig rig="threePt" dir="t"/>
+    </dgm:scene3d>
+    <dgm:sp3d/>
+    <dgm:txPr/>
+    <dgm:style>
+      <a:lnRef idx="2">
+        <a:scrgbClr r="0" g="0" b="0"/>
+      </a:lnRef>
+      <a:fillRef idx="1">
+        <a:scrgbClr r="0" g="0" b="0"/>
+      </a:fillRef>
+      <a:effectRef idx="0">
+        <a:scrgbClr r="0" g="0" b="0"/>
+      </a:effectRef>
+      <a:fontRef idx="minor"/>
+    </dgm:style>
+  </dgm:styleLbl>
+  <dgm:styleLbl name="trAlignAcc1">
+    <dgm:scene3d>
+      <a:camera prst="orthographicFront"/>
+      <a:lightRig rig="threePt" dir="t"/>
+    </dgm:scene3d>
+    <dgm:sp3d/>
+    <dgm:txPr/>
+    <dgm:style>
+      <a:lnRef idx="1">
+        <a:scrgbClr r="0" g="0" b="0"/>
+      </a:lnRef>
+      <a:fillRef idx="1">
+        <a:scrgbClr r="0" g="0" b="0"/>
+      </a:fillRef>
+      <a:effectRef idx="0">
+        <a:scrgbClr r="0" g="0" b="0"/>
+      </a:effectRef>
+      <a:fontRef idx="minor"/>
+    </dgm:style>
+  </dgm:styleLbl>
+  <dgm:styleLbl name="bgAcc1">
+    <dgm:scene3d>
+      <a:camera prst="orthographicFront"/>
+      <a:lightRig rig="threePt" dir="t"/>
+    </dgm:scene3d>
+    <dgm:sp3d/>
+    <dgm:txPr/>
+    <dgm:style>
+      <a:lnRef idx="2">
+        <a:scrgbClr r="0" g="0" b="0"/>
+      </a:lnRef>
+      <a:fillRef idx="1">
+        <a:scrgbClr r="0" g="0" b="0"/>
+      </a:fillRef>
+      <a:effectRef idx="0">
+        <a:scrgbClr r="0" g="0" b="0"/>
+      </a:effectRef>
+      <a:fontRef idx="minor"/>
+    </dgm:style>
+  </dgm:styleLbl>
+  <dgm:styleLbl name="solidFgAcc1">
+    <dgm:scene3d>
+      <a:camera prst="orthographicFront"/>
+      <a:lightRig rig="threePt" dir="t"/>
+    </dgm:scene3d>
+    <dgm:sp3d/>
+    <dgm:txPr/>
+    <dgm:style>
+      <a:lnRef idx="2">
+        <a:scrgbClr r="0" g="0" b="0"/>
+      </a:lnRef>
+      <a:fillRef idx="1">
+        <a:scrgbClr r="0" g="0" b="0"/>
+      </a:fillRef>
+      <a:effectRef idx="0">
+        <a:scrgbClr r="0" g="0" b="0"/>
+      </a:effectRef>
+      <a:fontRef idx="minor"/>
+    </dgm:style>
+  </dgm:styleLbl>
+  <dgm:styleLbl name="solidAlignAcc1">
+    <dgm:scene3d>
+      <a:camera prst="orthographicFront"/>
+      <a:lightRig rig="threePt" dir="t"/>
+    </dgm:scene3d>
+    <dgm:sp3d/>
+    <dgm:txPr/>
+    <dgm:style>
+      <a:lnRef idx="2">
+        <a:scrgbClr r="0" g="0" b="0"/>
+      </a:lnRef>
+      <a:fillRef idx="1">
+        <a:scrgbClr r="0" g="0" b="0"/>
+      </a:fillRef>
+      <a:effectRef idx="0">
+        <a:scrgbClr r="0" g="0" b="0"/>
+      </a:effectRef>
+      <a:fontRef idx="minor"/>
+    </dgm:style>
+  </dgm:styleLbl>
+  <dgm:styleLbl name="solidBgAcc1">
+    <dgm:scene3d>
+      <a:camera prst="orthographicFront"/>
+      <a:lightRig rig="threePt" dir="t"/>
+    </dgm:scene3d>
+    <dgm:sp3d/>
+    <dgm:txPr/>
+    <dgm:style>
+      <a:lnRef idx="2">
+        <a:scrgbClr r="0" g="0" b="0"/>
+      </a:lnRef>
+      <a:fillRef idx="1">
+        <a:scrgbClr r="0" g="0" b="0"/>
+      </a:fillRef>
+      <a:effectRef idx="0">
+        <a:scrgbClr r="0" g="0" b="0"/>
+      </a:effectRef>
+      <a:fontRef idx="minor"/>
+    </dgm:style>
+  </dgm:styleLbl>
+  <dgm:styleLbl name="fgAccFollowNode1">
+    <dgm:scene3d>
+      <a:camera prst="orthographicFront"/>
+      <a:lightRig rig="threePt" dir="t"/>
+    </dgm:scene3d>
+    <dgm:sp3d/>
+    <dgm:txPr/>
+    <dgm:style>
+      <a:lnRef idx="2">
+        <a:scrgbClr r="0" g="0" b="0"/>
+      </a:lnRef>
+      <a:fillRef idx="1">
+        <a:scrgbClr r="0" g="0" b="0"/>
+      </a:fillRef>
+      <a:effectRef idx="0">
+        <a:scrgbClr r="0" g="0" b="0"/>
+      </a:effectRef>
+      <a:fontRef idx="minor"/>
+    </dgm:style>
+  </dgm:styleLbl>
+  <dgm:styleLbl name="alignAccFollowNode1">
+    <dgm:scene3d>
+      <a:camera prst="orthographicFront"/>
+      <a:lightRig rig="threePt" dir="t"/>
+    </dgm:scene3d>
+    <dgm:sp3d/>
+    <dgm:txPr/>
+    <dgm:style>
+      <a:lnRef idx="2">
+        <a:scrgbClr r="0" g="0" b="0"/>
+      </a:lnRef>
+      <a:fillRef idx="1">
+        <a:scrgbClr r="0" g="0" b="0"/>
+      </a:fillRef>
+      <a:effectRef idx="0">
+        <a:scrgbClr r="0" g="0" b="0"/>
+      </a:effectRef>
+      <a:fontRef idx="minor"/>
+    </dgm:style>
+  </dgm:styleLbl>
+  <dgm:styleLbl name="bgAccFollowNode1">
+    <dgm:scene3d>
+      <a:camera prst="orthographicFront"/>
+      <a:lightRig rig="threePt" dir="t"/>
+    </dgm:scene3d>
+    <dgm:sp3d/>
+    <dgm:txPr/>
+    <dgm:style>
+      <a:lnRef idx="2">
+        <a:scrgbClr r="0" g="0" b="0"/>
+      </a:lnRef>
+      <a:fillRef idx="1">
+        <a:scrgbClr r="0" g="0" b="0"/>
+      </a:fillRef>
+      <a:effectRef idx="0">
+        <a:scrgbClr r="0" g="0" b="0"/>
+      </a:effectRef>
+      <a:fontRef idx="minor"/>
+    </dgm:style>
+  </dgm:styleLbl>
+  <dgm:styleLbl name="fgAcc0">
+    <dgm:scene3d>
+      <a:camera prst="orthographicFront"/>
+      <a:lightRig rig="threePt" dir="t"/>
+    </dgm:scene3d>
+    <dgm:sp3d/>
+    <dgm:txPr/>
+    <dgm:style>
+      <a:lnRef idx="2">
+        <a:scrgbClr r="0" g="0" b="0"/>
+      </a:lnRef>
+      <a:fillRef idx="1">
+        <a:scrgbClr r="0" g="0" b="0"/>
+      </a:fillRef>
+      <a:effectRef idx="0">
+        <a:scrgbClr r="0" g="0" b="0"/>
+      </a:effectRef>
+      <a:fontRef idx="minor"/>
+    </dgm:style>
+  </dgm:styleLbl>
+  <dgm:styleLbl name="fgAcc2">
+    <dgm:scene3d>
+      <a:camera prst="orthographicFront"/>
+      <a:lightRig rig="threePt" dir="t"/>
+    </dgm:scene3d>
+    <dgm:sp3d/>
+    <dgm:txPr/>
+    <dgm:style>
+      <a:lnRef idx="2">
+        <a:scrgbClr r="0" g="0" b="0"/>
+      </a:lnRef>
+      <a:fillRef idx="1">
+        <a:scrgbClr r="0" g="0" b="0"/>
+      </a:fillRef>
+      <a:effectRef idx="0">
+        <a:scrgbClr r="0" g="0" b="0"/>
+      </a:effectRef>
+      <a:fontRef idx="minor"/>
+    </dgm:style>
+  </dgm:styleLbl>
+  <dgm:styleLbl name="fgAcc3">
+    <dgm:scene3d>
+      <a:camera prst="orthographicFront"/>
+      <a:lightRig rig="threePt" dir="t"/>
+    </dgm:scene3d>
+    <dgm:sp3d/>
+    <dgm:txPr/>
+    <dgm:style>
+      <a:lnRef idx="2">
+        <a:scrgbClr r="0" g="0" b="0"/>
+      </a:lnRef>
+      <a:fillRef idx="1">
+        <a:scrgbClr r="0" g="0" b="0"/>
+      </a:fillRef>
+      <a:effectRef idx="0">
+        <a:scrgbClr r="0" g="0" b="0"/>
+      </a:effectRef>
+      <a:fontRef idx="minor"/>
+    </dgm:style>
+  </dgm:styleLbl>
+  <dgm:styleLbl name="fgAcc4">
+    <dgm:scene3d>
+      <a:camera prst="orthographicFront"/>
+      <a:lightRig rig="threePt" dir="t"/>
+    </dgm:scene3d>
+    <dgm:sp3d/>
+    <dgm:txPr/>
+    <dgm:style>
+      <a:lnRef idx="2">
+        <a:scrgbClr r="0" g="0" b="0"/>
+      </a:lnRef>
+      <a:fillRef idx="1">
+        <a:scrgbClr r="0" g="0" b="0"/>
+      </a:fillRef>
+      <a:effectRef idx="0">
+        <a:scrgbClr r="0" g="0" b="0"/>
+      </a:effectRef>
+      <a:fontRef idx="minor"/>
+    </dgm:style>
+  </dgm:styleLbl>
+  <dgm:styleLbl name="bgShp">
+    <dgm:scene3d>
+      <a:camera prst="orthographicFront"/>
+      <a:lightRig rig="threePt" dir="t"/>
+    </dgm:scene3d>
+    <dgm:sp3d/>
+    <dgm:txPr/>
+    <dgm:style>
+      <a:lnRef idx="0">
+        <a:scrgbClr r="0" g="0" b="0"/>
+      </a:lnRef>
+      <a:fillRef idx="1">
+        <a:scrgbClr r="0" g="0" b="0"/>
+      </a:fillRef>
+      <a:effectRef idx="0">
+        <a:scrgbClr r="0" g="0" b="0"/>
+      </a:effectRef>
+      <a:fontRef idx="minor"/>
+    </dgm:style>
+  </dgm:styleLbl>
+  <dgm:styleLbl name="dkBgShp">
+    <dgm:scene3d>
+      <a:camera prst="orthographicFront"/>
+      <a:lightRig rig="threePt" dir="t"/>
+    </dgm:scene3d>
+    <dgm:sp3d/>
+    <dgm:txPr/>
+    <dgm:style>
+      <a:lnRef idx="0">
+        <a:scrgbClr r="0" g="0" b="0"/>
+      </a:lnRef>
+      <a:fillRef idx="1">
+        <a:scrgbClr r="0" g="0" b="0"/>
+      </a:fillRef>
+      <a:effectRef idx="0">
+        <a:scrgbClr r="0" g="0" b="0"/>
+      </a:effectRef>
+      <a:fontRef idx="minor"/>
+    </dgm:style>
+  </dgm:styleLbl>
+  <dgm:styleLbl name="trBgShp">
+    <dgm:scene3d>
+      <a:camera prst="orthographicFront"/>
+      <a:lightRig rig="threePt" dir="t"/>
+    </dgm:scene3d>
+    <dgm:sp3d/>
+    <dgm:txPr/>
+    <dgm:style>
+      <a:lnRef idx="0">
+        <a:scrgbClr r="0" g="0" b="0"/>
+      </a:lnRef>
+      <a:fillRef idx="1">
+        <a:scrgbClr r="0" g="0" b="0"/>
+      </a:fillRef>
+      <a:effectRef idx="0">
+        <a:scrgbClr r="0" g="0" b="0"/>
+      </a:effectRef>
+      <a:fontRef idx="minor"/>
+    </dgm:style>
+  </dgm:styleLbl>
+  <dgm:styleLbl name="fgShp">
+    <dgm:scene3d>
+      <a:camera prst="orthographicFront"/>
+      <a:lightRig rig="threePt" dir="t"/>
+    </dgm:scene3d>
+    <dgm:sp3d/>
+    <dgm:txPr/>
+    <dgm:style>
+      <a:lnRef idx="2">
+        <a:scrgbClr r="0" g="0" b="0"/>
+      </a:lnRef>
+      <a:fillRef idx="1">
+        <a:scrgbClr r="0" g="0" b="0"/>
+      </a:fillRef>
+      <a:effectRef idx="0">
+        <a:scrgbClr r="0" g="0" b="0"/>
+      </a:effectRef>
+      <a:fontRef idx="minor"/>
+    </dgm:style>
+  </dgm:styleLbl>
+  <dgm:styleLbl name="revTx">
+    <dgm:scene3d>
+      <a:camera prst="orthographicFront"/>
+      <a:lightRig rig="threePt" dir="t"/>
+    </dgm:scene3d>
+    <dgm:sp3d/>
+    <dgm:txPr/>
+    <dgm:style>
+      <a:lnRef idx="0">
+        <a:scrgbClr r="0" g="0" b="0"/>
+      </a:lnRef>
+      <a:fillRef idx="0">
+        <a:scrgbClr r="0" g="0" b="0"/>
+      </a:fillRef>
+      <a:effectRef idx="0">
+        <a:scrgbClr r="0" g="0" b="0"/>
+      </a:effectRef>
+      <a:fontRef idx="minor"/>
+    </dgm:style>
+  </dgm:styleLbl>
+</dgm:styleDef>
+</file>
+
 <file path=ppt/slideLayouts/slideLayout1.xml><?xml version="1.0" encoding="utf-8"?>
 <p:sldLayout xmlns:a="http://schemas.openxmlformats.org/drawingml/2006/main" xmlns:r="http://schemas.openxmlformats.org/officeDocument/2006/relationships" xmlns:p="http://schemas.openxmlformats.org/presentationml/2006/main" type="title" preserve="1">
   <p:cSld name="Titelfolie">
@@ -3257,7 +9277,7 @@
           <a:p>
             <a:fld id="{6859130F-469B-4762-B559-8783162EE909}" type="datetimeFigureOut">
               <a:rPr lang="de-DE" smtClean="0"/>
-              <a:t>05.03.2024</a:t>
+              <a:t>27.05.2024</a:t>
             </a:fld>
             <a:endParaRPr lang="de-DE"/>
           </a:p>
@@ -3455,7 +9475,7 @@
           <a:p>
             <a:fld id="{6859130F-469B-4762-B559-8783162EE909}" type="datetimeFigureOut">
               <a:rPr lang="de-DE" smtClean="0"/>
-              <a:t>05.03.2024</a:t>
+              <a:t>27.05.2024</a:t>
             </a:fld>
             <a:endParaRPr lang="de-DE"/>
           </a:p>
@@ -3663,7 +9683,7 @@
           <a:p>
             <a:fld id="{6859130F-469B-4762-B559-8783162EE909}" type="datetimeFigureOut">
               <a:rPr lang="de-DE" smtClean="0"/>
-              <a:t>05.03.2024</a:t>
+              <a:t>27.05.2024</a:t>
             </a:fld>
             <a:endParaRPr lang="de-DE"/>
           </a:p>
@@ -3861,7 +9881,7 @@
           <a:p>
             <a:fld id="{6859130F-469B-4762-B559-8783162EE909}" type="datetimeFigureOut">
               <a:rPr lang="de-DE" smtClean="0"/>
-              <a:t>05.03.2024</a:t>
+              <a:t>27.05.2024</a:t>
             </a:fld>
             <a:endParaRPr lang="de-DE"/>
           </a:p>
@@ -4136,7 +10156,7 @@
           <a:p>
             <a:fld id="{6859130F-469B-4762-B559-8783162EE909}" type="datetimeFigureOut">
               <a:rPr lang="de-DE" smtClean="0"/>
-              <a:t>05.03.2024</a:t>
+              <a:t>27.05.2024</a:t>
             </a:fld>
             <a:endParaRPr lang="de-DE"/>
           </a:p>
@@ -4401,7 +10421,7 @@
           <a:p>
             <a:fld id="{6859130F-469B-4762-B559-8783162EE909}" type="datetimeFigureOut">
               <a:rPr lang="de-DE" smtClean="0"/>
-              <a:t>05.03.2024</a:t>
+              <a:t>27.05.2024</a:t>
             </a:fld>
             <a:endParaRPr lang="de-DE"/>
           </a:p>
@@ -4813,7 +10833,7 @@
           <a:p>
             <a:fld id="{6859130F-469B-4762-B559-8783162EE909}" type="datetimeFigureOut">
               <a:rPr lang="de-DE" smtClean="0"/>
-              <a:t>05.03.2024</a:t>
+              <a:t>27.05.2024</a:t>
             </a:fld>
             <a:endParaRPr lang="de-DE"/>
           </a:p>
@@ -4954,7 +10974,7 @@
           <a:p>
             <a:fld id="{6859130F-469B-4762-B559-8783162EE909}" type="datetimeFigureOut">
               <a:rPr lang="de-DE" smtClean="0"/>
-              <a:t>05.03.2024</a:t>
+              <a:t>27.05.2024</a:t>
             </a:fld>
             <a:endParaRPr lang="de-DE"/>
           </a:p>
@@ -5067,7 +11087,7 @@
           <a:p>
             <a:fld id="{6859130F-469B-4762-B559-8783162EE909}" type="datetimeFigureOut">
               <a:rPr lang="de-DE" smtClean="0"/>
-              <a:t>05.03.2024</a:t>
+              <a:t>27.05.2024</a:t>
             </a:fld>
             <a:endParaRPr lang="de-DE"/>
           </a:p>
@@ -5378,7 +11398,7 @@
           <a:p>
             <a:fld id="{6859130F-469B-4762-B559-8783162EE909}" type="datetimeFigureOut">
               <a:rPr lang="de-DE" smtClean="0"/>
-              <a:t>05.03.2024</a:t>
+              <a:t>27.05.2024</a:t>
             </a:fld>
             <a:endParaRPr lang="de-DE"/>
           </a:p>
@@ -5666,7 +11686,7 @@
           <a:p>
             <a:fld id="{6859130F-469B-4762-B559-8783162EE909}" type="datetimeFigureOut">
               <a:rPr lang="de-DE" smtClean="0"/>
-              <a:t>05.03.2024</a:t>
+              <a:t>27.05.2024</a:t>
             </a:fld>
             <a:endParaRPr lang="de-DE"/>
           </a:p>
@@ -5907,7 +11927,7 @@
           <a:p>
             <a:fld id="{6859130F-469B-4762-B559-8783162EE909}" type="datetimeFigureOut">
               <a:rPr lang="de-DE" smtClean="0"/>
-              <a:t>05.03.2024</a:t>
+              <a:t>27.05.2024</a:t>
             </a:fld>
             <a:endParaRPr lang="de-DE"/>
           </a:p>
@@ -6541,6 +12561,500 @@
 </p:sld>
 </file>
 
+<file path=ppt/slides/slide2.xml><?xml version="1.0" encoding="utf-8"?>
+<p:sld xmlns:a="http://schemas.openxmlformats.org/drawingml/2006/main" xmlns:r="http://schemas.openxmlformats.org/officeDocument/2006/relationships" xmlns:p="http://schemas.openxmlformats.org/presentationml/2006/main">
+  <p:cSld>
+    <p:spTree>
+      <p:nvGrpSpPr>
+        <p:cNvPr id="1" name=""/>
+        <p:cNvGrpSpPr/>
+        <p:nvPr/>
+      </p:nvGrpSpPr>
+      <p:grpSpPr>
+        <a:xfrm>
+          <a:off x="0" y="0"/>
+          <a:ext cx="0" cy="0"/>
+          <a:chOff x="0" y="0"/>
+          <a:chExt cx="0" cy="0"/>
+        </a:xfrm>
+      </p:grpSpPr>
+      <p:graphicFrame>
+        <p:nvGraphicFramePr>
+          <p:cNvPr id="13" name="Diagramm 12">
+            <a:extLst>
+              <a:ext uri="{FF2B5EF4-FFF2-40B4-BE49-F238E27FC236}">
+                <a16:creationId xmlns:a16="http://schemas.microsoft.com/office/drawing/2014/main" id="{5642F1D8-D9EF-2809-7610-7BB8B12DCA43}"/>
+              </a:ext>
+            </a:extLst>
+          </p:cNvPr>
+          <p:cNvGraphicFramePr/>
+          <p:nvPr>
+            <p:extLst>
+              <p:ext uri="{D42A27DB-BD31-4B8C-83A1-F6EECF244321}">
+                <p14:modId xmlns:p14="http://schemas.microsoft.com/office/powerpoint/2010/main" val="3177223906"/>
+              </p:ext>
+            </p:extLst>
+          </p:nvPr>
+        </p:nvGraphicFramePr>
+        <p:xfrm>
+          <a:off x="2032000" y="719666"/>
+          <a:ext cx="8128000" cy="5418667"/>
+        </p:xfrm>
+        <a:graphic>
+          <a:graphicData uri="http://schemas.openxmlformats.org/drawingml/2006/diagram">
+            <dgm:relIds xmlns:dgm="http://schemas.openxmlformats.org/drawingml/2006/diagram" xmlns:r="http://schemas.openxmlformats.org/officeDocument/2006/relationships" r:dm="rId2" r:lo="rId3" r:qs="rId4" r:cs="rId5"/>
+          </a:graphicData>
+        </a:graphic>
+      </p:graphicFrame>
+      <p:sp>
+        <p:nvSpPr>
+          <p:cNvPr id="14" name="Textfeld 13">
+            <a:extLst>
+              <a:ext uri="{FF2B5EF4-FFF2-40B4-BE49-F238E27FC236}">
+                <a16:creationId xmlns:a16="http://schemas.microsoft.com/office/drawing/2014/main" id="{3FE0434F-C783-0619-E787-2FB01AB1C390}"/>
+              </a:ext>
+            </a:extLst>
+          </p:cNvPr>
+          <p:cNvSpPr txBox="1"/>
+          <p:nvPr/>
+        </p:nvSpPr>
+        <p:spPr>
+          <a:xfrm>
+            <a:off x="7723762" y="1575881"/>
+            <a:ext cx="1080745" cy="369332"/>
+          </a:xfrm>
+          <a:prstGeom prst="rect">
+            <a:avLst/>
+          </a:prstGeom>
+          <a:noFill/>
+        </p:spPr>
+        <p:txBody>
+          <a:bodyPr wrap="none" rtlCol="0">
+            <a:spAutoFit/>
+          </a:bodyPr>
+          <a:lstStyle/>
+          <a:p>
+            <a:r>
+              <a:rPr lang="de-DE" dirty="0" err="1"/>
+              <a:t>Is</a:t>
+            </a:r>
+            <a:r>
+              <a:rPr lang="de-DE" dirty="0"/>
+              <a:t> </a:t>
+            </a:r>
+            <a:r>
+              <a:rPr lang="de-DE" dirty="0" err="1"/>
+              <a:t>similar</a:t>
+            </a:r>
+            <a:endParaRPr lang="de-DE" dirty="0"/>
+          </a:p>
+        </p:txBody>
+      </p:sp>
+      <p:sp>
+        <p:nvSpPr>
+          <p:cNvPr id="15" name="Textfeld 14">
+            <a:extLst>
+              <a:ext uri="{FF2B5EF4-FFF2-40B4-BE49-F238E27FC236}">
+                <a16:creationId xmlns:a16="http://schemas.microsoft.com/office/drawing/2014/main" id="{67361B53-8820-7764-96FA-4B5824558582}"/>
+              </a:ext>
+            </a:extLst>
+          </p:cNvPr>
+          <p:cNvSpPr txBox="1"/>
+          <p:nvPr/>
+        </p:nvSpPr>
+        <p:spPr>
+          <a:xfrm>
+            <a:off x="8541615" y="4494179"/>
+            <a:ext cx="1035283" cy="369332"/>
+          </a:xfrm>
+          <a:prstGeom prst="rect">
+            <a:avLst/>
+          </a:prstGeom>
+          <a:noFill/>
+        </p:spPr>
+        <p:txBody>
+          <a:bodyPr wrap="none" rtlCol="0">
+            <a:spAutoFit/>
+          </a:bodyPr>
+          <a:lstStyle/>
+          <a:p>
+            <a:r>
+              <a:rPr lang="de-DE" dirty="0"/>
+              <a:t>Leads to</a:t>
+            </a:r>
+          </a:p>
+        </p:txBody>
+      </p:sp>
+      <p:sp>
+        <p:nvSpPr>
+          <p:cNvPr id="16" name="Textfeld 15">
+            <a:extLst>
+              <a:ext uri="{FF2B5EF4-FFF2-40B4-BE49-F238E27FC236}">
+                <a16:creationId xmlns:a16="http://schemas.microsoft.com/office/drawing/2014/main" id="{47E904BC-8434-1362-CEA2-33318AC5096A}"/>
+              </a:ext>
+            </a:extLst>
+          </p:cNvPr>
+          <p:cNvSpPr txBox="1"/>
+          <p:nvPr/>
+        </p:nvSpPr>
+        <p:spPr>
+          <a:xfrm>
+            <a:off x="5601890" y="6138333"/>
+            <a:ext cx="998094" cy="369332"/>
+          </a:xfrm>
+          <a:prstGeom prst="rect">
+            <a:avLst/>
+          </a:prstGeom>
+          <a:noFill/>
+        </p:spPr>
+        <p:txBody>
+          <a:bodyPr wrap="none" rtlCol="0">
+            <a:spAutoFit/>
+          </a:bodyPr>
+          <a:lstStyle/>
+          <a:p>
+            <a:r>
+              <a:rPr lang="de-DE" dirty="0" err="1"/>
+              <a:t>impacts</a:t>
+            </a:r>
+            <a:endParaRPr lang="de-DE" dirty="0"/>
+          </a:p>
+        </p:txBody>
+      </p:sp>
+      <p:sp>
+        <p:nvSpPr>
+          <p:cNvPr id="17" name="Textfeld 16">
+            <a:extLst>
+              <a:ext uri="{FF2B5EF4-FFF2-40B4-BE49-F238E27FC236}">
+                <a16:creationId xmlns:a16="http://schemas.microsoft.com/office/drawing/2014/main" id="{D56697D0-42C4-4561-0E31-B3F317D4A9F8}"/>
+              </a:ext>
+            </a:extLst>
+          </p:cNvPr>
+          <p:cNvSpPr txBox="1"/>
+          <p:nvPr/>
+        </p:nvSpPr>
+        <p:spPr>
+          <a:xfrm>
+            <a:off x="2801566" y="4212077"/>
+            <a:ext cx="1778115" cy="369332"/>
+          </a:xfrm>
+          <a:prstGeom prst="rect">
+            <a:avLst/>
+          </a:prstGeom>
+          <a:noFill/>
+        </p:spPr>
+        <p:txBody>
+          <a:bodyPr wrap="none" rtlCol="0">
+            <a:spAutoFit/>
+          </a:bodyPr>
+          <a:lstStyle/>
+          <a:p>
+            <a:r>
+              <a:rPr lang="de-DE" dirty="0" err="1"/>
+              <a:t>Becomes</a:t>
+            </a:r>
+            <a:r>
+              <a:rPr lang="de-DE" dirty="0"/>
+              <a:t> real in</a:t>
+            </a:r>
+          </a:p>
+        </p:txBody>
+      </p:sp>
+      <p:sp>
+        <p:nvSpPr>
+          <p:cNvPr id="18" name="Textfeld 17">
+            <a:extLst>
+              <a:ext uri="{FF2B5EF4-FFF2-40B4-BE49-F238E27FC236}">
+                <a16:creationId xmlns:a16="http://schemas.microsoft.com/office/drawing/2014/main" id="{BF99546A-63D4-F751-33AC-7F5E3612616C}"/>
+              </a:ext>
+            </a:extLst>
+          </p:cNvPr>
+          <p:cNvSpPr txBox="1"/>
+          <p:nvPr/>
+        </p:nvSpPr>
+        <p:spPr>
+          <a:xfrm>
+            <a:off x="3365770" y="1488332"/>
+            <a:ext cx="1165704" cy="369332"/>
+          </a:xfrm>
+          <a:prstGeom prst="rect">
+            <a:avLst/>
+          </a:prstGeom>
+          <a:noFill/>
+        </p:spPr>
+        <p:txBody>
+          <a:bodyPr wrap="none" rtlCol="0">
+            <a:spAutoFit/>
+          </a:bodyPr>
+          <a:lstStyle/>
+          <a:p>
+            <a:r>
+              <a:rPr lang="de-DE" dirty="0" err="1"/>
+              <a:t>describes</a:t>
+            </a:r>
+            <a:endParaRPr lang="de-DE" dirty="0"/>
+          </a:p>
+        </p:txBody>
+      </p:sp>
+    </p:spTree>
+    <p:extLst>
+      <p:ext uri="{BB962C8B-B14F-4D97-AF65-F5344CB8AC3E}">
+        <p14:creationId xmlns:p14="http://schemas.microsoft.com/office/powerpoint/2010/main" val="1221617277"/>
+      </p:ext>
+    </p:extLst>
+  </p:cSld>
+  <p:clrMapOvr>
+    <a:masterClrMapping/>
+  </p:clrMapOvr>
+</p:sld>
+</file>
+
+<file path=ppt/slides/slide3.xml><?xml version="1.0" encoding="utf-8"?>
+<p:sld xmlns:a="http://schemas.openxmlformats.org/drawingml/2006/main" xmlns:r="http://schemas.openxmlformats.org/officeDocument/2006/relationships" xmlns:p="http://schemas.openxmlformats.org/presentationml/2006/main">
+  <p:cSld>
+    <p:spTree>
+      <p:nvGrpSpPr>
+        <p:cNvPr id="1" name=""/>
+        <p:cNvGrpSpPr/>
+        <p:nvPr/>
+      </p:nvGrpSpPr>
+      <p:grpSpPr>
+        <a:xfrm>
+          <a:off x="0" y="0"/>
+          <a:ext cx="0" cy="0"/>
+          <a:chOff x="0" y="0"/>
+          <a:chExt cx="0" cy="0"/>
+        </a:xfrm>
+      </p:grpSpPr>
+      <p:graphicFrame>
+        <p:nvGraphicFramePr>
+          <p:cNvPr id="13" name="Diagramm 12">
+            <a:extLst>
+              <a:ext uri="{FF2B5EF4-FFF2-40B4-BE49-F238E27FC236}">
+                <a16:creationId xmlns:a16="http://schemas.microsoft.com/office/drawing/2014/main" id="{5642F1D8-D9EF-2809-7610-7BB8B12DCA43}"/>
+              </a:ext>
+            </a:extLst>
+          </p:cNvPr>
+          <p:cNvGraphicFramePr/>
+          <p:nvPr>
+            <p:extLst>
+              <p:ext uri="{D42A27DB-BD31-4B8C-83A1-F6EECF244321}">
+                <p14:modId xmlns:p14="http://schemas.microsoft.com/office/powerpoint/2010/main" val="2273584771"/>
+              </p:ext>
+            </p:extLst>
+          </p:nvPr>
+        </p:nvGraphicFramePr>
+        <p:xfrm>
+          <a:off x="2032000" y="719666"/>
+          <a:ext cx="8128000" cy="5418667"/>
+        </p:xfrm>
+        <a:graphic>
+          <a:graphicData uri="http://schemas.openxmlformats.org/drawingml/2006/diagram">
+            <dgm:relIds xmlns:dgm="http://schemas.openxmlformats.org/drawingml/2006/diagram" xmlns:r="http://schemas.openxmlformats.org/officeDocument/2006/relationships" r:dm="rId2" r:lo="rId3" r:qs="rId4" r:cs="rId5"/>
+          </a:graphicData>
+        </a:graphic>
+      </p:graphicFrame>
+      <p:sp>
+        <p:nvSpPr>
+          <p:cNvPr id="14" name="Textfeld 13">
+            <a:extLst>
+              <a:ext uri="{FF2B5EF4-FFF2-40B4-BE49-F238E27FC236}">
+                <a16:creationId xmlns:a16="http://schemas.microsoft.com/office/drawing/2014/main" id="{3FE0434F-C783-0619-E787-2FB01AB1C390}"/>
+              </a:ext>
+            </a:extLst>
+          </p:cNvPr>
+          <p:cNvSpPr txBox="1"/>
+          <p:nvPr/>
+        </p:nvSpPr>
+        <p:spPr>
+          <a:xfrm>
+            <a:off x="7723762" y="1575881"/>
+            <a:ext cx="859274" cy="369332"/>
+          </a:xfrm>
+          <a:prstGeom prst="rect">
+            <a:avLst/>
+          </a:prstGeom>
+          <a:noFill/>
+        </p:spPr>
+        <p:txBody>
+          <a:bodyPr wrap="none" rtlCol="0">
+            <a:spAutoFit/>
+          </a:bodyPr>
+          <a:lstStyle/>
+          <a:p>
+            <a:r>
+              <a:rPr lang="de-DE" dirty="0" err="1"/>
+              <a:t>benzer</a:t>
+            </a:r>
+            <a:endParaRPr lang="de-DE" dirty="0"/>
+          </a:p>
+        </p:txBody>
+      </p:sp>
+      <p:sp>
+        <p:nvSpPr>
+          <p:cNvPr id="15" name="Textfeld 14">
+            <a:extLst>
+              <a:ext uri="{FF2B5EF4-FFF2-40B4-BE49-F238E27FC236}">
+                <a16:creationId xmlns:a16="http://schemas.microsoft.com/office/drawing/2014/main" id="{67361B53-8820-7764-96FA-4B5824558582}"/>
+              </a:ext>
+            </a:extLst>
+          </p:cNvPr>
+          <p:cNvSpPr txBox="1"/>
+          <p:nvPr/>
+        </p:nvSpPr>
+        <p:spPr>
+          <a:xfrm>
+            <a:off x="8541615" y="4494179"/>
+            <a:ext cx="1965090" cy="369332"/>
+          </a:xfrm>
+          <a:prstGeom prst="rect">
+            <a:avLst/>
+          </a:prstGeom>
+          <a:noFill/>
+        </p:spPr>
+        <p:txBody>
+          <a:bodyPr wrap="none" rtlCol="0">
+            <a:spAutoFit/>
+          </a:bodyPr>
+          <a:lstStyle/>
+          <a:p>
+            <a:r>
+              <a:rPr lang="de-DE" dirty="0" err="1"/>
+              <a:t>Şuraya</a:t>
+            </a:r>
+            <a:r>
+              <a:rPr lang="de-DE" dirty="0"/>
+              <a:t> </a:t>
+            </a:r>
+            <a:r>
+              <a:rPr lang="de-DE" dirty="0" err="1"/>
+              <a:t>yönlendirir</a:t>
+            </a:r>
+            <a:endParaRPr lang="de-DE" dirty="0"/>
+          </a:p>
+        </p:txBody>
+      </p:sp>
+      <p:sp>
+        <p:nvSpPr>
+          <p:cNvPr id="16" name="Textfeld 15">
+            <a:extLst>
+              <a:ext uri="{FF2B5EF4-FFF2-40B4-BE49-F238E27FC236}">
+                <a16:creationId xmlns:a16="http://schemas.microsoft.com/office/drawing/2014/main" id="{47E904BC-8434-1362-CEA2-33318AC5096A}"/>
+              </a:ext>
+            </a:extLst>
+          </p:cNvPr>
+          <p:cNvSpPr txBox="1"/>
+          <p:nvPr/>
+        </p:nvSpPr>
+        <p:spPr>
+          <a:xfrm>
+            <a:off x="5601890" y="6138333"/>
+            <a:ext cx="1220206" cy="369332"/>
+          </a:xfrm>
+          <a:prstGeom prst="rect">
+            <a:avLst/>
+          </a:prstGeom>
+          <a:noFill/>
+        </p:spPr>
+        <p:txBody>
+          <a:bodyPr wrap="none" rtlCol="0">
+            <a:spAutoFit/>
+          </a:bodyPr>
+          <a:lstStyle/>
+          <a:p>
+            <a:r>
+              <a:rPr lang="de-DE" dirty="0" err="1"/>
+              <a:t>etkilenmiş</a:t>
+            </a:r>
+            <a:endParaRPr lang="de-DE" dirty="0"/>
+          </a:p>
+        </p:txBody>
+      </p:sp>
+      <p:sp>
+        <p:nvSpPr>
+          <p:cNvPr id="17" name="Textfeld 16">
+            <a:extLst>
+              <a:ext uri="{FF2B5EF4-FFF2-40B4-BE49-F238E27FC236}">
+                <a16:creationId xmlns:a16="http://schemas.microsoft.com/office/drawing/2014/main" id="{D56697D0-42C4-4561-0E31-B3F317D4A9F8}"/>
+              </a:ext>
+            </a:extLst>
+          </p:cNvPr>
+          <p:cNvSpPr txBox="1"/>
+          <p:nvPr/>
+        </p:nvSpPr>
+        <p:spPr>
+          <a:xfrm>
+            <a:off x="2801566" y="4212077"/>
+            <a:ext cx="3008452" cy="369332"/>
+          </a:xfrm>
+          <a:prstGeom prst="rect">
+            <a:avLst/>
+          </a:prstGeom>
+          <a:noFill/>
+        </p:spPr>
+        <p:txBody>
+          <a:bodyPr wrap="none" rtlCol="0">
+            <a:spAutoFit/>
+          </a:bodyPr>
+          <a:lstStyle/>
+          <a:p>
+            <a:r>
+              <a:rPr lang="da-DK" dirty="0"/>
+              <a:t>Kendini şu şekilde ifade eder</a:t>
+            </a:r>
+            <a:endParaRPr lang="de-DE" dirty="0"/>
+          </a:p>
+        </p:txBody>
+      </p:sp>
+      <p:sp>
+        <p:nvSpPr>
+          <p:cNvPr id="18" name="Textfeld 17">
+            <a:extLst>
+              <a:ext uri="{FF2B5EF4-FFF2-40B4-BE49-F238E27FC236}">
+                <a16:creationId xmlns:a16="http://schemas.microsoft.com/office/drawing/2014/main" id="{BF99546A-63D4-F751-33AC-7F5E3612616C}"/>
+              </a:ext>
+            </a:extLst>
+          </p:cNvPr>
+          <p:cNvSpPr txBox="1"/>
+          <p:nvPr/>
+        </p:nvSpPr>
+        <p:spPr>
+          <a:xfrm>
+            <a:off x="3365770" y="1488332"/>
+            <a:ext cx="856325" cy="369332"/>
+          </a:xfrm>
+          <a:prstGeom prst="rect">
+            <a:avLst/>
+          </a:prstGeom>
+          <a:noFill/>
+        </p:spPr>
+        <p:txBody>
+          <a:bodyPr wrap="none" rtlCol="0">
+            <a:spAutoFit/>
+          </a:bodyPr>
+          <a:lstStyle/>
+          <a:p>
+            <a:r>
+              <a:rPr lang="de-DE" dirty="0" err="1"/>
+              <a:t>açıklar</a:t>
+            </a:r>
+            <a:endParaRPr lang="de-DE" dirty="0"/>
+          </a:p>
+        </p:txBody>
+      </p:sp>
+    </p:spTree>
+    <p:extLst>
+      <p:ext uri="{BB962C8B-B14F-4D97-AF65-F5344CB8AC3E}">
+        <p14:creationId xmlns:p14="http://schemas.microsoft.com/office/powerpoint/2010/main" val="3586579652"/>
+      </p:ext>
+    </p:extLst>
+  </p:cSld>
+  <p:clrMapOvr>
+    <a:masterClrMapping/>
+  </p:clrMapOvr>
+</p:sld>
+</file>
+
 <file path=ppt/theme/theme1.xml><?xml version="1.0" encoding="utf-8"?>
 <a:theme xmlns:a="http://schemas.openxmlformats.org/drawingml/2006/main" name="Office">
   <a:themeElements>
